--- a/Presentation/SRW Presentation.pptx
+++ b/Presentation/SRW Presentation.pptx
@@ -6,7 +6,7 @@
     <p:sldMasterId id="2147483682" r:id="rId2"/>
   </p:sldMasterIdLst>
   <p:notesMasterIdLst>
-    <p:notesMasterId r:id="rId31"/>
+    <p:notesMasterId r:id="rId39"/>
   </p:notesMasterIdLst>
   <p:sldIdLst>
     <p:sldId id="256" r:id="rId3"/>
@@ -18,25 +18,33 @@
     <p:sldId id="288" r:id="rId9"/>
     <p:sldId id="261" r:id="rId10"/>
     <p:sldId id="286" r:id="rId11"/>
-    <p:sldId id="262" r:id="rId12"/>
-    <p:sldId id="263" r:id="rId13"/>
-    <p:sldId id="291" r:id="rId14"/>
-    <p:sldId id="279" r:id="rId15"/>
-    <p:sldId id="284" r:id="rId16"/>
-    <p:sldId id="285" r:id="rId17"/>
-    <p:sldId id="289" r:id="rId18"/>
-    <p:sldId id="295" r:id="rId19"/>
-    <p:sldId id="296" r:id="rId20"/>
-    <p:sldId id="292" r:id="rId21"/>
-    <p:sldId id="297" r:id="rId22"/>
-    <p:sldId id="298" r:id="rId23"/>
-    <p:sldId id="299" r:id="rId24"/>
-    <p:sldId id="302" r:id="rId25"/>
-    <p:sldId id="294" r:id="rId26"/>
-    <p:sldId id="300" r:id="rId27"/>
-    <p:sldId id="276" r:id="rId28"/>
-    <p:sldId id="301" r:id="rId29"/>
-    <p:sldId id="287" r:id="rId30"/>
+    <p:sldId id="303" r:id="rId12"/>
+    <p:sldId id="262" r:id="rId13"/>
+    <p:sldId id="263" r:id="rId14"/>
+    <p:sldId id="291" r:id="rId15"/>
+    <p:sldId id="279" r:id="rId16"/>
+    <p:sldId id="284" r:id="rId17"/>
+    <p:sldId id="285" r:id="rId18"/>
+    <p:sldId id="289" r:id="rId19"/>
+    <p:sldId id="295" r:id="rId20"/>
+    <p:sldId id="296" r:id="rId21"/>
+    <p:sldId id="292" r:id="rId22"/>
+    <p:sldId id="304" r:id="rId23"/>
+    <p:sldId id="305" r:id="rId24"/>
+    <p:sldId id="297" r:id="rId25"/>
+    <p:sldId id="306" r:id="rId26"/>
+    <p:sldId id="311" r:id="rId27"/>
+    <p:sldId id="312" r:id="rId28"/>
+    <p:sldId id="307" r:id="rId29"/>
+    <p:sldId id="308" r:id="rId30"/>
+    <p:sldId id="298" r:id="rId31"/>
+    <p:sldId id="309" r:id="rId32"/>
+    <p:sldId id="310" r:id="rId33"/>
+    <p:sldId id="302" r:id="rId34"/>
+    <p:sldId id="294" r:id="rId35"/>
+    <p:sldId id="300" r:id="rId36"/>
+    <p:sldId id="276" r:id="rId37"/>
+    <p:sldId id="301" r:id="rId38"/>
   </p:sldIdLst>
   <p:sldSz cx="9144000" cy="6858000" type="screen4x3"/>
   <p:notesSz cx="6858000" cy="9144000"/>
@@ -722,6 +730,116 @@
     </p:spTree>
     <p:extLst>
       <p:ext uri="{BB962C8B-B14F-4D97-AF65-F5344CB8AC3E}">
+        <p14:creationId xmlns:p14="http://schemas.microsoft.com/office/powerpoint/2010/main" val="2459703309"/>
+      </p:ext>
+    </p:extLst>
+  </p:cSld>
+  <p:clrMapOvr>
+    <a:masterClrMapping/>
+  </p:clrMapOvr>
+</p:notes>
+</file>
+
+<file path=ppt/notesSlides/notesSlide11.xml><?xml version="1.0" encoding="utf-8"?>
+<p:notes xmlns:a="http://schemas.openxmlformats.org/drawingml/2006/main" xmlns:r="http://schemas.openxmlformats.org/officeDocument/2006/relationships" xmlns:p="http://schemas.openxmlformats.org/presentationml/2006/main" showMasterSp="0" showMasterPhAnim="0">
+  <p:cSld>
+    <p:spTree>
+      <p:nvGrpSpPr>
+        <p:cNvPr id="1" name="Shape 248"/>
+        <p:cNvGrpSpPr/>
+        <p:nvPr/>
+      </p:nvGrpSpPr>
+      <p:grpSpPr>
+        <a:xfrm>
+          <a:off x="0" y="0"/>
+          <a:ext cx="0" cy="0"/>
+          <a:chOff x="0" y="0"/>
+          <a:chExt cx="0" cy="0"/>
+        </a:xfrm>
+      </p:grpSpPr>
+      <p:sp>
+        <p:nvSpPr>
+          <p:cNvPr id="249" name="Shape 249"/>
+          <p:cNvSpPr txBox="1">
+            <a:spLocks noGrp="1"/>
+          </p:cNvSpPr>
+          <p:nvPr>
+            <p:ph type="body" idx="1"/>
+          </p:nvPr>
+        </p:nvSpPr>
+        <p:spPr>
+          <a:xfrm>
+            <a:off x="685800" y="4343400"/>
+            <a:ext cx="5486399" cy="4114800"/>
+          </a:xfrm>
+          <a:prstGeom prst="rect">
+            <a:avLst/>
+          </a:prstGeom>
+          <a:noFill/>
+          <a:ln>
+            <a:noFill/>
+          </a:ln>
+        </p:spPr>
+        <p:txBody>
+          <a:bodyPr lIns="91425" tIns="91425" rIns="91425" bIns="91425" anchor="ctr" anchorCtr="0">
+            <a:noAutofit/>
+          </a:bodyPr>
+          <a:lstStyle/>
+          <a:p>
+            <a:pPr lvl="0">
+              <a:spcBef>
+                <a:spcPts val="0"/>
+              </a:spcBef>
+              <a:buNone/>
+            </a:pPr>
+            <a:endParaRPr/>
+          </a:p>
+        </p:txBody>
+      </p:sp>
+      <p:sp>
+        <p:nvSpPr>
+          <p:cNvPr id="250" name="Shape 250"/>
+          <p:cNvSpPr>
+            <a:spLocks noGrp="1" noRot="1" noChangeAspect="1"/>
+          </p:cNvSpPr>
+          <p:nvPr>
+            <p:ph type="sldImg" idx="2"/>
+          </p:nvPr>
+        </p:nvSpPr>
+        <p:spPr>
+          <a:xfrm>
+            <a:off x="1143000" y="685800"/>
+            <a:ext cx="4572000" cy="3429000"/>
+          </a:xfrm>
+          <a:custGeom>
+            <a:avLst/>
+            <a:gdLst/>
+            <a:ahLst/>
+            <a:cxnLst/>
+            <a:rect l="0" t="0" r="0" b="0"/>
+            <a:pathLst>
+              <a:path w="120000" h="120000" extrusionOk="0">
+                <a:moveTo>
+                  <a:pt x="0" y="0"/>
+                </a:moveTo>
+                <a:lnTo>
+                  <a:pt x="120000" y="0"/>
+                </a:lnTo>
+                <a:lnTo>
+                  <a:pt x="120000" y="120000"/>
+                </a:lnTo>
+                <a:lnTo>
+                  <a:pt x="0" y="120000"/>
+                </a:lnTo>
+                <a:close/>
+              </a:path>
+            </a:pathLst>
+          </a:custGeom>
+        </p:spPr>
+      </p:sp>
+    </p:spTree>
+    <p:extLst>
+      <p:ext uri="{BB962C8B-B14F-4D97-AF65-F5344CB8AC3E}">
         <p14:creationId xmlns:p14="http://schemas.microsoft.com/office/powerpoint/2010/main" val="3884826057"/>
       </p:ext>
     </p:extLst>
@@ -732,7 +850,7 @@
 </p:notes>
 </file>
 
-<file path=ppt/notesSlides/notesSlide11.xml><?xml version="1.0" encoding="utf-8"?>
+<file path=ppt/notesSlides/notesSlide12.xml><?xml version="1.0" encoding="utf-8"?>
 <p:notes xmlns:a="http://schemas.openxmlformats.org/drawingml/2006/main" xmlns:r="http://schemas.openxmlformats.org/officeDocument/2006/relationships" xmlns:p="http://schemas.openxmlformats.org/presentationml/2006/main" showMasterSp="0" showMasterPhAnim="0">
   <p:cSld>
     <p:spTree>
@@ -838,7 +956,7 @@
 </p:notes>
 </file>
 
-<file path=ppt/notesSlides/notesSlide12.xml><?xml version="1.0" encoding="utf-8"?>
+<file path=ppt/notesSlides/notesSlide13.xml><?xml version="1.0" encoding="utf-8"?>
 <p:notes xmlns:a="http://schemas.openxmlformats.org/drawingml/2006/main" xmlns:r="http://schemas.openxmlformats.org/officeDocument/2006/relationships" xmlns:p="http://schemas.openxmlformats.org/presentationml/2006/main" showMasterSp="0" showMasterPhAnim="0">
   <p:cSld>
     <p:spTree>
@@ -944,7 +1062,7 @@
 </p:notes>
 </file>
 
-<file path=ppt/notesSlides/notesSlide13.xml><?xml version="1.0" encoding="utf-8"?>
+<file path=ppt/notesSlides/notesSlide14.xml><?xml version="1.0" encoding="utf-8"?>
 <p:notes xmlns:a="http://schemas.openxmlformats.org/drawingml/2006/main" xmlns:r="http://schemas.openxmlformats.org/officeDocument/2006/relationships" xmlns:p="http://schemas.openxmlformats.org/presentationml/2006/main" showMasterSp="0" showMasterPhAnim="0">
   <p:cSld>
     <p:spTree>
@@ -1054,7 +1172,7 @@
 </p:notes>
 </file>
 
-<file path=ppt/notesSlides/notesSlide14.xml><?xml version="1.0" encoding="utf-8"?>
+<file path=ppt/notesSlides/notesSlide15.xml><?xml version="1.0" encoding="utf-8"?>
 <p:notes xmlns:a="http://schemas.openxmlformats.org/drawingml/2006/main" xmlns:r="http://schemas.openxmlformats.org/officeDocument/2006/relationships" xmlns:p="http://schemas.openxmlformats.org/presentationml/2006/main" showMasterSp="0" showMasterPhAnim="0">
   <p:cSld>
     <p:spTree>
@@ -1164,7 +1282,7 @@
 </p:notes>
 </file>
 
-<file path=ppt/notesSlides/notesSlide15.xml><?xml version="1.0" encoding="utf-8"?>
+<file path=ppt/notesSlides/notesSlide16.xml><?xml version="1.0" encoding="utf-8"?>
 <p:notes xmlns:a="http://schemas.openxmlformats.org/drawingml/2006/main" xmlns:r="http://schemas.openxmlformats.org/officeDocument/2006/relationships" xmlns:p="http://schemas.openxmlformats.org/presentationml/2006/main" showMasterSp="0" showMasterPhAnim="0">
   <p:cSld>
     <p:spTree>
@@ -1274,7 +1392,7 @@
 </p:notes>
 </file>
 
-<file path=ppt/notesSlides/notesSlide16.xml><?xml version="1.0" encoding="utf-8"?>
+<file path=ppt/notesSlides/notesSlide17.xml><?xml version="1.0" encoding="utf-8"?>
 <p:notes xmlns:a="http://schemas.openxmlformats.org/drawingml/2006/main" xmlns:r="http://schemas.openxmlformats.org/officeDocument/2006/relationships" xmlns:p="http://schemas.openxmlformats.org/presentationml/2006/main" showMasterSp="0" showMasterPhAnim="0">
   <p:cSld>
     <p:spTree>
@@ -1384,7 +1502,7 @@
 </p:notes>
 </file>
 
-<file path=ppt/notesSlides/notesSlide17.xml><?xml version="1.0" encoding="utf-8"?>
+<file path=ppt/notesSlides/notesSlide18.xml><?xml version="1.0" encoding="utf-8"?>
 <p:notes xmlns:a="http://schemas.openxmlformats.org/drawingml/2006/main" xmlns:r="http://schemas.openxmlformats.org/officeDocument/2006/relationships" xmlns:p="http://schemas.openxmlformats.org/presentationml/2006/main" showMasterSp="0" showMasterPhAnim="0">
   <p:cSld>
     <p:spTree>
@@ -1494,7 +1612,7 @@
 </p:notes>
 </file>
 
-<file path=ppt/notesSlides/notesSlide18.xml><?xml version="1.0" encoding="utf-8"?>
+<file path=ppt/notesSlides/notesSlide19.xml><?xml version="1.0" encoding="utf-8"?>
 <p:notes xmlns:a="http://schemas.openxmlformats.org/drawingml/2006/main" xmlns:r="http://schemas.openxmlformats.org/officeDocument/2006/relationships" xmlns:p="http://schemas.openxmlformats.org/presentationml/2006/main" showMasterSp="0" showMasterPhAnim="0">
   <p:cSld>
     <p:spTree>
@@ -1595,116 +1713,6 @@
     <p:extLst>
       <p:ext uri="{BB962C8B-B14F-4D97-AF65-F5344CB8AC3E}">
         <p14:creationId xmlns:p14="http://schemas.microsoft.com/office/powerpoint/2010/main" val="1175950527"/>
-      </p:ext>
-    </p:extLst>
-  </p:cSld>
-  <p:clrMapOvr>
-    <a:masterClrMapping/>
-  </p:clrMapOvr>
-</p:notes>
-</file>
-
-<file path=ppt/notesSlides/notesSlide19.xml><?xml version="1.0" encoding="utf-8"?>
-<p:notes xmlns:a="http://schemas.openxmlformats.org/drawingml/2006/main" xmlns:r="http://schemas.openxmlformats.org/officeDocument/2006/relationships" xmlns:p="http://schemas.openxmlformats.org/presentationml/2006/main" showMasterSp="0" showMasterPhAnim="0">
-  <p:cSld>
-    <p:spTree>
-      <p:nvGrpSpPr>
-        <p:cNvPr id="1" name="Shape 216"/>
-        <p:cNvGrpSpPr/>
-        <p:nvPr/>
-      </p:nvGrpSpPr>
-      <p:grpSpPr>
-        <a:xfrm>
-          <a:off x="0" y="0"/>
-          <a:ext cx="0" cy="0"/>
-          <a:chOff x="0" y="0"/>
-          <a:chExt cx="0" cy="0"/>
-        </a:xfrm>
-      </p:grpSpPr>
-      <p:sp>
-        <p:nvSpPr>
-          <p:cNvPr id="217" name="Shape 217"/>
-          <p:cNvSpPr txBox="1">
-            <a:spLocks noGrp="1"/>
-          </p:cNvSpPr>
-          <p:nvPr>
-            <p:ph type="body" idx="1"/>
-          </p:nvPr>
-        </p:nvSpPr>
-        <p:spPr>
-          <a:xfrm>
-            <a:off x="685800" y="4343400"/>
-            <a:ext cx="5486400" cy="4114800"/>
-          </a:xfrm>
-          <a:prstGeom prst="rect">
-            <a:avLst/>
-          </a:prstGeom>
-          <a:noFill/>
-          <a:ln>
-            <a:noFill/>
-          </a:ln>
-        </p:spPr>
-        <p:txBody>
-          <a:bodyPr lIns="91425" tIns="91425" rIns="91425" bIns="91425" anchor="ctr" anchorCtr="0">
-            <a:noAutofit/>
-          </a:bodyPr>
-          <a:lstStyle/>
-          <a:p>
-            <a:pPr lvl="0" rtl="0">
-              <a:spcBef>
-                <a:spcPts val="0"/>
-              </a:spcBef>
-              <a:buNone/>
-            </a:pPr>
-            <a:endParaRPr/>
-          </a:p>
-        </p:txBody>
-      </p:sp>
-      <p:sp>
-        <p:nvSpPr>
-          <p:cNvPr id="218" name="Shape 218"/>
-          <p:cNvSpPr>
-            <a:spLocks noGrp="1" noRot="1" noChangeAspect="1"/>
-          </p:cNvSpPr>
-          <p:nvPr>
-            <p:ph type="sldImg" idx="2"/>
-          </p:nvPr>
-        </p:nvSpPr>
-        <p:spPr>
-          <a:xfrm>
-            <a:off x="1143000" y="685800"/>
-            <a:ext cx="4572000" cy="3429000"/>
-          </a:xfrm>
-          <a:custGeom>
-            <a:avLst/>
-            <a:gdLst/>
-            <a:ahLst/>
-            <a:cxnLst/>
-            <a:rect l="0" t="0" r="0" b="0"/>
-            <a:pathLst>
-              <a:path w="120000" h="120000" extrusionOk="0">
-                <a:moveTo>
-                  <a:pt x="0" y="0"/>
-                </a:moveTo>
-                <a:lnTo>
-                  <a:pt x="120000" y="0"/>
-                </a:lnTo>
-                <a:lnTo>
-                  <a:pt x="120000" y="120000"/>
-                </a:lnTo>
-                <a:lnTo>
-                  <a:pt x="0" y="120000"/>
-                </a:lnTo>
-                <a:close/>
-              </a:path>
-            </a:pathLst>
-          </a:custGeom>
-        </p:spPr>
-      </p:sp>
-    </p:spTree>
-    <p:extLst>
-      <p:ext uri="{BB962C8B-B14F-4D97-AF65-F5344CB8AC3E}">
-        <p14:creationId xmlns:p14="http://schemas.microsoft.com/office/powerpoint/2010/main" val="2973111053"/>
       </p:ext>
     </p:extLst>
   </p:cSld>
@@ -1829,6 +1837,336 @@
   <p:cSld>
     <p:spTree>
       <p:nvGrpSpPr>
+        <p:cNvPr id="1" name="Shape 216"/>
+        <p:cNvGrpSpPr/>
+        <p:nvPr/>
+      </p:nvGrpSpPr>
+      <p:grpSpPr>
+        <a:xfrm>
+          <a:off x="0" y="0"/>
+          <a:ext cx="0" cy="0"/>
+          <a:chOff x="0" y="0"/>
+          <a:chExt cx="0" cy="0"/>
+        </a:xfrm>
+      </p:grpSpPr>
+      <p:sp>
+        <p:nvSpPr>
+          <p:cNvPr id="217" name="Shape 217"/>
+          <p:cNvSpPr txBox="1">
+            <a:spLocks noGrp="1"/>
+          </p:cNvSpPr>
+          <p:nvPr>
+            <p:ph type="body" idx="1"/>
+          </p:nvPr>
+        </p:nvSpPr>
+        <p:spPr>
+          <a:xfrm>
+            <a:off x="685800" y="4343400"/>
+            <a:ext cx="5486400" cy="4114800"/>
+          </a:xfrm>
+          <a:prstGeom prst="rect">
+            <a:avLst/>
+          </a:prstGeom>
+          <a:noFill/>
+          <a:ln>
+            <a:noFill/>
+          </a:ln>
+        </p:spPr>
+        <p:txBody>
+          <a:bodyPr lIns="91425" tIns="91425" rIns="91425" bIns="91425" anchor="ctr" anchorCtr="0">
+            <a:noAutofit/>
+          </a:bodyPr>
+          <a:lstStyle/>
+          <a:p>
+            <a:pPr lvl="0" rtl="0">
+              <a:spcBef>
+                <a:spcPts val="0"/>
+              </a:spcBef>
+              <a:buNone/>
+            </a:pPr>
+            <a:endParaRPr/>
+          </a:p>
+        </p:txBody>
+      </p:sp>
+      <p:sp>
+        <p:nvSpPr>
+          <p:cNvPr id="218" name="Shape 218"/>
+          <p:cNvSpPr>
+            <a:spLocks noGrp="1" noRot="1" noChangeAspect="1"/>
+          </p:cNvSpPr>
+          <p:nvPr>
+            <p:ph type="sldImg" idx="2"/>
+          </p:nvPr>
+        </p:nvSpPr>
+        <p:spPr>
+          <a:xfrm>
+            <a:off x="1143000" y="685800"/>
+            <a:ext cx="4572000" cy="3429000"/>
+          </a:xfrm>
+          <a:custGeom>
+            <a:avLst/>
+            <a:gdLst/>
+            <a:ahLst/>
+            <a:cxnLst/>
+            <a:rect l="0" t="0" r="0" b="0"/>
+            <a:pathLst>
+              <a:path w="120000" h="120000" extrusionOk="0">
+                <a:moveTo>
+                  <a:pt x="0" y="0"/>
+                </a:moveTo>
+                <a:lnTo>
+                  <a:pt x="120000" y="0"/>
+                </a:lnTo>
+                <a:lnTo>
+                  <a:pt x="120000" y="120000"/>
+                </a:lnTo>
+                <a:lnTo>
+                  <a:pt x="0" y="120000"/>
+                </a:lnTo>
+                <a:close/>
+              </a:path>
+            </a:pathLst>
+          </a:custGeom>
+        </p:spPr>
+      </p:sp>
+    </p:spTree>
+    <p:extLst>
+      <p:ext uri="{BB962C8B-B14F-4D97-AF65-F5344CB8AC3E}">
+        <p14:creationId xmlns:p14="http://schemas.microsoft.com/office/powerpoint/2010/main" val="2973111053"/>
+      </p:ext>
+    </p:extLst>
+  </p:cSld>
+  <p:clrMapOvr>
+    <a:masterClrMapping/>
+  </p:clrMapOvr>
+</p:notes>
+</file>
+
+<file path=ppt/notesSlides/notesSlide21.xml><?xml version="1.0" encoding="utf-8"?>
+<p:notes xmlns:a="http://schemas.openxmlformats.org/drawingml/2006/main" xmlns:r="http://schemas.openxmlformats.org/officeDocument/2006/relationships" xmlns:p="http://schemas.openxmlformats.org/presentationml/2006/main" showMasterSp="0" showMasterPhAnim="0">
+  <p:cSld>
+    <p:spTree>
+      <p:nvGrpSpPr>
+        <p:cNvPr id="1" name="Shape 248"/>
+        <p:cNvGrpSpPr/>
+        <p:nvPr/>
+      </p:nvGrpSpPr>
+      <p:grpSpPr>
+        <a:xfrm>
+          <a:off x="0" y="0"/>
+          <a:ext cx="0" cy="0"/>
+          <a:chOff x="0" y="0"/>
+          <a:chExt cx="0" cy="0"/>
+        </a:xfrm>
+      </p:grpSpPr>
+      <p:sp>
+        <p:nvSpPr>
+          <p:cNvPr id="249" name="Shape 249"/>
+          <p:cNvSpPr txBox="1">
+            <a:spLocks noGrp="1"/>
+          </p:cNvSpPr>
+          <p:nvPr>
+            <p:ph type="body" idx="1"/>
+          </p:nvPr>
+        </p:nvSpPr>
+        <p:spPr>
+          <a:xfrm>
+            <a:off x="685800" y="4343400"/>
+            <a:ext cx="5486399" cy="4114800"/>
+          </a:xfrm>
+          <a:prstGeom prst="rect">
+            <a:avLst/>
+          </a:prstGeom>
+          <a:noFill/>
+          <a:ln>
+            <a:noFill/>
+          </a:ln>
+        </p:spPr>
+        <p:txBody>
+          <a:bodyPr lIns="91425" tIns="91425" rIns="91425" bIns="91425" anchor="ctr" anchorCtr="0">
+            <a:noAutofit/>
+          </a:bodyPr>
+          <a:lstStyle/>
+          <a:p>
+            <a:pPr lvl="0">
+              <a:spcBef>
+                <a:spcPts val="0"/>
+              </a:spcBef>
+              <a:buNone/>
+            </a:pPr>
+            <a:endParaRPr/>
+          </a:p>
+        </p:txBody>
+      </p:sp>
+      <p:sp>
+        <p:nvSpPr>
+          <p:cNvPr id="250" name="Shape 250"/>
+          <p:cNvSpPr>
+            <a:spLocks noGrp="1" noRot="1" noChangeAspect="1"/>
+          </p:cNvSpPr>
+          <p:nvPr>
+            <p:ph type="sldImg" idx="2"/>
+          </p:nvPr>
+        </p:nvSpPr>
+        <p:spPr>
+          <a:xfrm>
+            <a:off x="1143000" y="685800"/>
+            <a:ext cx="4572000" cy="3429000"/>
+          </a:xfrm>
+          <a:custGeom>
+            <a:avLst/>
+            <a:gdLst/>
+            <a:ahLst/>
+            <a:cxnLst/>
+            <a:rect l="0" t="0" r="0" b="0"/>
+            <a:pathLst>
+              <a:path w="120000" h="120000" extrusionOk="0">
+                <a:moveTo>
+                  <a:pt x="0" y="0"/>
+                </a:moveTo>
+                <a:lnTo>
+                  <a:pt x="120000" y="0"/>
+                </a:lnTo>
+                <a:lnTo>
+                  <a:pt x="120000" y="120000"/>
+                </a:lnTo>
+                <a:lnTo>
+                  <a:pt x="0" y="120000"/>
+                </a:lnTo>
+                <a:close/>
+              </a:path>
+            </a:pathLst>
+          </a:custGeom>
+        </p:spPr>
+      </p:sp>
+    </p:spTree>
+    <p:extLst>
+      <p:ext uri="{BB962C8B-B14F-4D97-AF65-F5344CB8AC3E}">
+        <p14:creationId xmlns:p14="http://schemas.microsoft.com/office/powerpoint/2010/main" val="1739755574"/>
+      </p:ext>
+    </p:extLst>
+  </p:cSld>
+  <p:clrMapOvr>
+    <a:masterClrMapping/>
+  </p:clrMapOvr>
+</p:notes>
+</file>
+
+<file path=ppt/notesSlides/notesSlide22.xml><?xml version="1.0" encoding="utf-8"?>
+<p:notes xmlns:a="http://schemas.openxmlformats.org/drawingml/2006/main" xmlns:r="http://schemas.openxmlformats.org/officeDocument/2006/relationships" xmlns:p="http://schemas.openxmlformats.org/presentationml/2006/main" showMasterSp="0" showMasterPhAnim="0">
+  <p:cSld>
+    <p:spTree>
+      <p:nvGrpSpPr>
+        <p:cNvPr id="1" name="Shape 248"/>
+        <p:cNvGrpSpPr/>
+        <p:nvPr/>
+      </p:nvGrpSpPr>
+      <p:grpSpPr>
+        <a:xfrm>
+          <a:off x="0" y="0"/>
+          <a:ext cx="0" cy="0"/>
+          <a:chOff x="0" y="0"/>
+          <a:chExt cx="0" cy="0"/>
+        </a:xfrm>
+      </p:grpSpPr>
+      <p:sp>
+        <p:nvSpPr>
+          <p:cNvPr id="249" name="Shape 249"/>
+          <p:cNvSpPr txBox="1">
+            <a:spLocks noGrp="1"/>
+          </p:cNvSpPr>
+          <p:nvPr>
+            <p:ph type="body" idx="1"/>
+          </p:nvPr>
+        </p:nvSpPr>
+        <p:spPr>
+          <a:xfrm>
+            <a:off x="685800" y="4343400"/>
+            <a:ext cx="5486399" cy="4114800"/>
+          </a:xfrm>
+          <a:prstGeom prst="rect">
+            <a:avLst/>
+          </a:prstGeom>
+          <a:noFill/>
+          <a:ln>
+            <a:noFill/>
+          </a:ln>
+        </p:spPr>
+        <p:txBody>
+          <a:bodyPr lIns="91425" tIns="91425" rIns="91425" bIns="91425" anchor="ctr" anchorCtr="0">
+            <a:noAutofit/>
+          </a:bodyPr>
+          <a:lstStyle/>
+          <a:p>
+            <a:pPr lvl="0">
+              <a:spcBef>
+                <a:spcPts val="0"/>
+              </a:spcBef>
+              <a:buNone/>
+            </a:pPr>
+            <a:endParaRPr/>
+          </a:p>
+        </p:txBody>
+      </p:sp>
+      <p:sp>
+        <p:nvSpPr>
+          <p:cNvPr id="250" name="Shape 250"/>
+          <p:cNvSpPr>
+            <a:spLocks noGrp="1" noRot="1" noChangeAspect="1"/>
+          </p:cNvSpPr>
+          <p:nvPr>
+            <p:ph type="sldImg" idx="2"/>
+          </p:nvPr>
+        </p:nvSpPr>
+        <p:spPr>
+          <a:xfrm>
+            <a:off x="1143000" y="685800"/>
+            <a:ext cx="4572000" cy="3429000"/>
+          </a:xfrm>
+          <a:custGeom>
+            <a:avLst/>
+            <a:gdLst/>
+            <a:ahLst/>
+            <a:cxnLst/>
+            <a:rect l="0" t="0" r="0" b="0"/>
+            <a:pathLst>
+              <a:path w="120000" h="120000" extrusionOk="0">
+                <a:moveTo>
+                  <a:pt x="0" y="0"/>
+                </a:moveTo>
+                <a:lnTo>
+                  <a:pt x="120000" y="0"/>
+                </a:lnTo>
+                <a:lnTo>
+                  <a:pt x="120000" y="120000"/>
+                </a:lnTo>
+                <a:lnTo>
+                  <a:pt x="0" y="120000"/>
+                </a:lnTo>
+                <a:close/>
+              </a:path>
+            </a:pathLst>
+          </a:custGeom>
+        </p:spPr>
+      </p:sp>
+    </p:spTree>
+    <p:extLst>
+      <p:ext uri="{BB962C8B-B14F-4D97-AF65-F5344CB8AC3E}">
+        <p14:creationId xmlns:p14="http://schemas.microsoft.com/office/powerpoint/2010/main" val="45180300"/>
+      </p:ext>
+    </p:extLst>
+  </p:cSld>
+  <p:clrMapOvr>
+    <a:masterClrMapping/>
+  </p:clrMapOvr>
+</p:notes>
+</file>
+
+<file path=ppt/notesSlides/notesSlide23.xml><?xml version="1.0" encoding="utf-8"?>
+<p:notes xmlns:a="http://schemas.openxmlformats.org/drawingml/2006/main" xmlns:r="http://schemas.openxmlformats.org/officeDocument/2006/relationships" xmlns:p="http://schemas.openxmlformats.org/presentationml/2006/main" showMasterSp="0" showMasterPhAnim="0">
+  <p:cSld>
+    <p:spTree>
+      <p:nvGrpSpPr>
         <p:cNvPr id="1" name="Shape 248"/>
         <p:cNvGrpSpPr/>
         <p:nvPr/>
@@ -1934,7 +2272,557 @@
 </p:notes>
 </file>
 
-<file path=ppt/notesSlides/notesSlide21.xml><?xml version="1.0" encoding="utf-8"?>
+<file path=ppt/notesSlides/notesSlide24.xml><?xml version="1.0" encoding="utf-8"?>
+<p:notes xmlns:a="http://schemas.openxmlformats.org/drawingml/2006/main" xmlns:r="http://schemas.openxmlformats.org/officeDocument/2006/relationships" xmlns:p="http://schemas.openxmlformats.org/presentationml/2006/main" showMasterSp="0" showMasterPhAnim="0">
+  <p:cSld>
+    <p:spTree>
+      <p:nvGrpSpPr>
+        <p:cNvPr id="1" name="Shape 248"/>
+        <p:cNvGrpSpPr/>
+        <p:nvPr/>
+      </p:nvGrpSpPr>
+      <p:grpSpPr>
+        <a:xfrm>
+          <a:off x="0" y="0"/>
+          <a:ext cx="0" cy="0"/>
+          <a:chOff x="0" y="0"/>
+          <a:chExt cx="0" cy="0"/>
+        </a:xfrm>
+      </p:grpSpPr>
+      <p:sp>
+        <p:nvSpPr>
+          <p:cNvPr id="249" name="Shape 249"/>
+          <p:cNvSpPr txBox="1">
+            <a:spLocks noGrp="1"/>
+          </p:cNvSpPr>
+          <p:nvPr>
+            <p:ph type="body" idx="1"/>
+          </p:nvPr>
+        </p:nvSpPr>
+        <p:spPr>
+          <a:xfrm>
+            <a:off x="685800" y="4343400"/>
+            <a:ext cx="5486399" cy="4114800"/>
+          </a:xfrm>
+          <a:prstGeom prst="rect">
+            <a:avLst/>
+          </a:prstGeom>
+          <a:noFill/>
+          <a:ln>
+            <a:noFill/>
+          </a:ln>
+        </p:spPr>
+        <p:txBody>
+          <a:bodyPr lIns="91425" tIns="91425" rIns="91425" bIns="91425" anchor="ctr" anchorCtr="0">
+            <a:noAutofit/>
+          </a:bodyPr>
+          <a:lstStyle/>
+          <a:p>
+            <a:pPr lvl="0">
+              <a:spcBef>
+                <a:spcPts val="0"/>
+              </a:spcBef>
+              <a:buNone/>
+            </a:pPr>
+            <a:endParaRPr/>
+          </a:p>
+        </p:txBody>
+      </p:sp>
+      <p:sp>
+        <p:nvSpPr>
+          <p:cNvPr id="250" name="Shape 250"/>
+          <p:cNvSpPr>
+            <a:spLocks noGrp="1" noRot="1" noChangeAspect="1"/>
+          </p:cNvSpPr>
+          <p:nvPr>
+            <p:ph type="sldImg" idx="2"/>
+          </p:nvPr>
+        </p:nvSpPr>
+        <p:spPr>
+          <a:xfrm>
+            <a:off x="1143000" y="685800"/>
+            <a:ext cx="4572000" cy="3429000"/>
+          </a:xfrm>
+          <a:custGeom>
+            <a:avLst/>
+            <a:gdLst/>
+            <a:ahLst/>
+            <a:cxnLst/>
+            <a:rect l="0" t="0" r="0" b="0"/>
+            <a:pathLst>
+              <a:path w="120000" h="120000" extrusionOk="0">
+                <a:moveTo>
+                  <a:pt x="0" y="0"/>
+                </a:moveTo>
+                <a:lnTo>
+                  <a:pt x="120000" y="0"/>
+                </a:lnTo>
+                <a:lnTo>
+                  <a:pt x="120000" y="120000"/>
+                </a:lnTo>
+                <a:lnTo>
+                  <a:pt x="0" y="120000"/>
+                </a:lnTo>
+                <a:close/>
+              </a:path>
+            </a:pathLst>
+          </a:custGeom>
+        </p:spPr>
+      </p:sp>
+    </p:spTree>
+    <p:extLst>
+      <p:ext uri="{BB962C8B-B14F-4D97-AF65-F5344CB8AC3E}">
+        <p14:creationId xmlns:p14="http://schemas.microsoft.com/office/powerpoint/2010/main" val="285318777"/>
+      </p:ext>
+    </p:extLst>
+  </p:cSld>
+  <p:clrMapOvr>
+    <a:masterClrMapping/>
+  </p:clrMapOvr>
+</p:notes>
+</file>
+
+<file path=ppt/notesSlides/notesSlide25.xml><?xml version="1.0" encoding="utf-8"?>
+<p:notes xmlns:a="http://schemas.openxmlformats.org/drawingml/2006/main" xmlns:r="http://schemas.openxmlformats.org/officeDocument/2006/relationships" xmlns:p="http://schemas.openxmlformats.org/presentationml/2006/main" showMasterSp="0" showMasterPhAnim="0">
+  <p:cSld>
+    <p:spTree>
+      <p:nvGrpSpPr>
+        <p:cNvPr id="1" name="Shape 248"/>
+        <p:cNvGrpSpPr/>
+        <p:nvPr/>
+      </p:nvGrpSpPr>
+      <p:grpSpPr>
+        <a:xfrm>
+          <a:off x="0" y="0"/>
+          <a:ext cx="0" cy="0"/>
+          <a:chOff x="0" y="0"/>
+          <a:chExt cx="0" cy="0"/>
+        </a:xfrm>
+      </p:grpSpPr>
+      <p:sp>
+        <p:nvSpPr>
+          <p:cNvPr id="249" name="Shape 249"/>
+          <p:cNvSpPr txBox="1">
+            <a:spLocks noGrp="1"/>
+          </p:cNvSpPr>
+          <p:nvPr>
+            <p:ph type="body" idx="1"/>
+          </p:nvPr>
+        </p:nvSpPr>
+        <p:spPr>
+          <a:xfrm>
+            <a:off x="685800" y="4343400"/>
+            <a:ext cx="5486399" cy="4114800"/>
+          </a:xfrm>
+          <a:prstGeom prst="rect">
+            <a:avLst/>
+          </a:prstGeom>
+          <a:noFill/>
+          <a:ln>
+            <a:noFill/>
+          </a:ln>
+        </p:spPr>
+        <p:txBody>
+          <a:bodyPr lIns="91425" tIns="91425" rIns="91425" bIns="91425" anchor="ctr" anchorCtr="0">
+            <a:noAutofit/>
+          </a:bodyPr>
+          <a:lstStyle/>
+          <a:p>
+            <a:pPr lvl="0">
+              <a:spcBef>
+                <a:spcPts val="0"/>
+              </a:spcBef>
+              <a:buNone/>
+            </a:pPr>
+            <a:endParaRPr/>
+          </a:p>
+        </p:txBody>
+      </p:sp>
+      <p:sp>
+        <p:nvSpPr>
+          <p:cNvPr id="250" name="Shape 250"/>
+          <p:cNvSpPr>
+            <a:spLocks noGrp="1" noRot="1" noChangeAspect="1"/>
+          </p:cNvSpPr>
+          <p:nvPr>
+            <p:ph type="sldImg" idx="2"/>
+          </p:nvPr>
+        </p:nvSpPr>
+        <p:spPr>
+          <a:xfrm>
+            <a:off x="1143000" y="685800"/>
+            <a:ext cx="4572000" cy="3429000"/>
+          </a:xfrm>
+          <a:custGeom>
+            <a:avLst/>
+            <a:gdLst/>
+            <a:ahLst/>
+            <a:cxnLst/>
+            <a:rect l="0" t="0" r="0" b="0"/>
+            <a:pathLst>
+              <a:path w="120000" h="120000" extrusionOk="0">
+                <a:moveTo>
+                  <a:pt x="0" y="0"/>
+                </a:moveTo>
+                <a:lnTo>
+                  <a:pt x="120000" y="0"/>
+                </a:lnTo>
+                <a:lnTo>
+                  <a:pt x="120000" y="120000"/>
+                </a:lnTo>
+                <a:lnTo>
+                  <a:pt x="0" y="120000"/>
+                </a:lnTo>
+                <a:close/>
+              </a:path>
+            </a:pathLst>
+          </a:custGeom>
+        </p:spPr>
+      </p:sp>
+    </p:spTree>
+    <p:extLst>
+      <p:ext uri="{BB962C8B-B14F-4D97-AF65-F5344CB8AC3E}">
+        <p14:creationId xmlns:p14="http://schemas.microsoft.com/office/powerpoint/2010/main" val="1048029009"/>
+      </p:ext>
+    </p:extLst>
+  </p:cSld>
+  <p:clrMapOvr>
+    <a:masterClrMapping/>
+  </p:clrMapOvr>
+</p:notes>
+</file>
+
+<file path=ppt/notesSlides/notesSlide26.xml><?xml version="1.0" encoding="utf-8"?>
+<p:notes xmlns:a="http://schemas.openxmlformats.org/drawingml/2006/main" xmlns:r="http://schemas.openxmlformats.org/officeDocument/2006/relationships" xmlns:p="http://schemas.openxmlformats.org/presentationml/2006/main" showMasterSp="0" showMasterPhAnim="0">
+  <p:cSld>
+    <p:spTree>
+      <p:nvGrpSpPr>
+        <p:cNvPr id="1" name="Shape 248"/>
+        <p:cNvGrpSpPr/>
+        <p:nvPr/>
+      </p:nvGrpSpPr>
+      <p:grpSpPr>
+        <a:xfrm>
+          <a:off x="0" y="0"/>
+          <a:ext cx="0" cy="0"/>
+          <a:chOff x="0" y="0"/>
+          <a:chExt cx="0" cy="0"/>
+        </a:xfrm>
+      </p:grpSpPr>
+      <p:sp>
+        <p:nvSpPr>
+          <p:cNvPr id="249" name="Shape 249"/>
+          <p:cNvSpPr txBox="1">
+            <a:spLocks noGrp="1"/>
+          </p:cNvSpPr>
+          <p:nvPr>
+            <p:ph type="body" idx="1"/>
+          </p:nvPr>
+        </p:nvSpPr>
+        <p:spPr>
+          <a:xfrm>
+            <a:off x="685800" y="4343400"/>
+            <a:ext cx="5486399" cy="4114800"/>
+          </a:xfrm>
+          <a:prstGeom prst="rect">
+            <a:avLst/>
+          </a:prstGeom>
+          <a:noFill/>
+          <a:ln>
+            <a:noFill/>
+          </a:ln>
+        </p:spPr>
+        <p:txBody>
+          <a:bodyPr lIns="91425" tIns="91425" rIns="91425" bIns="91425" anchor="ctr" anchorCtr="0">
+            <a:noAutofit/>
+          </a:bodyPr>
+          <a:lstStyle/>
+          <a:p>
+            <a:pPr lvl="0">
+              <a:spcBef>
+                <a:spcPts val="0"/>
+              </a:spcBef>
+              <a:buNone/>
+            </a:pPr>
+            <a:endParaRPr/>
+          </a:p>
+        </p:txBody>
+      </p:sp>
+      <p:sp>
+        <p:nvSpPr>
+          <p:cNvPr id="250" name="Shape 250"/>
+          <p:cNvSpPr>
+            <a:spLocks noGrp="1" noRot="1" noChangeAspect="1"/>
+          </p:cNvSpPr>
+          <p:nvPr>
+            <p:ph type="sldImg" idx="2"/>
+          </p:nvPr>
+        </p:nvSpPr>
+        <p:spPr>
+          <a:xfrm>
+            <a:off x="1143000" y="685800"/>
+            <a:ext cx="4572000" cy="3429000"/>
+          </a:xfrm>
+          <a:custGeom>
+            <a:avLst/>
+            <a:gdLst/>
+            <a:ahLst/>
+            <a:cxnLst/>
+            <a:rect l="0" t="0" r="0" b="0"/>
+            <a:pathLst>
+              <a:path w="120000" h="120000" extrusionOk="0">
+                <a:moveTo>
+                  <a:pt x="0" y="0"/>
+                </a:moveTo>
+                <a:lnTo>
+                  <a:pt x="120000" y="0"/>
+                </a:lnTo>
+                <a:lnTo>
+                  <a:pt x="120000" y="120000"/>
+                </a:lnTo>
+                <a:lnTo>
+                  <a:pt x="0" y="120000"/>
+                </a:lnTo>
+                <a:close/>
+              </a:path>
+            </a:pathLst>
+          </a:custGeom>
+        </p:spPr>
+      </p:sp>
+    </p:spTree>
+    <p:extLst>
+      <p:ext uri="{BB962C8B-B14F-4D97-AF65-F5344CB8AC3E}">
+        <p14:creationId xmlns:p14="http://schemas.microsoft.com/office/powerpoint/2010/main" val="3526486834"/>
+      </p:ext>
+    </p:extLst>
+  </p:cSld>
+  <p:clrMapOvr>
+    <a:masterClrMapping/>
+  </p:clrMapOvr>
+</p:notes>
+</file>
+
+<file path=ppt/notesSlides/notesSlide27.xml><?xml version="1.0" encoding="utf-8"?>
+<p:notes xmlns:a="http://schemas.openxmlformats.org/drawingml/2006/main" xmlns:r="http://schemas.openxmlformats.org/officeDocument/2006/relationships" xmlns:p="http://schemas.openxmlformats.org/presentationml/2006/main" showMasterSp="0" showMasterPhAnim="0">
+  <p:cSld>
+    <p:spTree>
+      <p:nvGrpSpPr>
+        <p:cNvPr id="1" name="Shape 248"/>
+        <p:cNvGrpSpPr/>
+        <p:nvPr/>
+      </p:nvGrpSpPr>
+      <p:grpSpPr>
+        <a:xfrm>
+          <a:off x="0" y="0"/>
+          <a:ext cx="0" cy="0"/>
+          <a:chOff x="0" y="0"/>
+          <a:chExt cx="0" cy="0"/>
+        </a:xfrm>
+      </p:grpSpPr>
+      <p:sp>
+        <p:nvSpPr>
+          <p:cNvPr id="249" name="Shape 249"/>
+          <p:cNvSpPr txBox="1">
+            <a:spLocks noGrp="1"/>
+          </p:cNvSpPr>
+          <p:nvPr>
+            <p:ph type="body" idx="1"/>
+          </p:nvPr>
+        </p:nvSpPr>
+        <p:spPr>
+          <a:xfrm>
+            <a:off x="685800" y="4343400"/>
+            <a:ext cx="5486399" cy="4114800"/>
+          </a:xfrm>
+          <a:prstGeom prst="rect">
+            <a:avLst/>
+          </a:prstGeom>
+          <a:noFill/>
+          <a:ln>
+            <a:noFill/>
+          </a:ln>
+        </p:spPr>
+        <p:txBody>
+          <a:bodyPr lIns="91425" tIns="91425" rIns="91425" bIns="91425" anchor="ctr" anchorCtr="0">
+            <a:noAutofit/>
+          </a:bodyPr>
+          <a:lstStyle/>
+          <a:p>
+            <a:pPr lvl="0">
+              <a:spcBef>
+                <a:spcPts val="0"/>
+              </a:spcBef>
+              <a:buNone/>
+            </a:pPr>
+            <a:endParaRPr/>
+          </a:p>
+        </p:txBody>
+      </p:sp>
+      <p:sp>
+        <p:nvSpPr>
+          <p:cNvPr id="250" name="Shape 250"/>
+          <p:cNvSpPr>
+            <a:spLocks noGrp="1" noRot="1" noChangeAspect="1"/>
+          </p:cNvSpPr>
+          <p:nvPr>
+            <p:ph type="sldImg" idx="2"/>
+          </p:nvPr>
+        </p:nvSpPr>
+        <p:spPr>
+          <a:xfrm>
+            <a:off x="1143000" y="685800"/>
+            <a:ext cx="4572000" cy="3429000"/>
+          </a:xfrm>
+          <a:custGeom>
+            <a:avLst/>
+            <a:gdLst/>
+            <a:ahLst/>
+            <a:cxnLst/>
+            <a:rect l="0" t="0" r="0" b="0"/>
+            <a:pathLst>
+              <a:path w="120000" h="120000" extrusionOk="0">
+                <a:moveTo>
+                  <a:pt x="0" y="0"/>
+                </a:moveTo>
+                <a:lnTo>
+                  <a:pt x="120000" y="0"/>
+                </a:lnTo>
+                <a:lnTo>
+                  <a:pt x="120000" y="120000"/>
+                </a:lnTo>
+                <a:lnTo>
+                  <a:pt x="0" y="120000"/>
+                </a:lnTo>
+                <a:close/>
+              </a:path>
+            </a:pathLst>
+          </a:custGeom>
+        </p:spPr>
+      </p:sp>
+    </p:spTree>
+    <p:extLst>
+      <p:ext uri="{BB962C8B-B14F-4D97-AF65-F5344CB8AC3E}">
+        <p14:creationId xmlns:p14="http://schemas.microsoft.com/office/powerpoint/2010/main" val="2014189450"/>
+      </p:ext>
+    </p:extLst>
+  </p:cSld>
+  <p:clrMapOvr>
+    <a:masterClrMapping/>
+  </p:clrMapOvr>
+</p:notes>
+</file>
+
+<file path=ppt/notesSlides/notesSlide28.xml><?xml version="1.0" encoding="utf-8"?>
+<p:notes xmlns:a="http://schemas.openxmlformats.org/drawingml/2006/main" xmlns:r="http://schemas.openxmlformats.org/officeDocument/2006/relationships" xmlns:p="http://schemas.openxmlformats.org/presentationml/2006/main" showMasterSp="0" showMasterPhAnim="0">
+  <p:cSld>
+    <p:spTree>
+      <p:nvGrpSpPr>
+        <p:cNvPr id="1" name="Shape 248"/>
+        <p:cNvGrpSpPr/>
+        <p:nvPr/>
+      </p:nvGrpSpPr>
+      <p:grpSpPr>
+        <a:xfrm>
+          <a:off x="0" y="0"/>
+          <a:ext cx="0" cy="0"/>
+          <a:chOff x="0" y="0"/>
+          <a:chExt cx="0" cy="0"/>
+        </a:xfrm>
+      </p:grpSpPr>
+      <p:sp>
+        <p:nvSpPr>
+          <p:cNvPr id="249" name="Shape 249"/>
+          <p:cNvSpPr txBox="1">
+            <a:spLocks noGrp="1"/>
+          </p:cNvSpPr>
+          <p:nvPr>
+            <p:ph type="body" idx="1"/>
+          </p:nvPr>
+        </p:nvSpPr>
+        <p:spPr>
+          <a:xfrm>
+            <a:off x="685800" y="4343400"/>
+            <a:ext cx="5486399" cy="4114800"/>
+          </a:xfrm>
+          <a:prstGeom prst="rect">
+            <a:avLst/>
+          </a:prstGeom>
+          <a:noFill/>
+          <a:ln>
+            <a:noFill/>
+          </a:ln>
+        </p:spPr>
+        <p:txBody>
+          <a:bodyPr lIns="91425" tIns="91425" rIns="91425" bIns="91425" anchor="ctr" anchorCtr="0">
+            <a:noAutofit/>
+          </a:bodyPr>
+          <a:lstStyle/>
+          <a:p>
+            <a:pPr lvl="0">
+              <a:spcBef>
+                <a:spcPts val="0"/>
+              </a:spcBef>
+              <a:buNone/>
+            </a:pPr>
+            <a:endParaRPr/>
+          </a:p>
+        </p:txBody>
+      </p:sp>
+      <p:sp>
+        <p:nvSpPr>
+          <p:cNvPr id="250" name="Shape 250"/>
+          <p:cNvSpPr>
+            <a:spLocks noGrp="1" noRot="1" noChangeAspect="1"/>
+          </p:cNvSpPr>
+          <p:nvPr>
+            <p:ph type="sldImg" idx="2"/>
+          </p:nvPr>
+        </p:nvSpPr>
+        <p:spPr>
+          <a:xfrm>
+            <a:off x="1143000" y="685800"/>
+            <a:ext cx="4572000" cy="3429000"/>
+          </a:xfrm>
+          <a:custGeom>
+            <a:avLst/>
+            <a:gdLst/>
+            <a:ahLst/>
+            <a:cxnLst/>
+            <a:rect l="0" t="0" r="0" b="0"/>
+            <a:pathLst>
+              <a:path w="120000" h="120000" extrusionOk="0">
+                <a:moveTo>
+                  <a:pt x="0" y="0"/>
+                </a:moveTo>
+                <a:lnTo>
+                  <a:pt x="120000" y="0"/>
+                </a:lnTo>
+                <a:lnTo>
+                  <a:pt x="120000" y="120000"/>
+                </a:lnTo>
+                <a:lnTo>
+                  <a:pt x="0" y="120000"/>
+                </a:lnTo>
+                <a:close/>
+              </a:path>
+            </a:pathLst>
+          </a:custGeom>
+        </p:spPr>
+      </p:sp>
+    </p:spTree>
+    <p:extLst>
+      <p:ext uri="{BB962C8B-B14F-4D97-AF65-F5344CB8AC3E}">
+        <p14:creationId xmlns:p14="http://schemas.microsoft.com/office/powerpoint/2010/main" val="1468356072"/>
+      </p:ext>
+    </p:extLst>
+  </p:cSld>
+  <p:clrMapOvr>
+    <a:masterClrMapping/>
+  </p:clrMapOvr>
+</p:notes>
+</file>
+
+<file path=ppt/notesSlides/notesSlide29.xml><?xml version="1.0" encoding="utf-8"?>
 <p:notes xmlns:a="http://schemas.openxmlformats.org/drawingml/2006/main" xmlns:r="http://schemas.openxmlformats.org/officeDocument/2006/relationships" xmlns:p="http://schemas.openxmlformats.org/presentationml/2006/main" showMasterSp="0" showMasterPhAnim="0">
   <p:cSld>
     <p:spTree>
@@ -2044,7 +2932,117 @@
 </p:notes>
 </file>
 
-<file path=ppt/notesSlides/notesSlide22.xml><?xml version="1.0" encoding="utf-8"?>
+<file path=ppt/notesSlides/notesSlide3.xml><?xml version="1.0" encoding="utf-8"?>
+<p:notes xmlns:a="http://schemas.openxmlformats.org/drawingml/2006/main" xmlns:r="http://schemas.openxmlformats.org/officeDocument/2006/relationships" xmlns:p="http://schemas.openxmlformats.org/presentationml/2006/main" showMasterSp="0" showMasterPhAnim="0">
+  <p:cSld>
+    <p:spTree>
+      <p:nvGrpSpPr>
+        <p:cNvPr id="1" name="Shape 216"/>
+        <p:cNvGrpSpPr/>
+        <p:nvPr/>
+      </p:nvGrpSpPr>
+      <p:grpSpPr>
+        <a:xfrm>
+          <a:off x="0" y="0"/>
+          <a:ext cx="0" cy="0"/>
+          <a:chOff x="0" y="0"/>
+          <a:chExt cx="0" cy="0"/>
+        </a:xfrm>
+      </p:grpSpPr>
+      <p:sp>
+        <p:nvSpPr>
+          <p:cNvPr id="217" name="Shape 217"/>
+          <p:cNvSpPr txBox="1">
+            <a:spLocks noGrp="1"/>
+          </p:cNvSpPr>
+          <p:nvPr>
+            <p:ph type="body" idx="1"/>
+          </p:nvPr>
+        </p:nvSpPr>
+        <p:spPr>
+          <a:xfrm>
+            <a:off x="685800" y="4343400"/>
+            <a:ext cx="5486400" cy="4114800"/>
+          </a:xfrm>
+          <a:prstGeom prst="rect">
+            <a:avLst/>
+          </a:prstGeom>
+          <a:noFill/>
+          <a:ln>
+            <a:noFill/>
+          </a:ln>
+        </p:spPr>
+        <p:txBody>
+          <a:bodyPr lIns="91425" tIns="91425" rIns="91425" bIns="91425" anchor="ctr" anchorCtr="0">
+            <a:noAutofit/>
+          </a:bodyPr>
+          <a:lstStyle/>
+          <a:p>
+            <a:pPr lvl="0" rtl="0">
+              <a:spcBef>
+                <a:spcPts val="0"/>
+              </a:spcBef>
+              <a:buNone/>
+            </a:pPr>
+            <a:endParaRPr/>
+          </a:p>
+        </p:txBody>
+      </p:sp>
+      <p:sp>
+        <p:nvSpPr>
+          <p:cNvPr id="218" name="Shape 218"/>
+          <p:cNvSpPr>
+            <a:spLocks noGrp="1" noRot="1" noChangeAspect="1"/>
+          </p:cNvSpPr>
+          <p:nvPr>
+            <p:ph type="sldImg" idx="2"/>
+          </p:nvPr>
+        </p:nvSpPr>
+        <p:spPr>
+          <a:xfrm>
+            <a:off x="1143000" y="685800"/>
+            <a:ext cx="4572000" cy="3429000"/>
+          </a:xfrm>
+          <a:custGeom>
+            <a:avLst/>
+            <a:gdLst/>
+            <a:ahLst/>
+            <a:cxnLst/>
+            <a:rect l="0" t="0" r="0" b="0"/>
+            <a:pathLst>
+              <a:path w="120000" h="120000" extrusionOk="0">
+                <a:moveTo>
+                  <a:pt x="0" y="0"/>
+                </a:moveTo>
+                <a:lnTo>
+                  <a:pt x="120000" y="0"/>
+                </a:lnTo>
+                <a:lnTo>
+                  <a:pt x="120000" y="120000"/>
+                </a:lnTo>
+                <a:lnTo>
+                  <a:pt x="0" y="120000"/>
+                </a:lnTo>
+                <a:close/>
+              </a:path>
+            </a:pathLst>
+          </a:custGeom>
+        </p:spPr>
+      </p:sp>
+    </p:spTree>
+    <p:extLst>
+      <p:ext uri="{BB962C8B-B14F-4D97-AF65-F5344CB8AC3E}">
+        <p14:creationId xmlns:p14="http://schemas.microsoft.com/office/powerpoint/2010/main" val="3494318328"/>
+      </p:ext>
+    </p:extLst>
+  </p:cSld>
+  <p:clrMapOvr>
+    <a:masterClrMapping/>
+  </p:clrMapOvr>
+</p:notes>
+</file>
+
+<file path=ppt/notesSlides/notesSlide30.xml><?xml version="1.0" encoding="utf-8"?>
 <p:notes xmlns:a="http://schemas.openxmlformats.org/drawingml/2006/main" xmlns:r="http://schemas.openxmlformats.org/officeDocument/2006/relationships" xmlns:p="http://schemas.openxmlformats.org/presentationml/2006/main" showMasterSp="0" showMasterPhAnim="0">
   <p:cSld>
     <p:spTree>
@@ -2144,7 +3142,7 @@
     </p:spTree>
     <p:extLst>
       <p:ext uri="{BB962C8B-B14F-4D97-AF65-F5344CB8AC3E}">
-        <p14:creationId xmlns:p14="http://schemas.microsoft.com/office/powerpoint/2010/main" val="2609609116"/>
+        <p14:creationId xmlns:p14="http://schemas.microsoft.com/office/powerpoint/2010/main" val="1313490948"/>
       </p:ext>
     </p:extLst>
   </p:cSld>
@@ -2154,7 +3152,117 @@
 </p:notes>
 </file>
 
-<file path=ppt/notesSlides/notesSlide23.xml><?xml version="1.0" encoding="utf-8"?>
+<file path=ppt/notesSlides/notesSlide31.xml><?xml version="1.0" encoding="utf-8"?>
+<p:notes xmlns:a="http://schemas.openxmlformats.org/drawingml/2006/main" xmlns:r="http://schemas.openxmlformats.org/officeDocument/2006/relationships" xmlns:p="http://schemas.openxmlformats.org/presentationml/2006/main" showMasterSp="0" showMasterPhAnim="0">
+  <p:cSld>
+    <p:spTree>
+      <p:nvGrpSpPr>
+        <p:cNvPr id="1" name="Shape 248"/>
+        <p:cNvGrpSpPr/>
+        <p:nvPr/>
+      </p:nvGrpSpPr>
+      <p:grpSpPr>
+        <a:xfrm>
+          <a:off x="0" y="0"/>
+          <a:ext cx="0" cy="0"/>
+          <a:chOff x="0" y="0"/>
+          <a:chExt cx="0" cy="0"/>
+        </a:xfrm>
+      </p:grpSpPr>
+      <p:sp>
+        <p:nvSpPr>
+          <p:cNvPr id="249" name="Shape 249"/>
+          <p:cNvSpPr txBox="1">
+            <a:spLocks noGrp="1"/>
+          </p:cNvSpPr>
+          <p:nvPr>
+            <p:ph type="body" idx="1"/>
+          </p:nvPr>
+        </p:nvSpPr>
+        <p:spPr>
+          <a:xfrm>
+            <a:off x="685800" y="4343400"/>
+            <a:ext cx="5486399" cy="4114800"/>
+          </a:xfrm>
+          <a:prstGeom prst="rect">
+            <a:avLst/>
+          </a:prstGeom>
+          <a:noFill/>
+          <a:ln>
+            <a:noFill/>
+          </a:ln>
+        </p:spPr>
+        <p:txBody>
+          <a:bodyPr lIns="91425" tIns="91425" rIns="91425" bIns="91425" anchor="ctr" anchorCtr="0">
+            <a:noAutofit/>
+          </a:bodyPr>
+          <a:lstStyle/>
+          <a:p>
+            <a:pPr lvl="0">
+              <a:spcBef>
+                <a:spcPts val="0"/>
+              </a:spcBef>
+              <a:buNone/>
+            </a:pPr>
+            <a:endParaRPr/>
+          </a:p>
+        </p:txBody>
+      </p:sp>
+      <p:sp>
+        <p:nvSpPr>
+          <p:cNvPr id="250" name="Shape 250"/>
+          <p:cNvSpPr>
+            <a:spLocks noGrp="1" noRot="1" noChangeAspect="1"/>
+          </p:cNvSpPr>
+          <p:nvPr>
+            <p:ph type="sldImg" idx="2"/>
+          </p:nvPr>
+        </p:nvSpPr>
+        <p:spPr>
+          <a:xfrm>
+            <a:off x="1143000" y="685800"/>
+            <a:ext cx="4572000" cy="3429000"/>
+          </a:xfrm>
+          <a:custGeom>
+            <a:avLst/>
+            <a:gdLst/>
+            <a:ahLst/>
+            <a:cxnLst/>
+            <a:rect l="0" t="0" r="0" b="0"/>
+            <a:pathLst>
+              <a:path w="120000" h="120000" extrusionOk="0">
+                <a:moveTo>
+                  <a:pt x="0" y="0"/>
+                </a:moveTo>
+                <a:lnTo>
+                  <a:pt x="120000" y="0"/>
+                </a:lnTo>
+                <a:lnTo>
+                  <a:pt x="120000" y="120000"/>
+                </a:lnTo>
+                <a:lnTo>
+                  <a:pt x="0" y="120000"/>
+                </a:lnTo>
+                <a:close/>
+              </a:path>
+            </a:pathLst>
+          </a:custGeom>
+        </p:spPr>
+      </p:sp>
+    </p:spTree>
+    <p:extLst>
+      <p:ext uri="{BB962C8B-B14F-4D97-AF65-F5344CB8AC3E}">
+        <p14:creationId xmlns:p14="http://schemas.microsoft.com/office/powerpoint/2010/main" val="902637951"/>
+      </p:ext>
+    </p:extLst>
+  </p:cSld>
+  <p:clrMapOvr>
+    <a:masterClrMapping/>
+  </p:clrMapOvr>
+</p:notes>
+</file>
+
+<file path=ppt/notesSlides/notesSlide32.xml><?xml version="1.0" encoding="utf-8"?>
 <p:notes xmlns:a="http://schemas.openxmlformats.org/drawingml/2006/main" xmlns:r="http://schemas.openxmlformats.org/officeDocument/2006/relationships" xmlns:p="http://schemas.openxmlformats.org/presentationml/2006/main" showMasterSp="0" showMasterPhAnim="0">
   <p:cSld>
     <p:spTree>
@@ -2264,7 +3372,7 @@
 </p:notes>
 </file>
 
-<file path=ppt/notesSlides/notesSlide24.xml><?xml version="1.0" encoding="utf-8"?>
+<file path=ppt/notesSlides/notesSlide33.xml><?xml version="1.0" encoding="utf-8"?>
 <p:notes xmlns:a="http://schemas.openxmlformats.org/drawingml/2006/main" xmlns:r="http://schemas.openxmlformats.org/officeDocument/2006/relationships" xmlns:p="http://schemas.openxmlformats.org/presentationml/2006/main" showMasterSp="0" showMasterPhAnim="0">
   <p:cSld>
     <p:spTree>
@@ -2374,7 +3482,7 @@
 </p:notes>
 </file>
 
-<file path=ppt/notesSlides/notesSlide25.xml><?xml version="1.0" encoding="utf-8"?>
+<file path=ppt/notesSlides/notesSlide34.xml><?xml version="1.0" encoding="utf-8"?>
 <p:notes xmlns:a="http://schemas.openxmlformats.org/drawingml/2006/main" xmlns:r="http://schemas.openxmlformats.org/officeDocument/2006/relationships" xmlns:p="http://schemas.openxmlformats.org/presentationml/2006/main" showMasterSp="0" showMasterPhAnim="0">
   <p:cSld>
     <p:spTree>
@@ -2484,7 +3592,7 @@
 </p:notes>
 </file>
 
-<file path=ppt/notesSlides/notesSlide26.xml><?xml version="1.0" encoding="utf-8"?>
+<file path=ppt/notesSlides/notesSlide35.xml><?xml version="1.0" encoding="utf-8"?>
 <p:notes xmlns:a="http://schemas.openxmlformats.org/drawingml/2006/main" xmlns:r="http://schemas.openxmlformats.org/officeDocument/2006/relationships" xmlns:p="http://schemas.openxmlformats.org/presentationml/2006/main" showMasterSp="0" showMasterPhAnim="0">
   <p:cSld>
     <p:spTree>
@@ -2594,7 +3702,7 @@
 </p:notes>
 </file>
 
-<file path=ppt/notesSlides/notesSlide27.xml><?xml version="1.0" encoding="utf-8"?>
+<file path=ppt/notesSlides/notesSlide36.xml><?xml version="1.0" encoding="utf-8"?>
 <p:notes xmlns:a="http://schemas.openxmlformats.org/drawingml/2006/main" xmlns:r="http://schemas.openxmlformats.org/officeDocument/2006/relationships" xmlns:p="http://schemas.openxmlformats.org/presentationml/2006/main" showMasterSp="0" showMasterPhAnim="0">
   <p:cSld>
     <p:spTree>
@@ -2695,226 +3803,6 @@
     <p:extLst>
       <p:ext uri="{BB962C8B-B14F-4D97-AF65-F5344CB8AC3E}">
         <p14:creationId xmlns:p14="http://schemas.microsoft.com/office/powerpoint/2010/main" val="205460233"/>
-      </p:ext>
-    </p:extLst>
-  </p:cSld>
-  <p:clrMapOvr>
-    <a:masterClrMapping/>
-  </p:clrMapOvr>
-</p:notes>
-</file>
-
-<file path=ppt/notesSlides/notesSlide28.xml><?xml version="1.0" encoding="utf-8"?>
-<p:notes xmlns:a="http://schemas.openxmlformats.org/drawingml/2006/main" xmlns:r="http://schemas.openxmlformats.org/officeDocument/2006/relationships" xmlns:p="http://schemas.openxmlformats.org/presentationml/2006/main" showMasterSp="0" showMasterPhAnim="0">
-  <p:cSld>
-    <p:spTree>
-      <p:nvGrpSpPr>
-        <p:cNvPr id="1" name="Shape 248"/>
-        <p:cNvGrpSpPr/>
-        <p:nvPr/>
-      </p:nvGrpSpPr>
-      <p:grpSpPr>
-        <a:xfrm>
-          <a:off x="0" y="0"/>
-          <a:ext cx="0" cy="0"/>
-          <a:chOff x="0" y="0"/>
-          <a:chExt cx="0" cy="0"/>
-        </a:xfrm>
-      </p:grpSpPr>
-      <p:sp>
-        <p:nvSpPr>
-          <p:cNvPr id="249" name="Shape 249"/>
-          <p:cNvSpPr txBox="1">
-            <a:spLocks noGrp="1"/>
-          </p:cNvSpPr>
-          <p:nvPr>
-            <p:ph type="body" idx="1"/>
-          </p:nvPr>
-        </p:nvSpPr>
-        <p:spPr>
-          <a:xfrm>
-            <a:off x="685800" y="4343400"/>
-            <a:ext cx="5486399" cy="4114800"/>
-          </a:xfrm>
-          <a:prstGeom prst="rect">
-            <a:avLst/>
-          </a:prstGeom>
-          <a:noFill/>
-          <a:ln>
-            <a:noFill/>
-          </a:ln>
-        </p:spPr>
-        <p:txBody>
-          <a:bodyPr lIns="91425" tIns="91425" rIns="91425" bIns="91425" anchor="ctr" anchorCtr="0">
-            <a:noAutofit/>
-          </a:bodyPr>
-          <a:lstStyle/>
-          <a:p>
-            <a:pPr lvl="0">
-              <a:spcBef>
-                <a:spcPts val="0"/>
-              </a:spcBef>
-              <a:buNone/>
-            </a:pPr>
-            <a:endParaRPr/>
-          </a:p>
-        </p:txBody>
-      </p:sp>
-      <p:sp>
-        <p:nvSpPr>
-          <p:cNvPr id="250" name="Shape 250"/>
-          <p:cNvSpPr>
-            <a:spLocks noGrp="1" noRot="1" noChangeAspect="1"/>
-          </p:cNvSpPr>
-          <p:nvPr>
-            <p:ph type="sldImg" idx="2"/>
-          </p:nvPr>
-        </p:nvSpPr>
-        <p:spPr>
-          <a:xfrm>
-            <a:off x="1143000" y="685800"/>
-            <a:ext cx="4572000" cy="3429000"/>
-          </a:xfrm>
-          <a:custGeom>
-            <a:avLst/>
-            <a:gdLst/>
-            <a:ahLst/>
-            <a:cxnLst/>
-            <a:rect l="0" t="0" r="0" b="0"/>
-            <a:pathLst>
-              <a:path w="120000" h="120000" extrusionOk="0">
-                <a:moveTo>
-                  <a:pt x="0" y="0"/>
-                </a:moveTo>
-                <a:lnTo>
-                  <a:pt x="120000" y="0"/>
-                </a:lnTo>
-                <a:lnTo>
-                  <a:pt x="120000" y="120000"/>
-                </a:lnTo>
-                <a:lnTo>
-                  <a:pt x="0" y="120000"/>
-                </a:lnTo>
-                <a:close/>
-              </a:path>
-            </a:pathLst>
-          </a:custGeom>
-        </p:spPr>
-      </p:sp>
-    </p:spTree>
-    <p:extLst>
-      <p:ext uri="{BB962C8B-B14F-4D97-AF65-F5344CB8AC3E}">
-        <p14:creationId xmlns:p14="http://schemas.microsoft.com/office/powerpoint/2010/main" val="2305952405"/>
-      </p:ext>
-    </p:extLst>
-  </p:cSld>
-  <p:clrMapOvr>
-    <a:masterClrMapping/>
-  </p:clrMapOvr>
-</p:notes>
-</file>
-
-<file path=ppt/notesSlides/notesSlide3.xml><?xml version="1.0" encoding="utf-8"?>
-<p:notes xmlns:a="http://schemas.openxmlformats.org/drawingml/2006/main" xmlns:r="http://schemas.openxmlformats.org/officeDocument/2006/relationships" xmlns:p="http://schemas.openxmlformats.org/presentationml/2006/main" showMasterSp="0" showMasterPhAnim="0">
-  <p:cSld>
-    <p:spTree>
-      <p:nvGrpSpPr>
-        <p:cNvPr id="1" name="Shape 216"/>
-        <p:cNvGrpSpPr/>
-        <p:nvPr/>
-      </p:nvGrpSpPr>
-      <p:grpSpPr>
-        <a:xfrm>
-          <a:off x="0" y="0"/>
-          <a:ext cx="0" cy="0"/>
-          <a:chOff x="0" y="0"/>
-          <a:chExt cx="0" cy="0"/>
-        </a:xfrm>
-      </p:grpSpPr>
-      <p:sp>
-        <p:nvSpPr>
-          <p:cNvPr id="217" name="Shape 217"/>
-          <p:cNvSpPr txBox="1">
-            <a:spLocks noGrp="1"/>
-          </p:cNvSpPr>
-          <p:nvPr>
-            <p:ph type="body" idx="1"/>
-          </p:nvPr>
-        </p:nvSpPr>
-        <p:spPr>
-          <a:xfrm>
-            <a:off x="685800" y="4343400"/>
-            <a:ext cx="5486400" cy="4114800"/>
-          </a:xfrm>
-          <a:prstGeom prst="rect">
-            <a:avLst/>
-          </a:prstGeom>
-          <a:noFill/>
-          <a:ln>
-            <a:noFill/>
-          </a:ln>
-        </p:spPr>
-        <p:txBody>
-          <a:bodyPr lIns="91425" tIns="91425" rIns="91425" bIns="91425" anchor="ctr" anchorCtr="0">
-            <a:noAutofit/>
-          </a:bodyPr>
-          <a:lstStyle/>
-          <a:p>
-            <a:pPr lvl="0" rtl="0">
-              <a:spcBef>
-                <a:spcPts val="0"/>
-              </a:spcBef>
-              <a:buNone/>
-            </a:pPr>
-            <a:endParaRPr/>
-          </a:p>
-        </p:txBody>
-      </p:sp>
-      <p:sp>
-        <p:nvSpPr>
-          <p:cNvPr id="218" name="Shape 218"/>
-          <p:cNvSpPr>
-            <a:spLocks noGrp="1" noRot="1" noChangeAspect="1"/>
-          </p:cNvSpPr>
-          <p:nvPr>
-            <p:ph type="sldImg" idx="2"/>
-          </p:nvPr>
-        </p:nvSpPr>
-        <p:spPr>
-          <a:xfrm>
-            <a:off x="1143000" y="685800"/>
-            <a:ext cx="4572000" cy="3429000"/>
-          </a:xfrm>
-          <a:custGeom>
-            <a:avLst/>
-            <a:gdLst/>
-            <a:ahLst/>
-            <a:cxnLst/>
-            <a:rect l="0" t="0" r="0" b="0"/>
-            <a:pathLst>
-              <a:path w="120000" h="120000" extrusionOk="0">
-                <a:moveTo>
-                  <a:pt x="0" y="0"/>
-                </a:moveTo>
-                <a:lnTo>
-                  <a:pt x="120000" y="0"/>
-                </a:lnTo>
-                <a:lnTo>
-                  <a:pt x="120000" y="120000"/>
-                </a:lnTo>
-                <a:lnTo>
-                  <a:pt x="0" y="120000"/>
-                </a:lnTo>
-                <a:close/>
-              </a:path>
-            </a:pathLst>
-          </a:custGeom>
-        </p:spPr>
-      </p:sp>
-    </p:spTree>
-    <p:extLst>
-      <p:ext uri="{BB962C8B-B14F-4D97-AF65-F5344CB8AC3E}">
-        <p14:creationId xmlns:p14="http://schemas.microsoft.com/office/powerpoint/2010/main" val="3494318328"/>
       </p:ext>
     </p:extLst>
   </p:cSld>
@@ -29597,6 +30485,226 @@
           <a:prstGeom prst="rect">
             <a:avLst/>
           </a:prstGeom>
+          <a:noFill/>
+          <a:ln>
+            <a:noFill/>
+          </a:ln>
+        </p:spPr>
+        <p:txBody>
+          <a:bodyPr lIns="91425" tIns="45700" rIns="91425" bIns="45700" anchor="ctr" anchorCtr="0">
+            <a:noAutofit/>
+          </a:bodyPr>
+          <a:lstStyle/>
+          <a:p>
+            <a:pPr marL="0" marR="0" lvl="0" indent="0" algn="l" rtl="0">
+              <a:lnSpc>
+                <a:spcPct val="90000"/>
+              </a:lnSpc>
+              <a:spcBef>
+                <a:spcPts val="0"/>
+              </a:spcBef>
+              <a:spcAft>
+                <a:spcPts val="0"/>
+              </a:spcAft>
+              <a:buClr>
+                <a:schemeClr val="dk1"/>
+              </a:buClr>
+              <a:buSzPct val="25000"/>
+              <a:buFont typeface="Calibri"/>
+              <a:buNone/>
+            </a:pPr>
+            <a:r>
+              <a:rPr lang="en-US" sz="4400" b="0" i="0" u="none" strike="noStrike" cap="none" dirty="0" smtClean="0">
+                <a:solidFill>
+                  <a:schemeClr val="dk1"/>
+                </a:solidFill>
+                <a:latin typeface="Calibri"/>
+                <a:ea typeface="Calibri"/>
+                <a:cs typeface="Calibri"/>
+                <a:sym typeface="Calibri"/>
+              </a:rPr>
+              <a:t>Network Reduction:</a:t>
+            </a:r>
+            <a:endParaRPr lang="en-US" sz="4400" b="0" i="0" u="none" strike="noStrike" cap="none" dirty="0">
+              <a:solidFill>
+                <a:schemeClr val="dk1"/>
+              </a:solidFill>
+              <a:latin typeface="Calibri"/>
+              <a:ea typeface="Calibri"/>
+              <a:cs typeface="Calibri"/>
+              <a:sym typeface="Calibri"/>
+            </a:endParaRPr>
+          </a:p>
+        </p:txBody>
+      </p:sp>
+      <p:pic>
+        <p:nvPicPr>
+          <p:cNvPr id="2" name="Picture 1"/>
+          <p:cNvPicPr>
+            <a:picLocks noChangeAspect="1"/>
+          </p:cNvPicPr>
+          <p:nvPr/>
+        </p:nvPicPr>
+        <p:blipFill>
+          <a:blip r:embed="rId3">
+            <a:extLst>
+              <a:ext uri="{28A0092B-C50C-407E-A947-70E740481C1C}">
+                <a14:useLocalDpi xmlns:a14="http://schemas.microsoft.com/office/drawing/2010/main" val="0"/>
+              </a:ext>
+            </a:extLst>
+          </a:blip>
+          <a:stretch>
+            <a:fillRect/>
+          </a:stretch>
+        </p:blipFill>
+        <p:spPr>
+          <a:xfrm>
+            <a:off x="241501" y="1690687"/>
+            <a:ext cx="4083761" cy="4888139"/>
+          </a:xfrm>
+          <a:prstGeom prst="rect">
+            <a:avLst/>
+          </a:prstGeom>
+        </p:spPr>
+      </p:pic>
+      <p:pic>
+        <p:nvPicPr>
+          <p:cNvPr id="3" name="Picture 2"/>
+          <p:cNvPicPr>
+            <a:picLocks noChangeAspect="1"/>
+          </p:cNvPicPr>
+          <p:nvPr/>
+        </p:nvPicPr>
+        <p:blipFill>
+          <a:blip r:embed="rId4">
+            <a:extLst>
+              <a:ext uri="{28A0092B-C50C-407E-A947-70E740481C1C}">
+                <a14:useLocalDpi xmlns:a14="http://schemas.microsoft.com/office/drawing/2010/main" val="0"/>
+              </a:ext>
+            </a:extLst>
+          </a:blip>
+          <a:stretch>
+            <a:fillRect/>
+          </a:stretch>
+        </p:blipFill>
+        <p:spPr>
+          <a:xfrm>
+            <a:off x="4835221" y="1690686"/>
+            <a:ext cx="4083761" cy="4888139"/>
+          </a:xfrm>
+          <a:prstGeom prst="rect">
+            <a:avLst/>
+          </a:prstGeom>
+        </p:spPr>
+      </p:pic>
+      <p:sp>
+        <p:nvSpPr>
+          <p:cNvPr id="10" name="Right Arrow 9"/>
+          <p:cNvSpPr/>
+          <p:nvPr/>
+        </p:nvSpPr>
+        <p:spPr>
+          <a:xfrm>
+            <a:off x="4281720" y="3758292"/>
+            <a:ext cx="682166" cy="571500"/>
+          </a:xfrm>
+          <a:prstGeom prst="rightArrow">
+            <a:avLst/>
+          </a:prstGeom>
+          <a:solidFill>
+            <a:schemeClr val="bg1">
+              <a:lumMod val="85000"/>
+            </a:schemeClr>
+          </a:solidFill>
+          <a:ln>
+            <a:solidFill>
+              <a:schemeClr val="tx1">
+                <a:lumMod val="65000"/>
+                <a:lumOff val="35000"/>
+              </a:schemeClr>
+            </a:solidFill>
+          </a:ln>
+        </p:spPr>
+        <p:style>
+          <a:lnRef idx="2">
+            <a:schemeClr val="accent1">
+              <a:shade val="50000"/>
+            </a:schemeClr>
+          </a:lnRef>
+          <a:fillRef idx="1">
+            <a:schemeClr val="accent1"/>
+          </a:fillRef>
+          <a:effectRef idx="0">
+            <a:schemeClr val="accent1"/>
+          </a:effectRef>
+          <a:fontRef idx="minor">
+            <a:schemeClr val="lt1"/>
+          </a:fontRef>
+        </p:style>
+        <p:txBody>
+          <a:bodyPr rtlCol="0" anchor="ctr"/>
+          <a:lstStyle/>
+          <a:p>
+            <a:pPr algn="ctr"/>
+            <a:endParaRPr lang="en-US"/>
+          </a:p>
+        </p:txBody>
+      </p:sp>
+    </p:spTree>
+    <p:extLst>
+      <p:ext uri="{BB962C8B-B14F-4D97-AF65-F5344CB8AC3E}">
+        <p14:creationId xmlns:p14="http://schemas.microsoft.com/office/powerpoint/2010/main" val="197432435"/>
+      </p:ext>
+    </p:extLst>
+  </p:cSld>
+  <p:clrMapOvr>
+    <a:masterClrMapping/>
+  </p:clrMapOvr>
+  <p:timing>
+    <p:tnLst>
+      <p:par>
+        <p:cTn id="1" dur="indefinite" restart="never" nodeType="tmRoot"/>
+      </p:par>
+    </p:tnLst>
+  </p:timing>
+</p:sld>
+</file>
+
+<file path=ppt/slides/slide11.xml><?xml version="1.0" encoding="utf-8"?>
+<p:sld xmlns:a="http://schemas.openxmlformats.org/drawingml/2006/main" xmlns:r="http://schemas.openxmlformats.org/officeDocument/2006/relationships" xmlns:p="http://schemas.openxmlformats.org/presentationml/2006/main">
+  <p:cSld>
+    <p:spTree>
+      <p:nvGrpSpPr>
+        <p:cNvPr id="1" name="Shape 251"/>
+        <p:cNvGrpSpPr/>
+        <p:nvPr/>
+      </p:nvGrpSpPr>
+      <p:grpSpPr>
+        <a:xfrm>
+          <a:off x="0" y="0"/>
+          <a:ext cx="0" cy="0"/>
+          <a:chOff x="0" y="0"/>
+          <a:chExt cx="0" cy="0"/>
+        </a:xfrm>
+      </p:grpSpPr>
+      <p:sp>
+        <p:nvSpPr>
+          <p:cNvPr id="252" name="Shape 252"/>
+          <p:cNvSpPr txBox="1">
+            <a:spLocks noGrp="1"/>
+          </p:cNvSpPr>
+          <p:nvPr>
+            <p:ph type="title"/>
+          </p:nvPr>
+        </p:nvSpPr>
+        <p:spPr>
+          <a:xfrm>
+            <a:off x="628650" y="365125"/>
+            <a:ext cx="7886700" cy="1325562"/>
+          </a:xfrm>
+          <a:prstGeom prst="rect">
+            <a:avLst/>
+          </a:prstGeom>
           <a:solidFill>
             <a:srgbClr val="F2F2F2"/>
           </a:solidFill>
@@ -29901,7 +31009,7 @@
 </p:sld>
 </file>
 
-<file path=ppt/slides/slide11.xml><?xml version="1.0" encoding="utf-8"?>
+<file path=ppt/slides/slide12.xml><?xml version="1.0" encoding="utf-8"?>
 <p:sld xmlns:a="http://schemas.openxmlformats.org/drawingml/2006/main" xmlns:r="http://schemas.openxmlformats.org/officeDocument/2006/relationships" xmlns:p="http://schemas.openxmlformats.org/presentationml/2006/main">
   <p:cSld>
     <p:spTree>
@@ -29984,8 +31092,8 @@
           </a:ln>
         </p:spPr>
       </p:pic>
-      <mc:AlternateContent xmlns:mc="http://schemas.openxmlformats.org/markup-compatibility/2006">
-        <mc:Choice xmlns:a14="http://schemas.microsoft.com/office/drawing/2010/main" Requires="a14">
+      <mc:AlternateContent xmlns:mc="http://schemas.openxmlformats.org/markup-compatibility/2006" xmlns:a14="http://schemas.microsoft.com/office/drawing/2010/main">
+        <mc:Choice Requires="a14">
           <p:sp>
             <p:nvSpPr>
               <p:cNvPr id="3" name="Rectangle 2"/>
@@ -30223,7 +31331,7 @@
             </p:txBody>
           </p:sp>
         </mc:Choice>
-        <mc:Fallback>
+        <mc:Fallback xmlns="">
           <p:sp>
             <p:nvSpPr>
               <p:cNvPr id="3" name="Rectangle 2"/>
@@ -30339,7 +31447,7 @@
 </p:sld>
 </file>
 
-<file path=ppt/slides/slide12.xml><?xml version="1.0" encoding="utf-8"?>
+<file path=ppt/slides/slide13.xml><?xml version="1.0" encoding="utf-8"?>
 <p:sld xmlns:a="http://schemas.openxmlformats.org/drawingml/2006/main" xmlns:r="http://schemas.openxmlformats.org/officeDocument/2006/relationships" xmlns:p="http://schemas.openxmlformats.org/presentationml/2006/main">
   <p:cSld>
     <p:spTree>
@@ -30836,7 +31944,7 @@
 </p:sld>
 </file>
 
-<file path=ppt/slides/slide13.xml><?xml version="1.0" encoding="utf-8"?>
+<file path=ppt/slides/slide14.xml><?xml version="1.0" encoding="utf-8"?>
 <p:sld xmlns:a="http://schemas.openxmlformats.org/drawingml/2006/main" xmlns:r="http://schemas.openxmlformats.org/officeDocument/2006/relationships" xmlns:p="http://schemas.openxmlformats.org/presentationml/2006/main">
   <p:cSld>
     <p:spTree>
@@ -31462,7 +32570,7 @@
 </p:sld>
 </file>
 
-<file path=ppt/slides/slide14.xml><?xml version="1.0" encoding="utf-8"?>
+<file path=ppt/slides/slide15.xml><?xml version="1.0" encoding="utf-8"?>
 <p:sld xmlns:a="http://schemas.openxmlformats.org/drawingml/2006/main" xmlns:r="http://schemas.openxmlformats.org/officeDocument/2006/relationships" xmlns:p="http://schemas.openxmlformats.org/presentationml/2006/main">
   <p:cSld>
     <p:spTree>
@@ -31829,7 +32937,7 @@
 </p:sld>
 </file>
 
-<file path=ppt/slides/slide15.xml><?xml version="1.0" encoding="utf-8"?>
+<file path=ppt/slides/slide16.xml><?xml version="1.0" encoding="utf-8"?>
 <p:sld xmlns:a="http://schemas.openxmlformats.org/drawingml/2006/main" xmlns:r="http://schemas.openxmlformats.org/officeDocument/2006/relationships" xmlns:p="http://schemas.openxmlformats.org/presentationml/2006/main">
   <p:cSld>
     <p:spTree>
@@ -33180,7 +34288,7 @@
 </p:sld>
 </file>
 
-<file path=ppt/slides/slide16.xml><?xml version="1.0" encoding="utf-8"?>
+<file path=ppt/slides/slide17.xml><?xml version="1.0" encoding="utf-8"?>
 <p:sld xmlns:a="http://schemas.openxmlformats.org/drawingml/2006/main" xmlns:r="http://schemas.openxmlformats.org/officeDocument/2006/relationships" xmlns:p="http://schemas.openxmlformats.org/presentationml/2006/main">
   <p:cSld>
     <p:spTree>
@@ -33253,19 +34361,7 @@
                 <a:cs typeface="Calibri"/>
                 <a:sym typeface="Calibri"/>
               </a:rPr>
-              <a:t>User </a:t>
-            </a:r>
-            <a:r>
-              <a:rPr lang="en-US" sz="4400" b="0" i="0" u="none" strike="noStrike" cap="none" dirty="0" smtClean="0">
-                <a:solidFill>
-                  <a:schemeClr val="dk1"/>
-                </a:solidFill>
-                <a:latin typeface="Calibri"/>
-                <a:ea typeface="Calibri"/>
-                <a:cs typeface="Calibri"/>
-                <a:sym typeface="Calibri"/>
-              </a:rPr>
-              <a:t>Factor Weights</a:t>
+              <a:t>User Factor Weights</a:t>
             </a:r>
             <a:endParaRPr lang="en-US" sz="4400" b="0" i="0" u="none" strike="noStrike" cap="none" dirty="0">
               <a:solidFill>
@@ -33693,7 +34789,7 @@
 </p:sld>
 </file>
 
-<file path=ppt/slides/slide17.xml><?xml version="1.0" encoding="utf-8"?>
+<file path=ppt/slides/slide18.xml><?xml version="1.0" encoding="utf-8"?>
 <p:sld xmlns:a="http://schemas.openxmlformats.org/drawingml/2006/main" xmlns:r="http://schemas.openxmlformats.org/officeDocument/2006/relationships" xmlns:p="http://schemas.openxmlformats.org/presentationml/2006/main">
   <p:cSld>
     <p:spTree>
@@ -33830,11 +34926,7 @@
             </a:pPr>
             <a:r>
               <a:rPr lang="en-US" dirty="0" smtClean="0"/>
-              <a:t>Statistical inference of user </a:t>
-            </a:r>
-            <a:r>
-              <a:rPr lang="en-US" dirty="0" smtClean="0"/>
-              <a:t>weights</a:t>
+              <a:t>Statistical inference of user weights</a:t>
             </a:r>
           </a:p>
           <a:p>
@@ -34449,7 +35541,7 @@
 </p:sld>
 </file>
 
-<file path=ppt/slides/slide18.xml><?xml version="1.0" encoding="utf-8"?>
+<file path=ppt/slides/slide19.xml><?xml version="1.0" encoding="utf-8"?>
 <p:sld xmlns:a="http://schemas.openxmlformats.org/drawingml/2006/main" xmlns:r="http://schemas.openxmlformats.org/officeDocument/2006/relationships" xmlns:p="http://schemas.openxmlformats.org/presentationml/2006/main">
   <p:cSld>
     <p:spTree>
@@ -35092,7 +36184,293 @@
 </p:sld>
 </file>
 
-<file path=ppt/slides/slide19.xml><?xml version="1.0" encoding="utf-8"?>
+<file path=ppt/slides/slide2.xml><?xml version="1.0" encoding="utf-8"?>
+<p:sld xmlns:a="http://schemas.openxmlformats.org/drawingml/2006/main" xmlns:r="http://schemas.openxmlformats.org/officeDocument/2006/relationships" xmlns:p="http://schemas.openxmlformats.org/presentationml/2006/main">
+  <p:cSld>
+    <p:spTree>
+      <p:nvGrpSpPr>
+        <p:cNvPr id="1" name="Shape 219"/>
+        <p:cNvGrpSpPr/>
+        <p:nvPr/>
+      </p:nvGrpSpPr>
+      <p:grpSpPr>
+        <a:xfrm>
+          <a:off x="0" y="0"/>
+          <a:ext cx="0" cy="0"/>
+          <a:chOff x="0" y="0"/>
+          <a:chExt cx="0" cy="0"/>
+        </a:xfrm>
+      </p:grpSpPr>
+      <p:sp>
+        <p:nvSpPr>
+          <p:cNvPr id="220" name="Shape 220"/>
+          <p:cNvSpPr txBox="1">
+            <a:spLocks noGrp="1"/>
+          </p:cNvSpPr>
+          <p:nvPr>
+            <p:ph type="title"/>
+          </p:nvPr>
+        </p:nvSpPr>
+        <p:spPr>
+          <a:xfrm>
+            <a:off x="628650" y="365125"/>
+            <a:ext cx="7886700" cy="1325700"/>
+          </a:xfrm>
+          <a:prstGeom prst="rect">
+            <a:avLst/>
+          </a:prstGeom>
+          <a:noFill/>
+          <a:ln>
+            <a:noFill/>
+          </a:ln>
+        </p:spPr>
+        <p:txBody>
+          <a:bodyPr lIns="91425" tIns="45700" rIns="91425" bIns="45700" anchor="ctr" anchorCtr="0">
+            <a:noAutofit/>
+          </a:bodyPr>
+          <a:lstStyle/>
+          <a:p>
+            <a:pPr marL="0" marR="0" lvl="0" indent="0" algn="l" rtl="0">
+              <a:lnSpc>
+                <a:spcPct val="90000"/>
+              </a:lnSpc>
+              <a:spcBef>
+                <a:spcPts val="0"/>
+              </a:spcBef>
+              <a:spcAft>
+                <a:spcPts val="0"/>
+              </a:spcAft>
+              <a:buClr>
+                <a:schemeClr val="dk1"/>
+              </a:buClr>
+              <a:buSzPct val="25000"/>
+              <a:buFont typeface="Calibri"/>
+              <a:buNone/>
+            </a:pPr>
+            <a:r>
+              <a:rPr lang="en-US" dirty="0" smtClean="0"/>
+              <a:t>Outline</a:t>
+            </a:r>
+            <a:r>
+              <a:rPr lang="en-US" sz="4400" b="0" i="0" u="none" strike="noStrike" cap="none" dirty="0" smtClean="0">
+                <a:solidFill>
+                  <a:schemeClr val="dk1"/>
+                </a:solidFill>
+                <a:latin typeface="Calibri"/>
+                <a:ea typeface="Calibri"/>
+                <a:cs typeface="Calibri"/>
+                <a:sym typeface="Calibri"/>
+              </a:rPr>
+              <a:t>:</a:t>
+            </a:r>
+            <a:endParaRPr lang="en-US" sz="4400" b="0" i="0" u="none" strike="noStrike" cap="none" dirty="0">
+              <a:solidFill>
+                <a:schemeClr val="dk1"/>
+              </a:solidFill>
+              <a:latin typeface="Calibri"/>
+              <a:ea typeface="Calibri"/>
+              <a:cs typeface="Calibri"/>
+              <a:sym typeface="Calibri"/>
+            </a:endParaRPr>
+          </a:p>
+        </p:txBody>
+      </p:sp>
+      <p:sp>
+        <p:nvSpPr>
+          <p:cNvPr id="221" name="Shape 221"/>
+          <p:cNvSpPr txBox="1">
+            <a:spLocks noGrp="1"/>
+          </p:cNvSpPr>
+          <p:nvPr>
+            <p:ph type="body" idx="1"/>
+          </p:nvPr>
+        </p:nvSpPr>
+        <p:spPr>
+          <a:xfrm>
+            <a:off x="628650" y="1825625"/>
+            <a:ext cx="7886700" cy="4351200"/>
+          </a:xfrm>
+          <a:prstGeom prst="rect">
+            <a:avLst/>
+          </a:prstGeom>
+          <a:noFill/>
+          <a:ln>
+            <a:noFill/>
+          </a:ln>
+        </p:spPr>
+        <p:txBody>
+          <a:bodyPr lIns="91425" tIns="45700" rIns="91425" bIns="45700" anchor="t" anchorCtr="0">
+            <a:noAutofit/>
+          </a:bodyPr>
+          <a:lstStyle/>
+          <a:p>
+            <a:pPr marL="971550" marR="0" lvl="1" indent="-514350" algn="l" rtl="0">
+              <a:lnSpc>
+                <a:spcPct val="200000"/>
+              </a:lnSpc>
+              <a:spcBef>
+                <a:spcPts val="500"/>
+              </a:spcBef>
+              <a:spcAft>
+                <a:spcPts val="0"/>
+              </a:spcAft>
+              <a:buClr>
+                <a:schemeClr val="dk1"/>
+              </a:buClr>
+              <a:buSzPct val="100000"/>
+              <a:buFont typeface="+mj-lt"/>
+              <a:buAutoNum type="romanUcPeriod"/>
+            </a:pPr>
+            <a:r>
+              <a:rPr lang="en-US" sz="2400" b="0" i="0" u="none" strike="noStrike" cap="none" dirty="0" smtClean="0">
+                <a:solidFill>
+                  <a:schemeClr val="dk1"/>
+                </a:solidFill>
+                <a:latin typeface="Calibri"/>
+                <a:ea typeface="Calibri"/>
+                <a:cs typeface="Calibri"/>
+                <a:sym typeface="Calibri"/>
+              </a:rPr>
+              <a:t>Introduction</a:t>
+            </a:r>
+          </a:p>
+          <a:p>
+            <a:pPr marL="971550" marR="0" lvl="1" indent="-514350" algn="l" rtl="0">
+              <a:lnSpc>
+                <a:spcPct val="200000"/>
+              </a:lnSpc>
+              <a:spcBef>
+                <a:spcPts val="500"/>
+              </a:spcBef>
+              <a:spcAft>
+                <a:spcPts val="0"/>
+              </a:spcAft>
+              <a:buClr>
+                <a:schemeClr val="dk1"/>
+              </a:buClr>
+              <a:buSzPct val="100000"/>
+              <a:buFont typeface="+mj-lt"/>
+              <a:buAutoNum type="romanUcPeriod"/>
+            </a:pPr>
+            <a:r>
+              <a:rPr lang="en-US" dirty="0" smtClean="0"/>
+              <a:t>Methods </a:t>
+            </a:r>
+          </a:p>
+          <a:p>
+            <a:pPr marL="971550" marR="0" lvl="1" indent="-514350" algn="l" rtl="0">
+              <a:lnSpc>
+                <a:spcPct val="200000"/>
+              </a:lnSpc>
+              <a:spcBef>
+                <a:spcPts val="500"/>
+              </a:spcBef>
+              <a:spcAft>
+                <a:spcPts val="0"/>
+              </a:spcAft>
+              <a:buClr>
+                <a:schemeClr val="dk1"/>
+              </a:buClr>
+              <a:buSzPct val="100000"/>
+              <a:buFont typeface="+mj-lt"/>
+              <a:buAutoNum type="romanUcPeriod"/>
+            </a:pPr>
+            <a:r>
+              <a:rPr lang="en-US" sz="2400" b="0" i="0" u="none" strike="noStrike" cap="none" dirty="0" smtClean="0">
+                <a:solidFill>
+                  <a:schemeClr val="dk1"/>
+                </a:solidFill>
+                <a:latin typeface="Calibri"/>
+                <a:ea typeface="Calibri"/>
+                <a:cs typeface="Calibri"/>
+                <a:sym typeface="Calibri"/>
+              </a:rPr>
+              <a:t>Results</a:t>
+            </a:r>
+          </a:p>
+          <a:p>
+            <a:pPr marL="971550" marR="0" lvl="1" indent="-514350" algn="l" rtl="0">
+              <a:lnSpc>
+                <a:spcPct val="200000"/>
+              </a:lnSpc>
+              <a:spcBef>
+                <a:spcPts val="500"/>
+              </a:spcBef>
+              <a:spcAft>
+                <a:spcPts val="0"/>
+              </a:spcAft>
+              <a:buClr>
+                <a:schemeClr val="dk1"/>
+              </a:buClr>
+              <a:buSzPct val="100000"/>
+              <a:buFont typeface="+mj-lt"/>
+              <a:buAutoNum type="romanUcPeriod"/>
+            </a:pPr>
+            <a:r>
+              <a:rPr lang="en-US" dirty="0" smtClean="0"/>
+              <a:t>Discussion</a:t>
+            </a:r>
+            <a:endParaRPr sz="2400" b="0" i="0" u="none" strike="noStrike" cap="none" dirty="0">
+              <a:solidFill>
+                <a:schemeClr val="dk1"/>
+              </a:solidFill>
+              <a:latin typeface="Calibri"/>
+              <a:ea typeface="Calibri"/>
+              <a:cs typeface="Calibri"/>
+              <a:sym typeface="Calibri"/>
+            </a:endParaRPr>
+          </a:p>
+          <a:p>
+            <a:pPr marL="228600" marR="0" lvl="0" indent="-228600" algn="l" rtl="0">
+              <a:lnSpc>
+                <a:spcPct val="90000"/>
+              </a:lnSpc>
+              <a:spcBef>
+                <a:spcPts val="1000"/>
+              </a:spcBef>
+              <a:spcAft>
+                <a:spcPts val="0"/>
+              </a:spcAft>
+              <a:buClr>
+                <a:schemeClr val="dk1"/>
+              </a:buClr>
+              <a:buSzPct val="100000"/>
+              <a:buFont typeface="Arial"/>
+              <a:buNone/>
+            </a:pPr>
+            <a:endParaRPr sz="2400" b="0" i="0" u="none" strike="noStrike" cap="none" dirty="0">
+              <a:solidFill>
+                <a:schemeClr val="dk1"/>
+              </a:solidFill>
+              <a:latin typeface="Calibri"/>
+              <a:ea typeface="Calibri"/>
+              <a:cs typeface="Calibri"/>
+              <a:sym typeface="Calibri"/>
+            </a:endParaRPr>
+          </a:p>
+        </p:txBody>
+      </p:sp>
+    </p:spTree>
+    <p:extLst>
+      <p:ext uri="{BB962C8B-B14F-4D97-AF65-F5344CB8AC3E}">
+        <p14:creationId xmlns:p14="http://schemas.microsoft.com/office/powerpoint/2010/main" val="2826915333"/>
+      </p:ext>
+    </p:extLst>
+  </p:cSld>
+  <p:clrMapOvr>
+    <a:masterClrMapping/>
+  </p:clrMapOvr>
+  <p:timing>
+    <p:tnLst>
+      <p:par>
+        <p:cTn id="1" dur="indefinite" restart="never" nodeType="tmRoot"/>
+      </p:par>
+    </p:tnLst>
+  </p:timing>
+</p:sld>
+</file>
+
+<file path=ppt/slides/slide20.xml><?xml version="1.0" encoding="utf-8"?>
 <p:sld xmlns:a="http://schemas.openxmlformats.org/drawingml/2006/main" xmlns:r="http://schemas.openxmlformats.org/officeDocument/2006/relationships" xmlns:p="http://schemas.openxmlformats.org/presentationml/2006/main">
   <p:cSld>
     <p:spTree>
@@ -35209,293 +36587,7 @@
 </p:sld>
 </file>
 
-<file path=ppt/slides/slide2.xml><?xml version="1.0" encoding="utf-8"?>
-<p:sld xmlns:a="http://schemas.openxmlformats.org/drawingml/2006/main" xmlns:r="http://schemas.openxmlformats.org/officeDocument/2006/relationships" xmlns:p="http://schemas.openxmlformats.org/presentationml/2006/main">
-  <p:cSld>
-    <p:spTree>
-      <p:nvGrpSpPr>
-        <p:cNvPr id="1" name="Shape 219"/>
-        <p:cNvGrpSpPr/>
-        <p:nvPr/>
-      </p:nvGrpSpPr>
-      <p:grpSpPr>
-        <a:xfrm>
-          <a:off x="0" y="0"/>
-          <a:ext cx="0" cy="0"/>
-          <a:chOff x="0" y="0"/>
-          <a:chExt cx="0" cy="0"/>
-        </a:xfrm>
-      </p:grpSpPr>
-      <p:sp>
-        <p:nvSpPr>
-          <p:cNvPr id="220" name="Shape 220"/>
-          <p:cNvSpPr txBox="1">
-            <a:spLocks noGrp="1"/>
-          </p:cNvSpPr>
-          <p:nvPr>
-            <p:ph type="title"/>
-          </p:nvPr>
-        </p:nvSpPr>
-        <p:spPr>
-          <a:xfrm>
-            <a:off x="628650" y="365125"/>
-            <a:ext cx="7886700" cy="1325700"/>
-          </a:xfrm>
-          <a:prstGeom prst="rect">
-            <a:avLst/>
-          </a:prstGeom>
-          <a:noFill/>
-          <a:ln>
-            <a:noFill/>
-          </a:ln>
-        </p:spPr>
-        <p:txBody>
-          <a:bodyPr lIns="91425" tIns="45700" rIns="91425" bIns="45700" anchor="ctr" anchorCtr="0">
-            <a:noAutofit/>
-          </a:bodyPr>
-          <a:lstStyle/>
-          <a:p>
-            <a:pPr marL="0" marR="0" lvl="0" indent="0" algn="l" rtl="0">
-              <a:lnSpc>
-                <a:spcPct val="90000"/>
-              </a:lnSpc>
-              <a:spcBef>
-                <a:spcPts val="0"/>
-              </a:spcBef>
-              <a:spcAft>
-                <a:spcPts val="0"/>
-              </a:spcAft>
-              <a:buClr>
-                <a:schemeClr val="dk1"/>
-              </a:buClr>
-              <a:buSzPct val="25000"/>
-              <a:buFont typeface="Calibri"/>
-              <a:buNone/>
-            </a:pPr>
-            <a:r>
-              <a:rPr lang="en-US" dirty="0" smtClean="0"/>
-              <a:t>Outline</a:t>
-            </a:r>
-            <a:r>
-              <a:rPr lang="en-US" sz="4400" b="0" i="0" u="none" strike="noStrike" cap="none" dirty="0" smtClean="0">
-                <a:solidFill>
-                  <a:schemeClr val="dk1"/>
-                </a:solidFill>
-                <a:latin typeface="Calibri"/>
-                <a:ea typeface="Calibri"/>
-                <a:cs typeface="Calibri"/>
-                <a:sym typeface="Calibri"/>
-              </a:rPr>
-              <a:t>:</a:t>
-            </a:r>
-            <a:endParaRPr lang="en-US" sz="4400" b="0" i="0" u="none" strike="noStrike" cap="none" dirty="0">
-              <a:solidFill>
-                <a:schemeClr val="dk1"/>
-              </a:solidFill>
-              <a:latin typeface="Calibri"/>
-              <a:ea typeface="Calibri"/>
-              <a:cs typeface="Calibri"/>
-              <a:sym typeface="Calibri"/>
-            </a:endParaRPr>
-          </a:p>
-        </p:txBody>
-      </p:sp>
-      <p:sp>
-        <p:nvSpPr>
-          <p:cNvPr id="221" name="Shape 221"/>
-          <p:cNvSpPr txBox="1">
-            <a:spLocks noGrp="1"/>
-          </p:cNvSpPr>
-          <p:nvPr>
-            <p:ph type="body" idx="1"/>
-          </p:nvPr>
-        </p:nvSpPr>
-        <p:spPr>
-          <a:xfrm>
-            <a:off x="628650" y="1825625"/>
-            <a:ext cx="7886700" cy="4351200"/>
-          </a:xfrm>
-          <a:prstGeom prst="rect">
-            <a:avLst/>
-          </a:prstGeom>
-          <a:noFill/>
-          <a:ln>
-            <a:noFill/>
-          </a:ln>
-        </p:spPr>
-        <p:txBody>
-          <a:bodyPr lIns="91425" tIns="45700" rIns="91425" bIns="45700" anchor="t" anchorCtr="0">
-            <a:noAutofit/>
-          </a:bodyPr>
-          <a:lstStyle/>
-          <a:p>
-            <a:pPr marL="971550" marR="0" lvl="1" indent="-514350" algn="l" rtl="0">
-              <a:lnSpc>
-                <a:spcPct val="200000"/>
-              </a:lnSpc>
-              <a:spcBef>
-                <a:spcPts val="500"/>
-              </a:spcBef>
-              <a:spcAft>
-                <a:spcPts val="0"/>
-              </a:spcAft>
-              <a:buClr>
-                <a:schemeClr val="dk1"/>
-              </a:buClr>
-              <a:buSzPct val="100000"/>
-              <a:buFont typeface="+mj-lt"/>
-              <a:buAutoNum type="romanUcPeriod"/>
-            </a:pPr>
-            <a:r>
-              <a:rPr lang="en-US" sz="2400" b="0" i="0" u="none" strike="noStrike" cap="none" dirty="0" smtClean="0">
-                <a:solidFill>
-                  <a:schemeClr val="dk1"/>
-                </a:solidFill>
-                <a:latin typeface="Calibri"/>
-                <a:ea typeface="Calibri"/>
-                <a:cs typeface="Calibri"/>
-                <a:sym typeface="Calibri"/>
-              </a:rPr>
-              <a:t>Introduction</a:t>
-            </a:r>
-          </a:p>
-          <a:p>
-            <a:pPr marL="971550" marR="0" lvl="1" indent="-514350" algn="l" rtl="0">
-              <a:lnSpc>
-                <a:spcPct val="200000"/>
-              </a:lnSpc>
-              <a:spcBef>
-                <a:spcPts val="500"/>
-              </a:spcBef>
-              <a:spcAft>
-                <a:spcPts val="0"/>
-              </a:spcAft>
-              <a:buClr>
-                <a:schemeClr val="dk1"/>
-              </a:buClr>
-              <a:buSzPct val="100000"/>
-              <a:buFont typeface="+mj-lt"/>
-              <a:buAutoNum type="romanUcPeriod"/>
-            </a:pPr>
-            <a:r>
-              <a:rPr lang="en-US" dirty="0" smtClean="0"/>
-              <a:t>Methods </a:t>
-            </a:r>
-          </a:p>
-          <a:p>
-            <a:pPr marL="971550" marR="0" lvl="1" indent="-514350" algn="l" rtl="0">
-              <a:lnSpc>
-                <a:spcPct val="200000"/>
-              </a:lnSpc>
-              <a:spcBef>
-                <a:spcPts val="500"/>
-              </a:spcBef>
-              <a:spcAft>
-                <a:spcPts val="0"/>
-              </a:spcAft>
-              <a:buClr>
-                <a:schemeClr val="dk1"/>
-              </a:buClr>
-              <a:buSzPct val="100000"/>
-              <a:buFont typeface="+mj-lt"/>
-              <a:buAutoNum type="romanUcPeriod"/>
-            </a:pPr>
-            <a:r>
-              <a:rPr lang="en-US" sz="2400" b="0" i="0" u="none" strike="noStrike" cap="none" dirty="0" smtClean="0">
-                <a:solidFill>
-                  <a:schemeClr val="dk1"/>
-                </a:solidFill>
-                <a:latin typeface="Calibri"/>
-                <a:ea typeface="Calibri"/>
-                <a:cs typeface="Calibri"/>
-                <a:sym typeface="Calibri"/>
-              </a:rPr>
-              <a:t>Results</a:t>
-            </a:r>
-          </a:p>
-          <a:p>
-            <a:pPr marL="971550" marR="0" lvl="1" indent="-514350" algn="l" rtl="0">
-              <a:lnSpc>
-                <a:spcPct val="200000"/>
-              </a:lnSpc>
-              <a:spcBef>
-                <a:spcPts val="500"/>
-              </a:spcBef>
-              <a:spcAft>
-                <a:spcPts val="0"/>
-              </a:spcAft>
-              <a:buClr>
-                <a:schemeClr val="dk1"/>
-              </a:buClr>
-              <a:buSzPct val="100000"/>
-              <a:buFont typeface="+mj-lt"/>
-              <a:buAutoNum type="romanUcPeriod"/>
-            </a:pPr>
-            <a:r>
-              <a:rPr lang="en-US" dirty="0" smtClean="0"/>
-              <a:t>Discussion</a:t>
-            </a:r>
-            <a:endParaRPr sz="2400" b="0" i="0" u="none" strike="noStrike" cap="none" dirty="0">
-              <a:solidFill>
-                <a:schemeClr val="dk1"/>
-              </a:solidFill>
-              <a:latin typeface="Calibri"/>
-              <a:ea typeface="Calibri"/>
-              <a:cs typeface="Calibri"/>
-              <a:sym typeface="Calibri"/>
-            </a:endParaRPr>
-          </a:p>
-          <a:p>
-            <a:pPr marL="228600" marR="0" lvl="0" indent="-228600" algn="l" rtl="0">
-              <a:lnSpc>
-                <a:spcPct val="90000"/>
-              </a:lnSpc>
-              <a:spcBef>
-                <a:spcPts val="1000"/>
-              </a:spcBef>
-              <a:spcAft>
-                <a:spcPts val="0"/>
-              </a:spcAft>
-              <a:buClr>
-                <a:schemeClr val="dk1"/>
-              </a:buClr>
-              <a:buSzPct val="100000"/>
-              <a:buFont typeface="Arial"/>
-              <a:buNone/>
-            </a:pPr>
-            <a:endParaRPr sz="2400" b="0" i="0" u="none" strike="noStrike" cap="none" dirty="0">
-              <a:solidFill>
-                <a:schemeClr val="dk1"/>
-              </a:solidFill>
-              <a:latin typeface="Calibri"/>
-              <a:ea typeface="Calibri"/>
-              <a:cs typeface="Calibri"/>
-              <a:sym typeface="Calibri"/>
-            </a:endParaRPr>
-          </a:p>
-        </p:txBody>
-      </p:sp>
-    </p:spTree>
-    <p:extLst>
-      <p:ext uri="{BB962C8B-B14F-4D97-AF65-F5344CB8AC3E}">
-        <p14:creationId xmlns:p14="http://schemas.microsoft.com/office/powerpoint/2010/main" val="2826915333"/>
-      </p:ext>
-    </p:extLst>
-  </p:cSld>
-  <p:clrMapOvr>
-    <a:masterClrMapping/>
-  </p:clrMapOvr>
-  <p:timing>
-    <p:tnLst>
-      <p:par>
-        <p:cTn id="1" dur="indefinite" restart="never" nodeType="tmRoot"/>
-      </p:par>
-    </p:tnLst>
-  </p:timing>
-</p:sld>
-</file>
-
-<file path=ppt/slides/slide20.xml><?xml version="1.0" encoding="utf-8"?>
+<file path=ppt/slides/slide21.xml><?xml version="1.0" encoding="utf-8"?>
 <p:sld xmlns:a="http://schemas.openxmlformats.org/drawingml/2006/main" xmlns:r="http://schemas.openxmlformats.org/officeDocument/2006/relationships" xmlns:p="http://schemas.openxmlformats.org/presentationml/2006/main">
   <p:cSld>
     <p:spTree>
@@ -35559,16 +36651,8 @@
               <a:buNone/>
             </a:pPr>
             <a:r>
-              <a:rPr lang="en-US" sz="4400" b="0" i="0" u="none" strike="noStrike" cap="none" dirty="0" smtClean="0">
-                <a:solidFill>
-                  <a:schemeClr val="dk1"/>
-                </a:solidFill>
-                <a:latin typeface="Calibri"/>
-                <a:ea typeface="Calibri"/>
-                <a:cs typeface="Calibri"/>
-                <a:sym typeface="Calibri"/>
-              </a:rPr>
-              <a:t>Real World Example</a:t>
+              <a:rPr lang="en-US" dirty="0" smtClean="0"/>
+              <a:t>Zen Score Analysis</a:t>
             </a:r>
             <a:r>
               <a:rPr lang="en-US" sz="4400" b="0" i="0" u="none" strike="noStrike" cap="none" dirty="0" smtClean="0">
@@ -35596,7 +36680,7 @@
       </p:sp>
       <p:pic>
         <p:nvPicPr>
-          <p:cNvPr id="3" name="Picture 2"/>
+          <p:cNvPr id="2" name="Picture 1"/>
           <p:cNvPicPr>
             <a:picLocks noChangeAspect="1"/>
           </p:cNvPicPr>
@@ -35604,29 +36688,6 @@
         </p:nvPicPr>
         <p:blipFill rotWithShape="1">
           <a:blip r:embed="rId3"/>
-          <a:srcRect l="20859" t="9589" r="12533" b="10350"/>
-          <a:stretch/>
-        </p:blipFill>
-        <p:spPr>
-          <a:xfrm>
-            <a:off x="876300" y="1442512"/>
-            <a:ext cx="5270500" cy="4932888"/>
-          </a:xfrm>
-          <a:prstGeom prst="rect">
-            <a:avLst/>
-          </a:prstGeom>
-        </p:spPr>
-      </p:pic>
-      <p:pic>
-        <p:nvPicPr>
-          <p:cNvPr id="2" name="Picture 1"/>
-          <p:cNvPicPr>
-            <a:picLocks noChangeAspect="1"/>
-          </p:cNvPicPr>
-          <p:nvPr/>
-        </p:nvPicPr>
-        <p:blipFill rotWithShape="1">
-          <a:blip r:embed="rId4"/>
           <a:srcRect b="9887"/>
           <a:stretch/>
         </p:blipFill>
@@ -35642,22 +36703,352 @@
       </p:pic>
       <p:pic>
         <p:nvPicPr>
-          <p:cNvPr id="4" name="Picture 3"/>
+          <p:cNvPr id="6" name="Picture 5"/>
           <p:cNvPicPr>
             <a:picLocks noChangeAspect="1"/>
           </p:cNvPicPr>
           <p:nvPr/>
         </p:nvPicPr>
         <p:blipFill>
-          <a:blip r:embed="rId5"/>
+          <a:blip r:embed="rId4">
+            <a:extLst>
+              <a:ext uri="{28A0092B-C50C-407E-A947-70E740481C1C}">
+                <a14:useLocalDpi xmlns:a14="http://schemas.microsoft.com/office/drawing/2010/main" val="0"/>
+              </a:ext>
+            </a:extLst>
+          </a:blip>
           <a:stretch>
             <a:fillRect/>
           </a:stretch>
         </p:blipFill>
         <p:spPr>
           <a:xfrm>
-            <a:off x="5313362" y="4343400"/>
-            <a:ext cx="2205193" cy="718820"/>
+            <a:off x="1211144" y="1489434"/>
+            <a:ext cx="6721711" cy="5264871"/>
+          </a:xfrm>
+          <a:prstGeom prst="rect">
+            <a:avLst/>
+          </a:prstGeom>
+        </p:spPr>
+      </p:pic>
+    </p:spTree>
+    <p:extLst>
+      <p:ext uri="{BB962C8B-B14F-4D97-AF65-F5344CB8AC3E}">
+        <p14:creationId xmlns:p14="http://schemas.microsoft.com/office/powerpoint/2010/main" val="2712860662"/>
+      </p:ext>
+    </p:extLst>
+  </p:cSld>
+  <p:clrMapOvr>
+    <a:masterClrMapping/>
+  </p:clrMapOvr>
+  <p:timing>
+    <p:tnLst>
+      <p:par>
+        <p:cTn id="1" dur="indefinite" restart="never" nodeType="tmRoot"/>
+      </p:par>
+    </p:tnLst>
+  </p:timing>
+</p:sld>
+</file>
+
+<file path=ppt/slides/slide22.xml><?xml version="1.0" encoding="utf-8"?>
+<p:sld xmlns:a="http://schemas.openxmlformats.org/drawingml/2006/main" xmlns:r="http://schemas.openxmlformats.org/officeDocument/2006/relationships" xmlns:p="http://schemas.openxmlformats.org/presentationml/2006/main">
+  <p:cSld>
+    <p:spTree>
+      <p:nvGrpSpPr>
+        <p:cNvPr id="1" name="Shape 251"/>
+        <p:cNvGrpSpPr/>
+        <p:nvPr/>
+      </p:nvGrpSpPr>
+      <p:grpSpPr>
+        <a:xfrm>
+          <a:off x="0" y="0"/>
+          <a:ext cx="0" cy="0"/>
+          <a:chOff x="0" y="0"/>
+          <a:chExt cx="0" cy="0"/>
+        </a:xfrm>
+      </p:grpSpPr>
+      <p:sp>
+        <p:nvSpPr>
+          <p:cNvPr id="252" name="Shape 252"/>
+          <p:cNvSpPr txBox="1">
+            <a:spLocks noGrp="1"/>
+          </p:cNvSpPr>
+          <p:nvPr>
+            <p:ph type="title"/>
+          </p:nvPr>
+        </p:nvSpPr>
+        <p:spPr>
+          <a:xfrm>
+            <a:off x="628650" y="365125"/>
+            <a:ext cx="7886700" cy="1325562"/>
+          </a:xfrm>
+          <a:prstGeom prst="rect">
+            <a:avLst/>
+          </a:prstGeom>
+          <a:noFill/>
+          <a:ln>
+            <a:noFill/>
+          </a:ln>
+        </p:spPr>
+        <p:txBody>
+          <a:bodyPr lIns="91425" tIns="45700" rIns="91425" bIns="45700" anchor="ctr" anchorCtr="0">
+            <a:noAutofit/>
+          </a:bodyPr>
+          <a:lstStyle/>
+          <a:p>
+            <a:pPr marL="0" marR="0" lvl="0" indent="0" algn="l" rtl="0">
+              <a:lnSpc>
+                <a:spcPct val="90000"/>
+              </a:lnSpc>
+              <a:spcBef>
+                <a:spcPts val="0"/>
+              </a:spcBef>
+              <a:spcAft>
+                <a:spcPts val="0"/>
+              </a:spcAft>
+              <a:buClr>
+                <a:schemeClr val="dk1"/>
+              </a:buClr>
+              <a:buSzPct val="25000"/>
+              <a:buFont typeface="Calibri"/>
+              <a:buNone/>
+            </a:pPr>
+            <a:r>
+              <a:rPr lang="en-US" dirty="0" smtClean="0"/>
+              <a:t>Zen Score Analysis</a:t>
+            </a:r>
+            <a:r>
+              <a:rPr lang="en-US" sz="4400" b="0" i="0" u="none" strike="noStrike" cap="none" dirty="0" smtClean="0">
+                <a:solidFill>
+                  <a:schemeClr val="dk1"/>
+                </a:solidFill>
+                <a:latin typeface="Calibri"/>
+                <a:ea typeface="Calibri"/>
+                <a:cs typeface="Calibri"/>
+                <a:sym typeface="Calibri"/>
+              </a:rPr>
+              <a:t>:</a:t>
+            </a:r>
+            <a:endParaRPr lang="en-US" sz="4400" b="0" i="0" u="none" strike="noStrike" cap="none" dirty="0">
+              <a:solidFill>
+                <a:schemeClr val="dk1"/>
+              </a:solidFill>
+              <a:latin typeface="Calibri"/>
+              <a:ea typeface="Calibri"/>
+              <a:cs typeface="Calibri"/>
+              <a:sym typeface="Calibri"/>
+            </a:endParaRPr>
+          </a:p>
+        </p:txBody>
+      </p:sp>
+      <p:pic>
+        <p:nvPicPr>
+          <p:cNvPr id="2" name="Picture 1"/>
+          <p:cNvPicPr>
+            <a:picLocks noChangeAspect="1"/>
+          </p:cNvPicPr>
+          <p:nvPr/>
+        </p:nvPicPr>
+        <p:blipFill rotWithShape="1">
+          <a:blip r:embed="rId3"/>
+          <a:srcRect b="9887"/>
+          <a:stretch/>
+        </p:blipFill>
+        <p:spPr>
+          <a:xfrm>
+            <a:off x="9248776" y="2312462"/>
+            <a:ext cx="3619500" cy="3192988"/>
+          </a:xfrm>
+          <a:prstGeom prst="rect">
+            <a:avLst/>
+          </a:prstGeom>
+        </p:spPr>
+      </p:pic>
+      <p:pic>
+        <p:nvPicPr>
+          <p:cNvPr id="3" name="Picture 2"/>
+          <p:cNvPicPr>
+            <a:picLocks noChangeAspect="1"/>
+          </p:cNvPicPr>
+          <p:nvPr/>
+        </p:nvPicPr>
+        <p:blipFill>
+          <a:blip r:embed="rId4">
+            <a:extLst>
+              <a:ext uri="{28A0092B-C50C-407E-A947-70E740481C1C}">
+                <a14:useLocalDpi xmlns:a14="http://schemas.microsoft.com/office/drawing/2010/main" val="0"/>
+              </a:ext>
+            </a:extLst>
+          </a:blip>
+          <a:stretch>
+            <a:fillRect/>
+          </a:stretch>
+        </p:blipFill>
+        <p:spPr>
+          <a:xfrm>
+            <a:off x="1008660" y="1406129"/>
+            <a:ext cx="7315215" cy="5486411"/>
+          </a:xfrm>
+          <a:prstGeom prst="rect">
+            <a:avLst/>
+          </a:prstGeom>
+        </p:spPr>
+      </p:pic>
+    </p:spTree>
+    <p:extLst>
+      <p:ext uri="{BB962C8B-B14F-4D97-AF65-F5344CB8AC3E}">
+        <p14:creationId xmlns:p14="http://schemas.microsoft.com/office/powerpoint/2010/main" val="1970809829"/>
+      </p:ext>
+    </p:extLst>
+  </p:cSld>
+  <p:clrMapOvr>
+    <a:masterClrMapping/>
+  </p:clrMapOvr>
+  <p:timing>
+    <p:tnLst>
+      <p:par>
+        <p:cTn id="1" dur="indefinite" restart="never" nodeType="tmRoot"/>
+      </p:par>
+    </p:tnLst>
+  </p:timing>
+</p:sld>
+</file>
+
+<file path=ppt/slides/slide23.xml><?xml version="1.0" encoding="utf-8"?>
+<p:sld xmlns:a="http://schemas.openxmlformats.org/drawingml/2006/main" xmlns:r="http://schemas.openxmlformats.org/officeDocument/2006/relationships" xmlns:p="http://schemas.openxmlformats.org/presentationml/2006/main">
+  <p:cSld>
+    <p:spTree>
+      <p:nvGrpSpPr>
+        <p:cNvPr id="1" name="Shape 251"/>
+        <p:cNvGrpSpPr/>
+        <p:nvPr/>
+      </p:nvGrpSpPr>
+      <p:grpSpPr>
+        <a:xfrm>
+          <a:off x="0" y="0"/>
+          <a:ext cx="0" cy="0"/>
+          <a:chOff x="0" y="0"/>
+          <a:chExt cx="0" cy="0"/>
+        </a:xfrm>
+      </p:grpSpPr>
+      <p:sp>
+        <p:nvSpPr>
+          <p:cNvPr id="252" name="Shape 252"/>
+          <p:cNvSpPr txBox="1">
+            <a:spLocks noGrp="1"/>
+          </p:cNvSpPr>
+          <p:nvPr>
+            <p:ph type="title"/>
+          </p:nvPr>
+        </p:nvSpPr>
+        <p:spPr>
+          <a:xfrm>
+            <a:off x="628650" y="365125"/>
+            <a:ext cx="7886700" cy="1325562"/>
+          </a:xfrm>
+          <a:prstGeom prst="rect">
+            <a:avLst/>
+          </a:prstGeom>
+          <a:noFill/>
+          <a:ln>
+            <a:noFill/>
+          </a:ln>
+        </p:spPr>
+        <p:txBody>
+          <a:bodyPr lIns="91425" tIns="45700" rIns="91425" bIns="45700" anchor="ctr" anchorCtr="0">
+            <a:noAutofit/>
+          </a:bodyPr>
+          <a:lstStyle/>
+          <a:p>
+            <a:pPr marL="0" marR="0" lvl="0" indent="0" algn="l" rtl="0">
+              <a:lnSpc>
+                <a:spcPct val="90000"/>
+              </a:lnSpc>
+              <a:spcBef>
+                <a:spcPts val="0"/>
+              </a:spcBef>
+              <a:spcAft>
+                <a:spcPts val="0"/>
+              </a:spcAft>
+              <a:buClr>
+                <a:schemeClr val="dk1"/>
+              </a:buClr>
+              <a:buSzPct val="25000"/>
+              <a:buFont typeface="Calibri"/>
+              <a:buNone/>
+            </a:pPr>
+            <a:r>
+              <a:rPr lang="en-US" sz="4400" b="0" i="0" u="none" strike="noStrike" cap="none" dirty="0" smtClean="0">
+                <a:solidFill>
+                  <a:schemeClr val="dk1"/>
+                </a:solidFill>
+                <a:latin typeface="Calibri"/>
+                <a:ea typeface="Calibri"/>
+                <a:cs typeface="Calibri"/>
+                <a:sym typeface="Calibri"/>
+              </a:rPr>
+              <a:t>Real World Example:</a:t>
+            </a:r>
+            <a:endParaRPr lang="en-US" sz="4400" b="0" i="0" u="none" strike="noStrike" cap="none" dirty="0">
+              <a:solidFill>
+                <a:schemeClr val="dk1"/>
+              </a:solidFill>
+              <a:latin typeface="Calibri"/>
+              <a:ea typeface="Calibri"/>
+              <a:cs typeface="Calibri"/>
+              <a:sym typeface="Calibri"/>
+            </a:endParaRPr>
+          </a:p>
+        </p:txBody>
+      </p:sp>
+      <p:pic>
+        <p:nvPicPr>
+          <p:cNvPr id="2" name="Picture 1"/>
+          <p:cNvPicPr>
+            <a:picLocks noChangeAspect="1"/>
+          </p:cNvPicPr>
+          <p:nvPr/>
+        </p:nvPicPr>
+        <p:blipFill rotWithShape="1">
+          <a:blip r:embed="rId3"/>
+          <a:srcRect b="9887"/>
+          <a:stretch/>
+        </p:blipFill>
+        <p:spPr>
+          <a:xfrm>
+            <a:off x="9248776" y="2312462"/>
+            <a:ext cx="3619500" cy="3192988"/>
+          </a:xfrm>
+          <a:prstGeom prst="rect">
+            <a:avLst/>
+          </a:prstGeom>
+        </p:spPr>
+      </p:pic>
+      <p:pic>
+        <p:nvPicPr>
+          <p:cNvPr id="6" name="Picture 5"/>
+          <p:cNvPicPr>
+            <a:picLocks noChangeAspect="1"/>
+          </p:cNvPicPr>
+          <p:nvPr/>
+        </p:nvPicPr>
+        <p:blipFill>
+          <a:blip r:embed="rId4">
+            <a:extLst>
+              <a:ext uri="{28A0092B-C50C-407E-A947-70E740481C1C}">
+                <a14:useLocalDpi xmlns:a14="http://schemas.microsoft.com/office/drawing/2010/main" val="0"/>
+              </a:ext>
+            </a:extLst>
+          </a:blip>
+          <a:stretch>
+            <a:fillRect/>
+          </a:stretch>
+        </p:blipFill>
+        <p:spPr>
+          <a:xfrm>
+            <a:off x="395287" y="1608000"/>
+            <a:ext cx="5880779" cy="4601911"/>
           </a:xfrm>
           <a:prstGeom prst="rect">
             <a:avLst/>
@@ -35673,7 +37064,7 @@
           <p:nvPr>
             <p:extLst>
               <p:ext uri="{D42A27DB-BD31-4B8C-83A1-F6EECF244321}">
-                <p14:modId xmlns:p14="http://schemas.microsoft.com/office/powerpoint/2010/main" val="1404780840"/>
+                <p14:modId xmlns:p14="http://schemas.microsoft.com/office/powerpoint/2010/main" val="1911186840"/>
               </p:ext>
             </p:extLst>
           </p:nvPr>
@@ -35755,7 +37146,7 @@
                     <a:p>
                       <a:r>
                         <a:rPr lang="en-US" dirty="0" smtClean="0"/>
-                        <a:t>19.5</a:t>
+                        <a:t>27.2</a:t>
                       </a:r>
                       <a:endParaRPr lang="en-US" dirty="0"/>
                     </a:p>
@@ -35769,7 +37160,7 @@
                     <a:p>
                       <a:r>
                         <a:rPr lang="en-US" dirty="0" smtClean="0"/>
-                        <a:t>18.5</a:t>
+                        <a:t>27.1</a:t>
                       </a:r>
                       <a:endParaRPr lang="en-US" dirty="0"/>
                     </a:p>
@@ -35799,7 +37190,7 @@
                     <a:p>
                       <a:r>
                         <a:rPr lang="en-US" dirty="0" smtClean="0"/>
-                        <a:t>700</a:t>
+                        <a:t>964</a:t>
                       </a:r>
                       <a:endParaRPr lang="en-US" dirty="0"/>
                     </a:p>
@@ -35813,7 +37204,7 @@
                     <a:p>
                       <a:r>
                         <a:rPr lang="en-US" dirty="0" smtClean="0"/>
-                        <a:t>1700</a:t>
+                        <a:t>1500</a:t>
                       </a:r>
                       <a:endParaRPr lang="en-US" dirty="0"/>
                     </a:p>
@@ -35825,6 +37216,30 @@
           </a:graphicData>
         </a:graphic>
       </p:graphicFrame>
+      <p:pic>
+        <p:nvPicPr>
+          <p:cNvPr id="4" name="Picture 3"/>
+          <p:cNvPicPr>
+            <a:picLocks noChangeAspect="1"/>
+          </p:cNvPicPr>
+          <p:nvPr/>
+        </p:nvPicPr>
+        <p:blipFill>
+          <a:blip r:embed="rId5"/>
+          <a:stretch>
+            <a:fillRect/>
+          </a:stretch>
+        </p:blipFill>
+        <p:spPr>
+          <a:xfrm>
+            <a:off x="5557227" y="4147149"/>
+            <a:ext cx="2205193" cy="718820"/>
+          </a:xfrm>
+          <a:prstGeom prst="rect">
+            <a:avLst/>
+          </a:prstGeom>
+        </p:spPr>
+      </p:pic>
     </p:spTree>
     <p:extLst>
       <p:ext uri="{BB962C8B-B14F-4D97-AF65-F5344CB8AC3E}">
@@ -35845,7 +37260,1401 @@
 </p:sld>
 </file>
 
-<file path=ppt/slides/slide21.xml><?xml version="1.0" encoding="utf-8"?>
+<file path=ppt/slides/slide24.xml><?xml version="1.0" encoding="utf-8"?>
+<p:sld xmlns:a="http://schemas.openxmlformats.org/drawingml/2006/main" xmlns:r="http://schemas.openxmlformats.org/officeDocument/2006/relationships" xmlns:p="http://schemas.openxmlformats.org/presentationml/2006/main">
+  <p:cSld>
+    <p:spTree>
+      <p:nvGrpSpPr>
+        <p:cNvPr id="1" name="Shape 251"/>
+        <p:cNvGrpSpPr/>
+        <p:nvPr/>
+      </p:nvGrpSpPr>
+      <p:grpSpPr>
+        <a:xfrm>
+          <a:off x="0" y="0"/>
+          <a:ext cx="0" cy="0"/>
+          <a:chOff x="0" y="0"/>
+          <a:chExt cx="0" cy="0"/>
+        </a:xfrm>
+      </p:grpSpPr>
+      <p:sp>
+        <p:nvSpPr>
+          <p:cNvPr id="252" name="Shape 252"/>
+          <p:cNvSpPr txBox="1">
+            <a:spLocks noGrp="1"/>
+          </p:cNvSpPr>
+          <p:nvPr>
+            <p:ph type="title"/>
+          </p:nvPr>
+        </p:nvSpPr>
+        <p:spPr>
+          <a:xfrm>
+            <a:off x="487248" y="270042"/>
+            <a:ext cx="7886700" cy="1325562"/>
+          </a:xfrm>
+          <a:prstGeom prst="rect">
+            <a:avLst/>
+          </a:prstGeom>
+          <a:noFill/>
+          <a:ln>
+            <a:noFill/>
+          </a:ln>
+        </p:spPr>
+        <p:txBody>
+          <a:bodyPr lIns="91425" tIns="45700" rIns="91425" bIns="45700" anchor="ctr" anchorCtr="0">
+            <a:noAutofit/>
+          </a:bodyPr>
+          <a:lstStyle/>
+          <a:p>
+            <a:pPr marL="0" marR="0" lvl="0" indent="0" algn="l" rtl="0">
+              <a:lnSpc>
+                <a:spcPct val="90000"/>
+              </a:lnSpc>
+              <a:spcBef>
+                <a:spcPts val="0"/>
+              </a:spcBef>
+              <a:spcAft>
+                <a:spcPts val="0"/>
+              </a:spcAft>
+              <a:buClr>
+                <a:schemeClr val="dk1"/>
+              </a:buClr>
+              <a:buSzPct val="25000"/>
+              <a:buFont typeface="Calibri"/>
+              <a:buNone/>
+            </a:pPr>
+            <a:r>
+              <a:rPr lang="en-US" sz="4400" b="0" i="0" u="none" strike="noStrike" cap="none" dirty="0" smtClean="0">
+                <a:solidFill>
+                  <a:schemeClr val="dk1"/>
+                </a:solidFill>
+                <a:latin typeface="Calibri"/>
+                <a:ea typeface="Calibri"/>
+                <a:cs typeface="Calibri"/>
+                <a:sym typeface="Calibri"/>
+              </a:rPr>
+              <a:t>Pareto Optimality:</a:t>
+            </a:r>
+            <a:endParaRPr lang="en-US" sz="4400" b="0" i="0" u="none" strike="noStrike" cap="none" dirty="0">
+              <a:solidFill>
+                <a:schemeClr val="dk1"/>
+              </a:solidFill>
+              <a:latin typeface="Calibri"/>
+              <a:ea typeface="Calibri"/>
+              <a:cs typeface="Calibri"/>
+              <a:sym typeface="Calibri"/>
+            </a:endParaRPr>
+          </a:p>
+        </p:txBody>
+      </p:sp>
+      <p:pic>
+        <p:nvPicPr>
+          <p:cNvPr id="2" name="Picture 1"/>
+          <p:cNvPicPr>
+            <a:picLocks noChangeAspect="1"/>
+          </p:cNvPicPr>
+          <p:nvPr/>
+        </p:nvPicPr>
+        <p:blipFill rotWithShape="1">
+          <a:blip r:embed="rId3"/>
+          <a:srcRect b="9887"/>
+          <a:stretch/>
+        </p:blipFill>
+        <p:spPr>
+          <a:xfrm>
+            <a:off x="9248776" y="2312462"/>
+            <a:ext cx="3619500" cy="3192988"/>
+          </a:xfrm>
+          <a:prstGeom prst="rect">
+            <a:avLst/>
+          </a:prstGeom>
+        </p:spPr>
+      </p:pic>
+      <p:pic>
+        <p:nvPicPr>
+          <p:cNvPr id="7" name="Picture 6" descr="C:\Users\Justin\PycharmProjects\Research\ZenRouting\Thesis\Figures\ParetoOptimalRoutes2.png"/>
+          <p:cNvPicPr/>
+          <p:nvPr/>
+        </p:nvPicPr>
+        <p:blipFill rotWithShape="1">
+          <a:blip r:embed="rId4">
+            <a:extLst>
+              <a:ext uri="{28A0092B-C50C-407E-A947-70E740481C1C}">
+                <a14:useLocalDpi xmlns:a14="http://schemas.microsoft.com/office/drawing/2010/main" val="0"/>
+              </a:ext>
+            </a:extLst>
+          </a:blip>
+          <a:srcRect t="7772" r="8039" b="7305"/>
+          <a:stretch/>
+        </p:blipFill>
+        <p:spPr bwMode="auto">
+          <a:xfrm>
+            <a:off x="353016" y="3214540"/>
+            <a:ext cx="6421402" cy="2881676"/>
+          </a:xfrm>
+          <a:prstGeom prst="rect">
+            <a:avLst/>
+          </a:prstGeom>
+          <a:noFill/>
+          <a:ln>
+            <a:noFill/>
+          </a:ln>
+          <a:extLst>
+            <a:ext uri="{53640926-AAD7-44D8-BBD7-CCE9431645EC}">
+              <a14:shadowObscured xmlns:a14="http://schemas.microsoft.com/office/drawing/2010/main"/>
+            </a:ext>
+          </a:extLst>
+        </p:spPr>
+      </p:pic>
+      <p:pic>
+        <p:nvPicPr>
+          <p:cNvPr id="8" name="Picture 7" descr="C:\Users\Justin\PycharmProjects\Research\ZenRouting\Thesis\Figures\ParetoLegend.PNG"/>
+          <p:cNvPicPr/>
+          <p:nvPr/>
+        </p:nvPicPr>
+        <p:blipFill>
+          <a:blip r:embed="rId5">
+            <a:extLst>
+              <a:ext uri="{28A0092B-C50C-407E-A947-70E740481C1C}">
+                <a14:useLocalDpi xmlns:a14="http://schemas.microsoft.com/office/drawing/2010/main" val="0"/>
+              </a:ext>
+            </a:extLst>
+          </a:blip>
+          <a:srcRect/>
+          <a:stretch>
+            <a:fillRect/>
+          </a:stretch>
+        </p:blipFill>
+        <p:spPr bwMode="auto">
+          <a:xfrm>
+            <a:off x="1037030" y="1690687"/>
+            <a:ext cx="1508125" cy="795655"/>
+          </a:xfrm>
+          <a:prstGeom prst="rect">
+            <a:avLst/>
+          </a:prstGeom>
+          <a:noFill/>
+          <a:ln>
+            <a:noFill/>
+          </a:ln>
+        </p:spPr>
+      </p:pic>
+      <p:pic>
+        <p:nvPicPr>
+          <p:cNvPr id="9" name="Picture 8" descr="C:\Users\Justin\PycharmProjects\Research\ZenRouting\Thesis\Figures\ParetoOptimalFrontierExample2.png"/>
+          <p:cNvPicPr/>
+          <p:nvPr/>
+        </p:nvPicPr>
+        <p:blipFill rotWithShape="1">
+          <a:blip r:embed="rId6">
+            <a:extLst>
+              <a:ext uri="{28A0092B-C50C-407E-A947-70E740481C1C}">
+                <a14:useLocalDpi xmlns:a14="http://schemas.microsoft.com/office/drawing/2010/main" val="0"/>
+              </a:ext>
+            </a:extLst>
+          </a:blip>
+          <a:srcRect t="5612" b="1621"/>
+          <a:stretch/>
+        </p:blipFill>
+        <p:spPr bwMode="auto">
+          <a:xfrm>
+            <a:off x="4825713" y="810425"/>
+            <a:ext cx="4318287" cy="3004074"/>
+          </a:xfrm>
+          <a:prstGeom prst="rect">
+            <a:avLst/>
+          </a:prstGeom>
+          <a:noFill/>
+          <a:ln>
+            <a:noFill/>
+          </a:ln>
+          <a:extLst>
+            <a:ext uri="{53640926-AAD7-44D8-BBD7-CCE9431645EC}">
+              <a14:shadowObscured xmlns:a14="http://schemas.microsoft.com/office/drawing/2010/main"/>
+            </a:ext>
+          </a:extLst>
+        </p:spPr>
+      </p:pic>
+    </p:spTree>
+    <p:extLst>
+      <p:ext uri="{BB962C8B-B14F-4D97-AF65-F5344CB8AC3E}">
+        <p14:creationId xmlns:p14="http://schemas.microsoft.com/office/powerpoint/2010/main" val="1332900316"/>
+      </p:ext>
+    </p:extLst>
+  </p:cSld>
+  <p:clrMapOvr>
+    <a:masterClrMapping/>
+  </p:clrMapOvr>
+  <p:timing>
+    <p:tnLst>
+      <p:par>
+        <p:cTn id="1" dur="indefinite" restart="never" nodeType="tmRoot"/>
+      </p:par>
+    </p:tnLst>
+  </p:timing>
+</p:sld>
+</file>
+
+<file path=ppt/slides/slide25.xml><?xml version="1.0" encoding="utf-8"?>
+<p:sld xmlns:a="http://schemas.openxmlformats.org/drawingml/2006/main" xmlns:r="http://schemas.openxmlformats.org/officeDocument/2006/relationships" xmlns:p="http://schemas.openxmlformats.org/presentationml/2006/main">
+  <p:cSld>
+    <p:spTree>
+      <p:nvGrpSpPr>
+        <p:cNvPr id="1" name="Shape 251"/>
+        <p:cNvGrpSpPr/>
+        <p:nvPr/>
+      </p:nvGrpSpPr>
+      <p:grpSpPr>
+        <a:xfrm>
+          <a:off x="0" y="0"/>
+          <a:ext cx="0" cy="0"/>
+          <a:chOff x="0" y="0"/>
+          <a:chExt cx="0" cy="0"/>
+        </a:xfrm>
+      </p:grpSpPr>
+      <p:sp>
+        <p:nvSpPr>
+          <p:cNvPr id="252" name="Shape 252"/>
+          <p:cNvSpPr txBox="1">
+            <a:spLocks noGrp="1"/>
+          </p:cNvSpPr>
+          <p:nvPr>
+            <p:ph type="title"/>
+          </p:nvPr>
+        </p:nvSpPr>
+        <p:spPr>
+          <a:xfrm>
+            <a:off x="487248" y="270042"/>
+            <a:ext cx="7886700" cy="1325562"/>
+          </a:xfrm>
+          <a:prstGeom prst="rect">
+            <a:avLst/>
+          </a:prstGeom>
+          <a:noFill/>
+          <a:ln>
+            <a:noFill/>
+          </a:ln>
+        </p:spPr>
+        <p:txBody>
+          <a:bodyPr lIns="91425" tIns="45700" rIns="91425" bIns="45700" anchor="ctr" anchorCtr="0">
+            <a:noAutofit/>
+          </a:bodyPr>
+          <a:lstStyle/>
+          <a:p>
+            <a:pPr marL="0" marR="0" lvl="0" indent="0" algn="l" rtl="0">
+              <a:lnSpc>
+                <a:spcPct val="90000"/>
+              </a:lnSpc>
+              <a:spcBef>
+                <a:spcPts val="0"/>
+              </a:spcBef>
+              <a:spcAft>
+                <a:spcPts val="0"/>
+              </a:spcAft>
+              <a:buClr>
+                <a:schemeClr val="dk1"/>
+              </a:buClr>
+              <a:buSzPct val="25000"/>
+              <a:buFont typeface="Calibri"/>
+              <a:buNone/>
+            </a:pPr>
+            <a:r>
+              <a:rPr lang="en-US" sz="4400" b="0" i="0" u="none" strike="noStrike" cap="none" dirty="0" smtClean="0">
+                <a:solidFill>
+                  <a:schemeClr val="dk1"/>
+                </a:solidFill>
+                <a:latin typeface="Calibri"/>
+                <a:ea typeface="Calibri"/>
+                <a:cs typeface="Calibri"/>
+                <a:sym typeface="Calibri"/>
+              </a:rPr>
+              <a:t>User Weight Estimation:</a:t>
+            </a:r>
+            <a:endParaRPr lang="en-US" sz="4400" b="0" i="0" u="none" strike="noStrike" cap="none" dirty="0">
+              <a:solidFill>
+                <a:schemeClr val="dk1"/>
+              </a:solidFill>
+              <a:latin typeface="Calibri"/>
+              <a:ea typeface="Calibri"/>
+              <a:cs typeface="Calibri"/>
+              <a:sym typeface="Calibri"/>
+            </a:endParaRPr>
+          </a:p>
+        </p:txBody>
+      </p:sp>
+      <p:pic>
+        <p:nvPicPr>
+          <p:cNvPr id="2" name="Picture 1"/>
+          <p:cNvPicPr>
+            <a:picLocks noChangeAspect="1"/>
+          </p:cNvPicPr>
+          <p:nvPr/>
+        </p:nvPicPr>
+        <p:blipFill rotWithShape="1">
+          <a:blip r:embed="rId3"/>
+          <a:srcRect b="9887"/>
+          <a:stretch/>
+        </p:blipFill>
+        <p:spPr>
+          <a:xfrm>
+            <a:off x="9248776" y="2312462"/>
+            <a:ext cx="3619500" cy="3192988"/>
+          </a:xfrm>
+          <a:prstGeom prst="rect">
+            <a:avLst/>
+          </a:prstGeom>
+        </p:spPr>
+      </p:pic>
+      <mc:AlternateContent xmlns:mc="http://schemas.openxmlformats.org/markup-compatibility/2006">
+        <mc:Choice xmlns:a14="http://schemas.microsoft.com/office/drawing/2010/main" Requires="a14">
+          <p:sp>
+            <p:nvSpPr>
+              <p:cNvPr id="5" name="Shape 253"/>
+              <p:cNvSpPr txBox="1">
+                <a:spLocks noGrp="1"/>
+              </p:cNvSpPr>
+              <p:nvPr>
+                <p:ph type="body" idx="1"/>
+              </p:nvPr>
+            </p:nvSpPr>
+            <p:spPr>
+              <a:xfrm>
+                <a:off x="628650" y="1825625"/>
+                <a:ext cx="3076084" cy="4351336"/>
+              </a:xfrm>
+              <a:prstGeom prst="rect">
+                <a:avLst/>
+              </a:prstGeom>
+              <a:noFill/>
+              <a:ln>
+                <a:noFill/>
+              </a:ln>
+            </p:spPr>
+            <p:txBody>
+              <a:bodyPr lIns="91425" tIns="45700" rIns="91425" bIns="45700" anchor="t" anchorCtr="0">
+                <a:noAutofit/>
+              </a:bodyPr>
+              <a:lstStyle/>
+              <a:p>
+                <a:pPr marL="342900" indent="-342900"/>
+                <a:r>
+                  <a:rPr lang="en-US" dirty="0" smtClean="0"/>
+                  <a:t>Characterize how </a:t>
+                </a:r>
+                <a14:m>
+                  <m:oMath xmlns:m="http://schemas.openxmlformats.org/officeDocument/2006/math">
+                    <m:sSub>
+                      <m:sSubPr>
+                        <m:ctrlPr>
+                          <a:rPr lang="en-US" i="1">
+                            <a:latin typeface="Cambria Math" panose="02040503050406030204" pitchFamily="18" charset="0"/>
+                          </a:rPr>
+                        </m:ctrlPr>
+                      </m:sSubPr>
+                      <m:e>
+                        <m:r>
+                          <a:rPr lang="en-US" i="1">
+                            <a:latin typeface="Cambria Math" panose="02040503050406030204" pitchFamily="18" charset="0"/>
+                          </a:rPr>
+                          <m:t>𝑤</m:t>
+                        </m:r>
+                      </m:e>
+                      <m:sub>
+                        <m:r>
+                          <a:rPr lang="en-US" b="0" i="1" smtClean="0">
+                            <a:latin typeface="Cambria Math" panose="02040503050406030204" pitchFamily="18" charset="0"/>
+                          </a:rPr>
+                          <m:t>𝑧𝑒𝑛</m:t>
+                        </m:r>
+                      </m:sub>
+                    </m:sSub>
+                  </m:oMath>
+                </a14:m>
+                <a:r>
+                  <a:rPr lang="en-US" dirty="0" smtClean="0"/>
+                  <a:t> relates to user</a:t>
+                </a:r>
+                <a:endParaRPr lang="en-US" dirty="0" smtClean="0"/>
+              </a:p>
+              <a:p>
+                <a:pPr marL="342900" indent="-342900"/>
+                <a:endParaRPr lang="en-US" dirty="0"/>
+              </a:p>
+              <a:p>
+                <a:pPr marL="342900" indent="-342900"/>
+                <a:r>
+                  <a:rPr lang="en-US" b="0" i="0" u="none" strike="noStrike" cap="none" dirty="0" smtClean="0">
+                    <a:solidFill>
+                      <a:schemeClr val="dk1"/>
+                    </a:solidFill>
+                    <a:latin typeface="Calibri"/>
+                    <a:ea typeface="Calibri"/>
+                    <a:cs typeface="Calibri"/>
+                    <a:sym typeface="Calibri"/>
+                  </a:rPr>
+                  <a:t>Gradient Ascent / Descent algorithm:</a:t>
+                </a:r>
+                <a:endParaRPr lang="en-US" b="0" i="0" u="none" strike="noStrike" cap="none" dirty="0" smtClean="0">
+                  <a:solidFill>
+                    <a:schemeClr val="dk1"/>
+                  </a:solidFill>
+                  <a:latin typeface="Calibri"/>
+                  <a:ea typeface="Calibri"/>
+                  <a:cs typeface="Calibri"/>
+                  <a:sym typeface="Calibri"/>
+                </a:endParaRPr>
+              </a:p>
+            </p:txBody>
+          </p:sp>
+        </mc:Choice>
+        <mc:Fallback>
+          <p:sp>
+            <p:nvSpPr>
+              <p:cNvPr id="5" name="Shape 253"/>
+              <p:cNvSpPr txBox="1">
+                <a:spLocks noGrp="1" noRot="1" noChangeAspect="1" noMove="1" noResize="1" noEditPoints="1" noAdjustHandles="1" noChangeArrowheads="1" noChangeShapeType="1" noTextEdit="1"/>
+              </p:cNvSpPr>
+              <p:nvPr>
+                <p:ph type="body" idx="1"/>
+              </p:nvPr>
+            </p:nvSpPr>
+            <p:spPr>
+              <a:xfrm>
+                <a:off x="628650" y="1825625"/>
+                <a:ext cx="3076084" cy="4351336"/>
+              </a:xfrm>
+              <a:prstGeom prst="rect">
+                <a:avLst/>
+              </a:prstGeom>
+              <a:blipFill rotWithShape="0">
+                <a:blip r:embed="rId4"/>
+                <a:stretch>
+                  <a:fillRect l="-3564" t="-2241" r="-6535"/>
+                </a:stretch>
+              </a:blipFill>
+              <a:ln>
+                <a:noFill/>
+              </a:ln>
+            </p:spPr>
+            <p:txBody>
+              <a:bodyPr/>
+              <a:lstStyle/>
+              <a:p>
+                <a:r>
+                  <a:rPr lang="en-US">
+                    <a:noFill/>
+                  </a:rPr>
+                  <a:t> </a:t>
+                </a:r>
+              </a:p>
+            </p:txBody>
+          </p:sp>
+        </mc:Fallback>
+      </mc:AlternateContent>
+      <p:pic>
+        <p:nvPicPr>
+          <p:cNvPr id="1026" name="Picture 2" descr="Image result for gradient ascent descent"/>
+          <p:cNvPicPr>
+            <a:picLocks noChangeAspect="1" noChangeArrowheads="1"/>
+          </p:cNvPicPr>
+          <p:nvPr/>
+        </p:nvPicPr>
+        <p:blipFill>
+          <a:blip r:embed="rId5">
+            <a:extLst>
+              <a:ext uri="{28A0092B-C50C-407E-A947-70E740481C1C}">
+                <a14:useLocalDpi xmlns:a14="http://schemas.microsoft.com/office/drawing/2010/main" val="0"/>
+              </a:ext>
+            </a:extLst>
+          </a:blip>
+          <a:srcRect/>
+          <a:stretch>
+            <a:fillRect/>
+          </a:stretch>
+        </p:blipFill>
+        <p:spPr bwMode="auto">
+          <a:xfrm>
+            <a:off x="4293941" y="1512713"/>
+            <a:ext cx="4227890" cy="4529882"/>
+          </a:xfrm>
+          <a:prstGeom prst="rect">
+            <a:avLst/>
+          </a:prstGeom>
+          <a:noFill/>
+          <a:extLst>
+            <a:ext uri="{909E8E84-426E-40DD-AFC4-6F175D3DCCD1}">
+              <a14:hiddenFill xmlns:a14="http://schemas.microsoft.com/office/drawing/2010/main">
+                <a:solidFill>
+                  <a:srgbClr val="FFFFFF"/>
+                </a:solidFill>
+              </a14:hiddenFill>
+            </a:ext>
+          </a:extLst>
+        </p:spPr>
+      </p:pic>
+    </p:spTree>
+    <p:extLst>
+      <p:ext uri="{BB962C8B-B14F-4D97-AF65-F5344CB8AC3E}">
+        <p14:creationId xmlns:p14="http://schemas.microsoft.com/office/powerpoint/2010/main" val="4282523425"/>
+      </p:ext>
+    </p:extLst>
+  </p:cSld>
+  <p:clrMapOvr>
+    <a:masterClrMapping/>
+  </p:clrMapOvr>
+  <p:timing>
+    <p:tnLst>
+      <p:par>
+        <p:cTn id="1" dur="indefinite" restart="never" nodeType="tmRoot"/>
+      </p:par>
+    </p:tnLst>
+  </p:timing>
+</p:sld>
+</file>
+
+<file path=ppt/slides/slide26.xml><?xml version="1.0" encoding="utf-8"?>
+<p:sld xmlns:a="http://schemas.openxmlformats.org/drawingml/2006/main" xmlns:r="http://schemas.openxmlformats.org/officeDocument/2006/relationships" xmlns:p="http://schemas.openxmlformats.org/presentationml/2006/main">
+  <p:cSld>
+    <p:spTree>
+      <p:nvGrpSpPr>
+        <p:cNvPr id="1" name="Shape 251"/>
+        <p:cNvGrpSpPr/>
+        <p:nvPr/>
+      </p:nvGrpSpPr>
+      <p:grpSpPr>
+        <a:xfrm>
+          <a:off x="0" y="0"/>
+          <a:ext cx="0" cy="0"/>
+          <a:chOff x="0" y="0"/>
+          <a:chExt cx="0" cy="0"/>
+        </a:xfrm>
+      </p:grpSpPr>
+      <mc:AlternateContent xmlns:mc="http://schemas.openxmlformats.org/markup-compatibility/2006">
+        <mc:Choice xmlns:a14="http://schemas.microsoft.com/office/drawing/2010/main" Requires="a14">
+          <p:sp>
+            <p:nvSpPr>
+              <p:cNvPr id="252" name="Shape 252"/>
+              <p:cNvSpPr txBox="1">
+                <a:spLocks noGrp="1"/>
+              </p:cNvSpPr>
+              <p:nvPr>
+                <p:ph type="title"/>
+              </p:nvPr>
+            </p:nvSpPr>
+            <p:spPr>
+              <a:xfrm>
+                <a:off x="487248" y="270042"/>
+                <a:ext cx="7886700" cy="1325562"/>
+              </a:xfrm>
+              <a:prstGeom prst="rect">
+                <a:avLst/>
+              </a:prstGeom>
+              <a:noFill/>
+              <a:ln>
+                <a:noFill/>
+              </a:ln>
+            </p:spPr>
+            <p:txBody>
+              <a:bodyPr lIns="91425" tIns="45700" rIns="91425" bIns="45700" anchor="ctr" anchorCtr="0">
+                <a:noAutofit/>
+              </a:bodyPr>
+              <a:lstStyle/>
+              <a:p>
+                <a:pPr lvl="0">
+                  <a:buClr>
+                    <a:schemeClr val="dk1"/>
+                  </a:buClr>
+                  <a:buSzPct val="25000"/>
+                </a:pPr>
+                <a14:m>
+                  <m:oMath xmlns:m="http://schemas.openxmlformats.org/officeDocument/2006/math">
+                    <m:sSub>
+                      <m:sSubPr>
+                        <m:ctrlPr>
+                          <a:rPr lang="en-US" i="1">
+                            <a:latin typeface="Cambria Math" panose="02040503050406030204" pitchFamily="18" charset="0"/>
+                          </a:rPr>
+                        </m:ctrlPr>
+                      </m:sSubPr>
+                      <m:e>
+                        <m:r>
+                          <a:rPr lang="en-US" i="1">
+                            <a:latin typeface="Cambria Math" panose="02040503050406030204" pitchFamily="18" charset="0"/>
+                          </a:rPr>
+                          <m:t>𝑤</m:t>
+                        </m:r>
+                      </m:e>
+                      <m:sub>
+                        <m:r>
+                          <a:rPr lang="en-US" i="1">
+                            <a:latin typeface="Cambria Math" panose="02040503050406030204" pitchFamily="18" charset="0"/>
+                          </a:rPr>
+                          <m:t>𝑧𝑒𝑛</m:t>
+                        </m:r>
+                      </m:sub>
+                    </m:sSub>
+                  </m:oMath>
+                </a14:m>
+                <a:r>
+                  <a:rPr lang="en-US" sz="4400" b="0" i="0" u="none" strike="noStrike" cap="none" dirty="0" smtClean="0">
+                    <a:solidFill>
+                      <a:schemeClr val="dk1"/>
+                    </a:solidFill>
+                    <a:latin typeface="Calibri"/>
+                    <a:ea typeface="Calibri"/>
+                    <a:cs typeface="Calibri"/>
+                    <a:sym typeface="Calibri"/>
+                  </a:rPr>
+                  <a:t> Characterization:</a:t>
+                </a:r>
+                <a:endParaRPr lang="en-US" sz="4400" b="0" i="0" u="none" strike="noStrike" cap="none" dirty="0">
+                  <a:solidFill>
+                    <a:schemeClr val="dk1"/>
+                  </a:solidFill>
+                  <a:latin typeface="Calibri"/>
+                  <a:ea typeface="Calibri"/>
+                  <a:cs typeface="Calibri"/>
+                  <a:sym typeface="Calibri"/>
+                </a:endParaRPr>
+              </a:p>
+            </p:txBody>
+          </p:sp>
+        </mc:Choice>
+        <mc:Fallback>
+          <p:sp>
+            <p:nvSpPr>
+              <p:cNvPr id="252" name="Shape 252"/>
+              <p:cNvSpPr txBox="1">
+                <a:spLocks noGrp="1" noRot="1" noChangeAspect="1" noMove="1" noResize="1" noEditPoints="1" noAdjustHandles="1" noChangeArrowheads="1" noChangeShapeType="1" noTextEdit="1"/>
+              </p:cNvSpPr>
+              <p:nvPr>
+                <p:ph type="title"/>
+              </p:nvPr>
+            </p:nvSpPr>
+            <p:spPr>
+              <a:xfrm>
+                <a:off x="487248" y="270042"/>
+                <a:ext cx="7886700" cy="1325562"/>
+              </a:xfrm>
+              <a:prstGeom prst="rect">
+                <a:avLst/>
+              </a:prstGeom>
+              <a:blipFill rotWithShape="0">
+                <a:blip r:embed="rId3"/>
+                <a:stretch>
+                  <a:fillRect/>
+                </a:stretch>
+              </a:blipFill>
+              <a:ln>
+                <a:noFill/>
+              </a:ln>
+            </p:spPr>
+            <p:txBody>
+              <a:bodyPr/>
+              <a:lstStyle/>
+              <a:p>
+                <a:r>
+                  <a:rPr lang="en-US">
+                    <a:noFill/>
+                  </a:rPr>
+                  <a:t> </a:t>
+                </a:r>
+              </a:p>
+            </p:txBody>
+          </p:sp>
+        </mc:Fallback>
+      </mc:AlternateContent>
+      <p:pic>
+        <p:nvPicPr>
+          <p:cNvPr id="2" name="Picture 1"/>
+          <p:cNvPicPr>
+            <a:picLocks noChangeAspect="1"/>
+          </p:cNvPicPr>
+          <p:nvPr/>
+        </p:nvPicPr>
+        <p:blipFill rotWithShape="1">
+          <a:blip r:embed="rId4"/>
+          <a:srcRect b="9887"/>
+          <a:stretch/>
+        </p:blipFill>
+        <p:spPr>
+          <a:xfrm>
+            <a:off x="9248776" y="2312462"/>
+            <a:ext cx="3619500" cy="3192988"/>
+          </a:xfrm>
+          <a:prstGeom prst="rect">
+            <a:avLst/>
+          </a:prstGeom>
+        </p:spPr>
+      </p:pic>
+      <p:pic>
+        <p:nvPicPr>
+          <p:cNvPr id="6" name="Picture 5" descr="C:\Users\Justin\PycharmProjects\Research\ZenRouting\Thesis\Figures\ParetoOptimalRoutes2.png"/>
+          <p:cNvPicPr/>
+          <p:nvPr/>
+        </p:nvPicPr>
+        <p:blipFill rotWithShape="1">
+          <a:blip r:embed="rId5">
+            <a:extLst>
+              <a:ext uri="{28A0092B-C50C-407E-A947-70E740481C1C}">
+                <a14:useLocalDpi xmlns:a14="http://schemas.microsoft.com/office/drawing/2010/main" val="0"/>
+              </a:ext>
+            </a:extLst>
+          </a:blip>
+          <a:srcRect t="7772" r="8039" b="7305"/>
+          <a:stretch/>
+        </p:blipFill>
+        <p:spPr bwMode="auto">
+          <a:xfrm>
+            <a:off x="3940405" y="2686639"/>
+            <a:ext cx="4936190" cy="3946587"/>
+          </a:xfrm>
+          <a:prstGeom prst="rect">
+            <a:avLst/>
+          </a:prstGeom>
+          <a:noFill/>
+          <a:ln>
+            <a:noFill/>
+          </a:ln>
+          <a:extLst>
+            <a:ext uri="{53640926-AAD7-44D8-BBD7-CCE9431645EC}">
+              <a14:shadowObscured xmlns:a14="http://schemas.microsoft.com/office/drawing/2010/main"/>
+            </a:ext>
+          </a:extLst>
+        </p:spPr>
+      </p:pic>
+      <p:pic>
+        <p:nvPicPr>
+          <p:cNvPr id="7" name="Picture 6" descr="C:\Users\Justin\PycharmProjects\Research\ZenRouting\Thesis\Figures\ParetoLegend.PNG"/>
+          <p:cNvPicPr/>
+          <p:nvPr/>
+        </p:nvPicPr>
+        <p:blipFill>
+          <a:blip r:embed="rId6">
+            <a:extLst>
+              <a:ext uri="{28A0092B-C50C-407E-A947-70E740481C1C}">
+                <a14:useLocalDpi xmlns:a14="http://schemas.microsoft.com/office/drawing/2010/main" val="0"/>
+              </a:ext>
+            </a:extLst>
+          </a:blip>
+          <a:srcRect/>
+          <a:stretch>
+            <a:fillRect/>
+          </a:stretch>
+        </p:blipFill>
+        <p:spPr bwMode="auto">
+          <a:xfrm>
+            <a:off x="7368470" y="1743294"/>
+            <a:ext cx="1508125" cy="795655"/>
+          </a:xfrm>
+          <a:prstGeom prst="rect">
+            <a:avLst/>
+          </a:prstGeom>
+          <a:noFill/>
+          <a:ln>
+            <a:noFill/>
+          </a:ln>
+        </p:spPr>
+      </p:pic>
+      <mc:AlternateContent xmlns:mc="http://schemas.openxmlformats.org/markup-compatibility/2006">
+        <mc:Choice xmlns:a14="http://schemas.microsoft.com/office/drawing/2010/main" Requires="a14">
+          <p:sp>
+            <p:nvSpPr>
+              <p:cNvPr id="5" name="Shape 253"/>
+              <p:cNvSpPr txBox="1">
+                <a:spLocks noGrp="1"/>
+              </p:cNvSpPr>
+              <p:nvPr>
+                <p:ph type="body" idx="1"/>
+              </p:nvPr>
+            </p:nvSpPr>
+            <p:spPr>
+              <a:xfrm>
+                <a:off x="628650" y="1825625"/>
+                <a:ext cx="3076084" cy="4351336"/>
+              </a:xfrm>
+              <a:prstGeom prst="rect">
+                <a:avLst/>
+              </a:prstGeom>
+              <a:noFill/>
+              <a:ln>
+                <a:noFill/>
+              </a:ln>
+            </p:spPr>
+            <p:txBody>
+              <a:bodyPr lIns="91425" tIns="45700" rIns="91425" bIns="45700" anchor="t" anchorCtr="0">
+                <a:noAutofit/>
+              </a:bodyPr>
+              <a:lstStyle/>
+              <a:p>
+                <a:pPr marL="342900" indent="-342900"/>
+                <a:r>
+                  <a:rPr lang="en-US" dirty="0" smtClean="0"/>
+                  <a:t>Maintained single viewpoint</a:t>
+                </a:r>
+              </a:p>
+              <a:p>
+                <a:pPr marL="342900" indent="-342900"/>
+                <a:r>
+                  <a:rPr lang="en-US" dirty="0" smtClean="0"/>
+                  <a:t>Chose “best route</a:t>
+                </a:r>
+                <a:endParaRPr lang="en-US" dirty="0" smtClean="0"/>
+              </a:p>
+              <a:p>
+                <a:pPr marL="342900" indent="-342900"/>
+                <a:r>
+                  <a:rPr lang="en-US" b="0" i="0" u="none" strike="noStrike" cap="none" dirty="0" smtClean="0">
+                    <a:solidFill>
+                      <a:schemeClr val="dk1"/>
+                    </a:solidFill>
+                    <a:latin typeface="Calibri"/>
+                    <a:ea typeface="Calibri"/>
+                    <a:cs typeface="Calibri"/>
+                    <a:sym typeface="Calibri"/>
+                  </a:rPr>
+                  <a:t>Saw how values of </a:t>
+                </a:r>
+                <a14:m>
+                  <m:oMath xmlns:m="http://schemas.openxmlformats.org/officeDocument/2006/math">
+                    <m:sSub>
+                      <m:sSubPr>
+                        <m:ctrlPr>
+                          <a:rPr lang="en-US" i="1">
+                            <a:latin typeface="Cambria Math" panose="02040503050406030204" pitchFamily="18" charset="0"/>
+                          </a:rPr>
+                        </m:ctrlPr>
+                      </m:sSubPr>
+                      <m:e>
+                        <m:r>
+                          <a:rPr lang="en-US" i="1">
+                            <a:latin typeface="Cambria Math" panose="02040503050406030204" pitchFamily="18" charset="0"/>
+                          </a:rPr>
+                          <m:t>𝑤</m:t>
+                        </m:r>
+                      </m:e>
+                      <m:sub>
+                        <m:r>
+                          <a:rPr lang="en-US" i="1">
+                            <a:latin typeface="Cambria Math" panose="02040503050406030204" pitchFamily="18" charset="0"/>
+                          </a:rPr>
+                          <m:t>𝑧𝑒𝑛</m:t>
+                        </m:r>
+                      </m:sub>
+                    </m:sSub>
+                  </m:oMath>
+                </a14:m>
+                <a:r>
+                  <a:rPr lang="en-US" b="0" i="0" u="none" strike="noStrike" cap="none" dirty="0" smtClean="0">
+                    <a:solidFill>
+                      <a:schemeClr val="dk1"/>
+                    </a:solidFill>
+                    <a:latin typeface="Calibri"/>
+                    <a:ea typeface="Calibri"/>
+                    <a:cs typeface="Calibri"/>
+                    <a:sym typeface="Calibri"/>
+                  </a:rPr>
+                  <a:t> predicted decision</a:t>
+                </a:r>
+                <a:endParaRPr lang="en-US" b="0" i="0" u="none" strike="noStrike" cap="none" dirty="0" smtClean="0">
+                  <a:solidFill>
+                    <a:schemeClr val="dk1"/>
+                  </a:solidFill>
+                  <a:latin typeface="Calibri"/>
+                  <a:ea typeface="Calibri"/>
+                  <a:cs typeface="Calibri"/>
+                  <a:sym typeface="Calibri"/>
+                </a:endParaRPr>
+              </a:p>
+            </p:txBody>
+          </p:sp>
+        </mc:Choice>
+        <mc:Fallback>
+          <p:sp>
+            <p:nvSpPr>
+              <p:cNvPr id="5" name="Shape 253"/>
+              <p:cNvSpPr txBox="1">
+                <a:spLocks noGrp="1" noRot="1" noChangeAspect="1" noMove="1" noResize="1" noEditPoints="1" noAdjustHandles="1" noChangeArrowheads="1" noChangeShapeType="1" noTextEdit="1"/>
+              </p:cNvSpPr>
+              <p:nvPr>
+                <p:ph type="body" idx="1"/>
+              </p:nvPr>
+            </p:nvSpPr>
+            <p:spPr>
+              <a:xfrm>
+                <a:off x="628650" y="1825625"/>
+                <a:ext cx="3076084" cy="4351336"/>
+              </a:xfrm>
+              <a:prstGeom prst="rect">
+                <a:avLst/>
+              </a:prstGeom>
+              <a:blipFill rotWithShape="0">
+                <a:blip r:embed="rId7"/>
+                <a:stretch>
+                  <a:fillRect l="-3564" t="-2241"/>
+                </a:stretch>
+              </a:blipFill>
+              <a:ln>
+                <a:noFill/>
+              </a:ln>
+            </p:spPr>
+            <p:txBody>
+              <a:bodyPr/>
+              <a:lstStyle/>
+              <a:p>
+                <a:r>
+                  <a:rPr lang="en-US">
+                    <a:noFill/>
+                  </a:rPr>
+                  <a:t> </a:t>
+                </a:r>
+              </a:p>
+            </p:txBody>
+          </p:sp>
+        </mc:Fallback>
+      </mc:AlternateContent>
+      <mc:AlternateContent xmlns:mc="http://schemas.openxmlformats.org/markup-compatibility/2006">
+        <mc:Choice xmlns:a14="http://schemas.microsoft.com/office/drawing/2010/main" Requires="a14">
+          <p:sp>
+            <p:nvSpPr>
+              <p:cNvPr id="3" name="TextBox 2"/>
+              <p:cNvSpPr txBox="1"/>
+              <p:nvPr/>
+            </p:nvSpPr>
+            <p:spPr>
+              <a:xfrm>
+                <a:off x="6161216" y="1833344"/>
+                <a:ext cx="1207254" cy="307777"/>
+              </a:xfrm>
+              <a:prstGeom prst="rect">
+                <a:avLst/>
+              </a:prstGeom>
+              <a:noFill/>
+            </p:spPr>
+            <p:txBody>
+              <a:bodyPr wrap="none" rtlCol="0">
+                <a:spAutoFit/>
+              </a:bodyPr>
+              <a:lstStyle/>
+              <a:p>
+                <a:r>
+                  <a:rPr lang="en-US" dirty="0" smtClean="0"/>
+                  <a:t>Ranges </a:t>
+                </a:r>
+                <a14:m>
+                  <m:oMath xmlns:m="http://schemas.openxmlformats.org/officeDocument/2006/math">
+                    <m:sSub>
+                      <m:sSubPr>
+                        <m:ctrlPr>
+                          <a:rPr lang="en-US" i="1">
+                            <a:latin typeface="Cambria Math" panose="02040503050406030204" pitchFamily="18" charset="0"/>
+                          </a:rPr>
+                        </m:ctrlPr>
+                      </m:sSubPr>
+                      <m:e>
+                        <m:r>
+                          <a:rPr lang="en-US" i="1">
+                            <a:latin typeface="Cambria Math" panose="02040503050406030204" pitchFamily="18" charset="0"/>
+                          </a:rPr>
+                          <m:t>𝑤</m:t>
+                        </m:r>
+                      </m:e>
+                      <m:sub>
+                        <m:r>
+                          <a:rPr lang="en-US" i="1">
+                            <a:latin typeface="Cambria Math" panose="02040503050406030204" pitchFamily="18" charset="0"/>
+                          </a:rPr>
+                          <m:t>𝑧𝑒𝑛</m:t>
+                        </m:r>
+                      </m:sub>
+                    </m:sSub>
+                  </m:oMath>
+                </a14:m>
+                <a:endParaRPr lang="en-US" dirty="0"/>
+              </a:p>
+            </p:txBody>
+          </p:sp>
+        </mc:Choice>
+        <mc:Fallback>
+          <p:sp>
+            <p:nvSpPr>
+              <p:cNvPr id="3" name="TextBox 2"/>
+              <p:cNvSpPr txBox="1">
+                <a:spLocks noRot="1" noChangeAspect="1" noMove="1" noResize="1" noEditPoints="1" noAdjustHandles="1" noChangeArrowheads="1" noChangeShapeType="1" noTextEdit="1"/>
+              </p:cNvSpPr>
+              <p:nvPr/>
+            </p:nvSpPr>
+            <p:spPr>
+              <a:xfrm>
+                <a:off x="6161216" y="1833344"/>
+                <a:ext cx="1207254" cy="307777"/>
+              </a:xfrm>
+              <a:prstGeom prst="rect">
+                <a:avLst/>
+              </a:prstGeom>
+              <a:blipFill rotWithShape="0">
+                <a:blip r:embed="rId8"/>
+                <a:stretch>
+                  <a:fillRect l="-1515" t="-4000" b="-20000"/>
+                </a:stretch>
+              </a:blipFill>
+            </p:spPr>
+            <p:txBody>
+              <a:bodyPr/>
+              <a:lstStyle/>
+              <a:p>
+                <a:r>
+                  <a:rPr lang="en-US">
+                    <a:noFill/>
+                  </a:rPr>
+                  <a:t> </a:t>
+                </a:r>
+              </a:p>
+            </p:txBody>
+          </p:sp>
+        </mc:Fallback>
+      </mc:AlternateContent>
+    </p:spTree>
+    <p:extLst>
+      <p:ext uri="{BB962C8B-B14F-4D97-AF65-F5344CB8AC3E}">
+        <p14:creationId xmlns:p14="http://schemas.microsoft.com/office/powerpoint/2010/main" val="3192641558"/>
+      </p:ext>
+    </p:extLst>
+  </p:cSld>
+  <p:clrMapOvr>
+    <a:masterClrMapping/>
+  </p:clrMapOvr>
+  <p:timing>
+    <p:tnLst>
+      <p:par>
+        <p:cTn id="1" dur="indefinite" restart="never" nodeType="tmRoot"/>
+      </p:par>
+    </p:tnLst>
+  </p:timing>
+</p:sld>
+</file>
+
+<file path=ppt/slides/slide27.xml><?xml version="1.0" encoding="utf-8"?>
+<p:sld xmlns:a="http://schemas.openxmlformats.org/drawingml/2006/main" xmlns:r="http://schemas.openxmlformats.org/officeDocument/2006/relationships" xmlns:p="http://schemas.openxmlformats.org/presentationml/2006/main">
+  <p:cSld>
+    <p:spTree>
+      <p:nvGrpSpPr>
+        <p:cNvPr id="1" name="Shape 251"/>
+        <p:cNvGrpSpPr/>
+        <p:nvPr/>
+      </p:nvGrpSpPr>
+      <p:grpSpPr>
+        <a:xfrm>
+          <a:off x="0" y="0"/>
+          <a:ext cx="0" cy="0"/>
+          <a:chOff x="0" y="0"/>
+          <a:chExt cx="0" cy="0"/>
+        </a:xfrm>
+      </p:grpSpPr>
+      <p:sp>
+        <p:nvSpPr>
+          <p:cNvPr id="252" name="Shape 252"/>
+          <p:cNvSpPr txBox="1">
+            <a:spLocks noGrp="1"/>
+          </p:cNvSpPr>
+          <p:nvPr>
+            <p:ph type="title"/>
+          </p:nvPr>
+        </p:nvSpPr>
+        <p:spPr>
+          <a:xfrm>
+            <a:off x="487248" y="270042"/>
+            <a:ext cx="7886700" cy="1325562"/>
+          </a:xfrm>
+          <a:prstGeom prst="rect">
+            <a:avLst/>
+          </a:prstGeom>
+          <a:noFill/>
+          <a:ln>
+            <a:noFill/>
+          </a:ln>
+        </p:spPr>
+        <p:txBody>
+          <a:bodyPr lIns="91425" tIns="45700" rIns="91425" bIns="45700" anchor="ctr" anchorCtr="0">
+            <a:noAutofit/>
+          </a:bodyPr>
+          <a:lstStyle/>
+          <a:p>
+            <a:pPr marL="0" marR="0" lvl="0" indent="0" algn="l" rtl="0">
+              <a:lnSpc>
+                <a:spcPct val="90000"/>
+              </a:lnSpc>
+              <a:spcBef>
+                <a:spcPts val="0"/>
+              </a:spcBef>
+              <a:spcAft>
+                <a:spcPts val="0"/>
+              </a:spcAft>
+              <a:buClr>
+                <a:schemeClr val="dk1"/>
+              </a:buClr>
+              <a:buSzPct val="25000"/>
+              <a:buFont typeface="Calibri"/>
+              <a:buNone/>
+            </a:pPr>
+            <a:r>
+              <a:rPr lang="en-US" sz="4400" b="0" i="0" u="none" strike="noStrike" cap="none" dirty="0" smtClean="0">
+                <a:solidFill>
+                  <a:schemeClr val="dk1"/>
+                </a:solidFill>
+                <a:latin typeface="Calibri"/>
+                <a:ea typeface="Calibri"/>
+                <a:cs typeface="Calibri"/>
+                <a:sym typeface="Calibri"/>
+              </a:rPr>
+              <a:t>User Weight Estimation:</a:t>
+            </a:r>
+            <a:endParaRPr lang="en-US" sz="4400" b="0" i="0" u="none" strike="noStrike" cap="none" dirty="0">
+              <a:solidFill>
+                <a:schemeClr val="dk1"/>
+              </a:solidFill>
+              <a:latin typeface="Calibri"/>
+              <a:ea typeface="Calibri"/>
+              <a:cs typeface="Calibri"/>
+              <a:sym typeface="Calibri"/>
+            </a:endParaRPr>
+          </a:p>
+        </p:txBody>
+      </p:sp>
+      <p:pic>
+        <p:nvPicPr>
+          <p:cNvPr id="2" name="Picture 1"/>
+          <p:cNvPicPr>
+            <a:picLocks noChangeAspect="1"/>
+          </p:cNvPicPr>
+          <p:nvPr/>
+        </p:nvPicPr>
+        <p:blipFill rotWithShape="1">
+          <a:blip r:embed="rId3"/>
+          <a:srcRect b="9887"/>
+          <a:stretch/>
+        </p:blipFill>
+        <p:spPr>
+          <a:xfrm>
+            <a:off x="9248776" y="2312462"/>
+            <a:ext cx="3619500" cy="3192988"/>
+          </a:xfrm>
+          <a:prstGeom prst="rect">
+            <a:avLst/>
+          </a:prstGeom>
+        </p:spPr>
+      </p:pic>
+      <p:pic>
+        <p:nvPicPr>
+          <p:cNvPr id="3" name="Picture 2"/>
+          <p:cNvPicPr>
+            <a:picLocks noChangeAspect="1"/>
+          </p:cNvPicPr>
+          <p:nvPr/>
+        </p:nvPicPr>
+        <p:blipFill>
+          <a:blip r:embed="rId4">
+            <a:extLst>
+              <a:ext uri="{28A0092B-C50C-407E-A947-70E740481C1C}">
+                <a14:useLocalDpi xmlns:a14="http://schemas.microsoft.com/office/drawing/2010/main" val="0"/>
+              </a:ext>
+            </a:extLst>
+          </a:blip>
+          <a:stretch>
+            <a:fillRect/>
+          </a:stretch>
+        </p:blipFill>
+        <p:spPr>
+          <a:xfrm>
+            <a:off x="995463" y="1521803"/>
+            <a:ext cx="6216041" cy="4642606"/>
+          </a:xfrm>
+          <a:prstGeom prst="rect">
+            <a:avLst/>
+          </a:prstGeom>
+        </p:spPr>
+      </p:pic>
+    </p:spTree>
+    <p:extLst>
+      <p:ext uri="{BB962C8B-B14F-4D97-AF65-F5344CB8AC3E}">
+        <p14:creationId xmlns:p14="http://schemas.microsoft.com/office/powerpoint/2010/main" val="3213384336"/>
+      </p:ext>
+    </p:extLst>
+  </p:cSld>
+  <p:clrMapOvr>
+    <a:masterClrMapping/>
+  </p:clrMapOvr>
+  <p:timing>
+    <p:tnLst>
+      <p:par>
+        <p:cTn id="1" dur="indefinite" restart="never" nodeType="tmRoot"/>
+      </p:par>
+    </p:tnLst>
+  </p:timing>
+</p:sld>
+</file>
+
+<file path=ppt/slides/slide28.xml><?xml version="1.0" encoding="utf-8"?>
+<p:sld xmlns:a="http://schemas.openxmlformats.org/drawingml/2006/main" xmlns:r="http://schemas.openxmlformats.org/officeDocument/2006/relationships" xmlns:p="http://schemas.openxmlformats.org/presentationml/2006/main">
+  <p:cSld>
+    <p:spTree>
+      <p:nvGrpSpPr>
+        <p:cNvPr id="1" name="Shape 251"/>
+        <p:cNvGrpSpPr/>
+        <p:nvPr/>
+      </p:nvGrpSpPr>
+      <p:grpSpPr>
+        <a:xfrm>
+          <a:off x="0" y="0"/>
+          <a:ext cx="0" cy="0"/>
+          <a:chOff x="0" y="0"/>
+          <a:chExt cx="0" cy="0"/>
+        </a:xfrm>
+      </p:grpSpPr>
+      <p:sp>
+        <p:nvSpPr>
+          <p:cNvPr id="252" name="Shape 252"/>
+          <p:cNvSpPr txBox="1">
+            <a:spLocks noGrp="1"/>
+          </p:cNvSpPr>
+          <p:nvPr>
+            <p:ph type="title"/>
+          </p:nvPr>
+        </p:nvSpPr>
+        <p:spPr>
+          <a:xfrm>
+            <a:off x="487248" y="270042"/>
+            <a:ext cx="7886700" cy="1325562"/>
+          </a:xfrm>
+          <a:prstGeom prst="rect">
+            <a:avLst/>
+          </a:prstGeom>
+          <a:noFill/>
+          <a:ln>
+            <a:noFill/>
+          </a:ln>
+        </p:spPr>
+        <p:txBody>
+          <a:bodyPr lIns="91425" tIns="45700" rIns="91425" bIns="45700" anchor="ctr" anchorCtr="0">
+            <a:noAutofit/>
+          </a:bodyPr>
+          <a:lstStyle/>
+          <a:p>
+            <a:pPr marL="0" marR="0" lvl="0" indent="0" algn="l" rtl="0">
+              <a:lnSpc>
+                <a:spcPct val="90000"/>
+              </a:lnSpc>
+              <a:spcBef>
+                <a:spcPts val="0"/>
+              </a:spcBef>
+              <a:spcAft>
+                <a:spcPts val="0"/>
+              </a:spcAft>
+              <a:buClr>
+                <a:schemeClr val="dk1"/>
+              </a:buClr>
+              <a:buSzPct val="25000"/>
+              <a:buFont typeface="Calibri"/>
+              <a:buNone/>
+            </a:pPr>
+            <a:r>
+              <a:rPr lang="en-US" sz="4400" b="0" i="0" u="none" strike="noStrike" cap="none" dirty="0" smtClean="0">
+                <a:solidFill>
+                  <a:schemeClr val="dk1"/>
+                </a:solidFill>
+                <a:latin typeface="Calibri"/>
+                <a:ea typeface="Calibri"/>
+                <a:cs typeface="Calibri"/>
+                <a:sym typeface="Calibri"/>
+              </a:rPr>
+              <a:t>User Weight Estimation:</a:t>
+            </a:r>
+            <a:endParaRPr lang="en-US" sz="4400" b="0" i="0" u="none" strike="noStrike" cap="none" dirty="0">
+              <a:solidFill>
+                <a:schemeClr val="dk1"/>
+              </a:solidFill>
+              <a:latin typeface="Calibri"/>
+              <a:ea typeface="Calibri"/>
+              <a:cs typeface="Calibri"/>
+              <a:sym typeface="Calibri"/>
+            </a:endParaRPr>
+          </a:p>
+        </p:txBody>
+      </p:sp>
+      <p:pic>
+        <p:nvPicPr>
+          <p:cNvPr id="2" name="Picture 1"/>
+          <p:cNvPicPr>
+            <a:picLocks noChangeAspect="1"/>
+          </p:cNvPicPr>
+          <p:nvPr/>
+        </p:nvPicPr>
+        <p:blipFill rotWithShape="1">
+          <a:blip r:embed="rId3"/>
+          <a:srcRect b="9887"/>
+          <a:stretch/>
+        </p:blipFill>
+        <p:spPr>
+          <a:xfrm>
+            <a:off x="9248776" y="2312462"/>
+            <a:ext cx="3619500" cy="3192988"/>
+          </a:xfrm>
+          <a:prstGeom prst="rect">
+            <a:avLst/>
+          </a:prstGeom>
+        </p:spPr>
+      </p:pic>
+      <p:pic>
+        <p:nvPicPr>
+          <p:cNvPr id="4" name="Picture 3"/>
+          <p:cNvPicPr>
+            <a:picLocks noChangeAspect="1"/>
+          </p:cNvPicPr>
+          <p:nvPr/>
+        </p:nvPicPr>
+        <p:blipFill>
+          <a:blip r:embed="rId4">
+            <a:extLst>
+              <a:ext uri="{28A0092B-C50C-407E-A947-70E740481C1C}">
+                <a14:useLocalDpi xmlns:a14="http://schemas.microsoft.com/office/drawing/2010/main" val="0"/>
+              </a:ext>
+            </a:extLst>
+          </a:blip>
+          <a:stretch>
+            <a:fillRect/>
+          </a:stretch>
+        </p:blipFill>
+        <p:spPr>
+          <a:xfrm>
+            <a:off x="1165147" y="1510793"/>
+            <a:ext cx="6743942" cy="5036882"/>
+          </a:xfrm>
+          <a:prstGeom prst="rect">
+            <a:avLst/>
+          </a:prstGeom>
+        </p:spPr>
+      </p:pic>
+    </p:spTree>
+    <p:extLst>
+      <p:ext uri="{BB962C8B-B14F-4D97-AF65-F5344CB8AC3E}">
+        <p14:creationId xmlns:p14="http://schemas.microsoft.com/office/powerpoint/2010/main" val="135910710"/>
+      </p:ext>
+    </p:extLst>
+  </p:cSld>
+  <p:clrMapOvr>
+    <a:masterClrMapping/>
+  </p:clrMapOvr>
+  <p:timing>
+    <p:tnLst>
+      <p:par>
+        <p:cTn id="1" dur="indefinite" restart="never" nodeType="tmRoot"/>
+      </p:par>
+    </p:tnLst>
+  </p:timing>
+</p:sld>
+</file>
+
+<file path=ppt/slides/slide29.xml><?xml version="1.0" encoding="utf-8"?>
 <p:sld xmlns:a="http://schemas.openxmlformats.org/drawingml/2006/main" xmlns:r="http://schemas.openxmlformats.org/officeDocument/2006/relationships" xmlns:p="http://schemas.openxmlformats.org/presentationml/2006/main">
   <p:cSld>
     <p:spTree>
@@ -35891,34 +38700,15 @@
           </a:bodyPr>
           <a:lstStyle/>
           <a:p>
-            <a:pPr marL="0" marR="0" lvl="0" indent="0" algn="l" rtl="0">
-              <a:lnSpc>
-                <a:spcPct val="90000"/>
-              </a:lnSpc>
-              <a:spcBef>
-                <a:spcPts val="0"/>
-              </a:spcBef>
-              <a:spcAft>
-                <a:spcPts val="0"/>
-              </a:spcAft>
+            <a:pPr lvl="0">
               <a:buClr>
                 <a:schemeClr val="dk1"/>
               </a:buClr>
               <a:buSzPct val="25000"/>
-              <a:buFont typeface="Calibri"/>
-              <a:buNone/>
             </a:pPr>
             <a:r>
-              <a:rPr lang="en-US" sz="4400" b="0" i="0" u="none" strike="noStrike" cap="none" dirty="0" smtClean="0">
-                <a:solidFill>
-                  <a:schemeClr val="dk1"/>
-                </a:solidFill>
-                <a:latin typeface="Calibri"/>
-                <a:ea typeface="Calibri"/>
-                <a:cs typeface="Calibri"/>
-                <a:sym typeface="Calibri"/>
-              </a:rPr>
-              <a:t>User Weight Regression:</a:t>
+              <a:rPr lang="en-US" dirty="0"/>
+              <a:t>User Weight Estimation :</a:t>
             </a:r>
             <a:endParaRPr lang="en-US" sz="4400" b="0" i="0" u="none" strike="noStrike" cap="none" dirty="0">
               <a:solidFill>
@@ -35976,7 +38766,124 @@
 </p:sld>
 </file>
 
-<file path=ppt/slides/slide22.xml><?xml version="1.0" encoding="utf-8"?>
+<file path=ppt/slides/slide3.xml><?xml version="1.0" encoding="utf-8"?>
+<p:sld xmlns:a="http://schemas.openxmlformats.org/drawingml/2006/main" xmlns:r="http://schemas.openxmlformats.org/officeDocument/2006/relationships" xmlns:p="http://schemas.openxmlformats.org/presentationml/2006/main">
+  <p:cSld>
+    <p:spTree>
+      <p:nvGrpSpPr>
+        <p:cNvPr id="1" name="Shape 219"/>
+        <p:cNvGrpSpPr/>
+        <p:nvPr/>
+      </p:nvGrpSpPr>
+      <p:grpSpPr>
+        <a:xfrm>
+          <a:off x="0" y="0"/>
+          <a:ext cx="0" cy="0"/>
+          <a:chOff x="0" y="0"/>
+          <a:chExt cx="0" cy="0"/>
+        </a:xfrm>
+      </p:grpSpPr>
+      <p:sp>
+        <p:nvSpPr>
+          <p:cNvPr id="220" name="Shape 220"/>
+          <p:cNvSpPr txBox="1">
+            <a:spLocks noGrp="1"/>
+          </p:cNvSpPr>
+          <p:nvPr>
+            <p:ph type="title"/>
+          </p:nvPr>
+        </p:nvSpPr>
+        <p:spPr>
+          <a:xfrm>
+            <a:off x="628650" y="2411639"/>
+            <a:ext cx="7886700" cy="1325700"/>
+          </a:xfrm>
+          <a:prstGeom prst="rect">
+            <a:avLst/>
+          </a:prstGeom>
+          <a:solidFill>
+            <a:srgbClr val="571F27"/>
+          </a:solidFill>
+          <a:ln>
+            <a:noFill/>
+          </a:ln>
+        </p:spPr>
+        <p:txBody>
+          <a:bodyPr lIns="91425" tIns="45700" rIns="91425" bIns="45700" anchor="ctr" anchorCtr="0">
+            <a:noAutofit/>
+          </a:bodyPr>
+          <a:lstStyle/>
+          <a:p>
+            <a:pPr marL="0" marR="0" lvl="0" indent="0" algn="l" rtl="0">
+              <a:lnSpc>
+                <a:spcPct val="90000"/>
+              </a:lnSpc>
+              <a:spcBef>
+                <a:spcPts val="0"/>
+              </a:spcBef>
+              <a:spcAft>
+                <a:spcPts val="0"/>
+              </a:spcAft>
+              <a:buClr>
+                <a:schemeClr val="dk1"/>
+              </a:buClr>
+              <a:buSzPct val="25000"/>
+              <a:buFont typeface="Calibri"/>
+              <a:buNone/>
+            </a:pPr>
+            <a:r>
+              <a:rPr lang="en-US" dirty="0" smtClean="0">
+                <a:solidFill>
+                  <a:schemeClr val="bg1"/>
+                </a:solidFill>
+              </a:rPr>
+              <a:t>I. Introduction</a:t>
+            </a:r>
+            <a:r>
+              <a:rPr lang="en-US" sz="4400" b="0" i="0" u="none" strike="noStrike" cap="none" dirty="0" smtClean="0">
+                <a:solidFill>
+                  <a:schemeClr val="bg1"/>
+                </a:solidFill>
+                <a:latin typeface="Calibri"/>
+                <a:ea typeface="Calibri"/>
+                <a:cs typeface="Calibri"/>
+                <a:sym typeface="Calibri"/>
+              </a:rPr>
+              <a:t>:</a:t>
+            </a:r>
+            <a:endParaRPr lang="en-US" sz="4400" b="0" i="0" u="none" strike="noStrike" cap="none" dirty="0">
+              <a:solidFill>
+                <a:schemeClr val="bg1"/>
+              </a:solidFill>
+              <a:latin typeface="Calibri"/>
+              <a:ea typeface="Calibri"/>
+              <a:cs typeface="Calibri"/>
+              <a:sym typeface="Calibri"/>
+            </a:endParaRPr>
+          </a:p>
+        </p:txBody>
+      </p:sp>
+    </p:spTree>
+    <p:extLst>
+      <p:ext uri="{BB962C8B-B14F-4D97-AF65-F5344CB8AC3E}">
+        <p14:creationId xmlns:p14="http://schemas.microsoft.com/office/powerpoint/2010/main" val="3663529099"/>
+      </p:ext>
+    </p:extLst>
+  </p:cSld>
+  <p:clrMapOvr>
+    <a:masterClrMapping/>
+  </p:clrMapOvr>
+  <p:timing>
+    <p:tnLst>
+      <p:par>
+        <p:cTn id="1" dur="indefinite" restart="never" nodeType="tmRoot"/>
+      </p:par>
+    </p:tnLst>
+  </p:timing>
+</p:sld>
+</file>
+
+<file path=ppt/slides/slide30.xml><?xml version="1.0" encoding="utf-8"?>
 <p:sld xmlns:a="http://schemas.openxmlformats.org/drawingml/2006/main" xmlns:r="http://schemas.openxmlformats.org/officeDocument/2006/relationships" xmlns:p="http://schemas.openxmlformats.org/presentationml/2006/main">
   <p:cSld>
     <p:spTree>
@@ -35993,6 +38900,36 @@
           <a:chExt cx="0" cy="0"/>
         </a:xfrm>
       </p:grpSpPr>
+      <p:pic>
+        <p:nvPicPr>
+          <p:cNvPr id="2" name="Picture 1"/>
+          <p:cNvPicPr>
+            <a:picLocks noChangeAspect="1"/>
+          </p:cNvPicPr>
+          <p:nvPr/>
+        </p:nvPicPr>
+        <p:blipFill>
+          <a:blip r:embed="rId3">
+            <a:extLst>
+              <a:ext uri="{28A0092B-C50C-407E-A947-70E740481C1C}">
+                <a14:useLocalDpi xmlns:a14="http://schemas.microsoft.com/office/drawing/2010/main" val="0"/>
+              </a:ext>
+            </a:extLst>
+          </a:blip>
+          <a:stretch>
+            <a:fillRect/>
+          </a:stretch>
+        </p:blipFill>
+        <p:spPr>
+          <a:xfrm>
+            <a:off x="1099924" y="1099127"/>
+            <a:ext cx="6751789" cy="5063842"/>
+          </a:xfrm>
+          <a:prstGeom prst="rect">
+            <a:avLst/>
+          </a:prstGeom>
+        </p:spPr>
+      </p:pic>
       <p:sp>
         <p:nvSpPr>
           <p:cNvPr id="252" name="Shape 252"/>
@@ -36063,30 +39000,6 @@
           </a:p>
         </p:txBody>
       </p:sp>
-      <p:pic>
-        <p:nvPicPr>
-          <p:cNvPr id="3" name="Picture 2"/>
-          <p:cNvPicPr>
-            <a:picLocks noChangeAspect="1"/>
-          </p:cNvPicPr>
-          <p:nvPr/>
-        </p:nvPicPr>
-        <p:blipFill>
-          <a:blip r:embed="rId3"/>
-          <a:stretch>
-            <a:fillRect/>
-          </a:stretch>
-        </p:blipFill>
-        <p:spPr>
-          <a:xfrm>
-            <a:off x="1490663" y="1492796"/>
-            <a:ext cx="5862638" cy="4355553"/>
-          </a:xfrm>
-          <a:prstGeom prst="rect">
-            <a:avLst/>
-          </a:prstGeom>
-        </p:spPr>
-      </p:pic>
       <p:sp>
         <p:nvSpPr>
           <p:cNvPr id="6" name="TextBox 5"/>
@@ -36136,7 +39049,7 @@
     </p:spTree>
     <p:extLst>
       <p:ext uri="{BB962C8B-B14F-4D97-AF65-F5344CB8AC3E}">
-        <p14:creationId xmlns:p14="http://schemas.microsoft.com/office/powerpoint/2010/main" val="2307071681"/>
+        <p14:creationId xmlns:p14="http://schemas.microsoft.com/office/powerpoint/2010/main" val="3174835911"/>
       </p:ext>
     </p:extLst>
   </p:cSld>
@@ -36153,7 +39066,190 @@
 </p:sld>
 </file>
 
-<file path=ppt/slides/slide23.xml><?xml version="1.0" encoding="utf-8"?>
+<file path=ppt/slides/slide31.xml><?xml version="1.0" encoding="utf-8"?>
+<p:sld xmlns:a="http://schemas.openxmlformats.org/drawingml/2006/main" xmlns:r="http://schemas.openxmlformats.org/officeDocument/2006/relationships" xmlns:p="http://schemas.openxmlformats.org/presentationml/2006/main">
+  <p:cSld>
+    <p:spTree>
+      <p:nvGrpSpPr>
+        <p:cNvPr id="1" name="Shape 251"/>
+        <p:cNvGrpSpPr/>
+        <p:nvPr/>
+      </p:nvGrpSpPr>
+      <p:grpSpPr>
+        <a:xfrm>
+          <a:off x="0" y="0"/>
+          <a:ext cx="0" cy="0"/>
+          <a:chOff x="0" y="0"/>
+          <a:chExt cx="0" cy="0"/>
+        </a:xfrm>
+      </p:grpSpPr>
+      <p:pic>
+        <p:nvPicPr>
+          <p:cNvPr id="3" name="Picture 2"/>
+          <p:cNvPicPr>
+            <a:picLocks noChangeAspect="1"/>
+          </p:cNvPicPr>
+          <p:nvPr/>
+        </p:nvPicPr>
+        <p:blipFill>
+          <a:blip r:embed="rId3">
+            <a:extLst>
+              <a:ext uri="{28A0092B-C50C-407E-A947-70E740481C1C}">
+                <a14:useLocalDpi xmlns:a14="http://schemas.microsoft.com/office/drawing/2010/main" val="0"/>
+              </a:ext>
+            </a:extLst>
+          </a:blip>
+          <a:stretch>
+            <a:fillRect/>
+          </a:stretch>
+        </p:blipFill>
+        <p:spPr>
+          <a:xfrm>
+            <a:off x="732647" y="731976"/>
+            <a:ext cx="7315215" cy="5486411"/>
+          </a:xfrm>
+          <a:prstGeom prst="rect">
+            <a:avLst/>
+          </a:prstGeom>
+        </p:spPr>
+      </p:pic>
+      <p:sp>
+        <p:nvSpPr>
+          <p:cNvPr id="252" name="Shape 252"/>
+          <p:cNvSpPr txBox="1">
+            <a:spLocks noGrp="1"/>
+          </p:cNvSpPr>
+          <p:nvPr>
+            <p:ph type="title"/>
+          </p:nvPr>
+        </p:nvSpPr>
+        <p:spPr>
+          <a:xfrm>
+            <a:off x="628650" y="365125"/>
+            <a:ext cx="7886700" cy="1325562"/>
+          </a:xfrm>
+          <a:prstGeom prst="rect">
+            <a:avLst/>
+          </a:prstGeom>
+          <a:noFill/>
+          <a:ln>
+            <a:noFill/>
+          </a:ln>
+        </p:spPr>
+        <p:txBody>
+          <a:bodyPr lIns="91425" tIns="45700" rIns="91425" bIns="45700" anchor="ctr" anchorCtr="0">
+            <a:noAutofit/>
+          </a:bodyPr>
+          <a:lstStyle/>
+          <a:p>
+            <a:pPr marL="0" marR="0" lvl="0" indent="0" algn="l" rtl="0">
+              <a:lnSpc>
+                <a:spcPct val="90000"/>
+              </a:lnSpc>
+              <a:spcBef>
+                <a:spcPts val="0"/>
+              </a:spcBef>
+              <a:spcAft>
+                <a:spcPts val="0"/>
+              </a:spcAft>
+              <a:buClr>
+                <a:schemeClr val="dk1"/>
+              </a:buClr>
+              <a:buSzPct val="25000"/>
+              <a:buFont typeface="Calibri"/>
+              <a:buNone/>
+            </a:pPr>
+            <a:r>
+              <a:rPr lang="en-US" sz="4400" b="0" i="0" u="none" strike="noStrike" cap="none" dirty="0" smtClean="0">
+                <a:solidFill>
+                  <a:schemeClr val="dk1"/>
+                </a:solidFill>
+                <a:latin typeface="Calibri"/>
+                <a:ea typeface="Calibri"/>
+                <a:cs typeface="Calibri"/>
+                <a:sym typeface="Calibri"/>
+              </a:rPr>
+              <a:t>Zen Relevance:</a:t>
+            </a:r>
+            <a:endParaRPr lang="en-US" sz="4400" b="0" i="0" u="none" strike="noStrike" cap="none" dirty="0">
+              <a:solidFill>
+                <a:schemeClr val="dk1"/>
+              </a:solidFill>
+              <a:latin typeface="Calibri"/>
+              <a:ea typeface="Calibri"/>
+              <a:cs typeface="Calibri"/>
+              <a:sym typeface="Calibri"/>
+            </a:endParaRPr>
+          </a:p>
+        </p:txBody>
+      </p:sp>
+      <p:sp>
+        <p:nvSpPr>
+          <p:cNvPr id="6" name="TextBox 5"/>
+          <p:cNvSpPr txBox="1"/>
+          <p:nvPr/>
+        </p:nvSpPr>
+        <p:spPr>
+          <a:xfrm>
+            <a:off x="732647" y="5915025"/>
+            <a:ext cx="7486345" cy="954107"/>
+          </a:xfrm>
+          <a:prstGeom prst="rect">
+            <a:avLst/>
+          </a:prstGeom>
+          <a:noFill/>
+        </p:spPr>
+        <p:txBody>
+          <a:bodyPr wrap="none" rtlCol="0">
+            <a:spAutoFit/>
+          </a:bodyPr>
+          <a:lstStyle/>
+          <a:p>
+            <a:pPr marL="285750" indent="-285750">
+              <a:buFont typeface="Arial" panose="020B0604020202020204" pitchFamily="34" charset="0"/>
+              <a:buChar char="•"/>
+            </a:pPr>
+            <a:r>
+              <a:rPr lang="en-US" sz="2800" dirty="0" smtClean="0">
+                <a:latin typeface="Calibri" panose="020F0502020204030204" pitchFamily="34" charset="0"/>
+              </a:rPr>
+              <a:t>Under what network conditions is the Zen route</a:t>
+            </a:r>
+          </a:p>
+          <a:p>
+            <a:r>
+              <a:rPr lang="en-US" sz="2800" dirty="0" smtClean="0">
+                <a:latin typeface="Calibri" panose="020F0502020204030204" pitchFamily="34" charset="0"/>
+              </a:rPr>
+              <a:t> most appealing?</a:t>
+            </a:r>
+            <a:endParaRPr lang="en-US" sz="2800" dirty="0">
+              <a:latin typeface="Calibri" panose="020F0502020204030204" pitchFamily="34" charset="0"/>
+            </a:endParaRPr>
+          </a:p>
+        </p:txBody>
+      </p:sp>
+    </p:spTree>
+    <p:extLst>
+      <p:ext uri="{BB962C8B-B14F-4D97-AF65-F5344CB8AC3E}">
+        <p14:creationId xmlns:p14="http://schemas.microsoft.com/office/powerpoint/2010/main" val="919671847"/>
+      </p:ext>
+    </p:extLst>
+  </p:cSld>
+  <p:clrMapOvr>
+    <a:masterClrMapping/>
+  </p:clrMapOvr>
+  <p:timing>
+    <p:tnLst>
+      <p:par>
+        <p:cTn id="1" dur="indefinite" restart="never" nodeType="tmRoot"/>
+      </p:par>
+    </p:tnLst>
+  </p:timing>
+</p:sld>
+</file>
+
+<file path=ppt/slides/slide32.xml><?xml version="1.0" encoding="utf-8"?>
 <p:sld xmlns:a="http://schemas.openxmlformats.org/drawingml/2006/main" xmlns:r="http://schemas.openxmlformats.org/officeDocument/2006/relationships" xmlns:p="http://schemas.openxmlformats.org/presentationml/2006/main">
   <p:cSld>
     <p:spTree>
@@ -36346,7 +39442,7 @@
 </p:sld>
 </file>
 
-<file path=ppt/slides/slide24.xml><?xml version="1.0" encoding="utf-8"?>
+<file path=ppt/slides/slide33.xml><?xml version="1.0" encoding="utf-8"?>
 <p:sld xmlns:a="http://schemas.openxmlformats.org/drawingml/2006/main" xmlns:r="http://schemas.openxmlformats.org/officeDocument/2006/relationships" xmlns:p="http://schemas.openxmlformats.org/presentationml/2006/main">
   <p:cSld>
     <p:spTree>
@@ -36463,7 +39559,7 @@
 </p:sld>
 </file>
 
-<file path=ppt/slides/slide25.xml><?xml version="1.0" encoding="utf-8"?>
+<file path=ppt/slides/slide34.xml><?xml version="1.0" encoding="utf-8"?>
 <p:sld xmlns:a="http://schemas.openxmlformats.org/drawingml/2006/main" xmlns:r="http://schemas.openxmlformats.org/officeDocument/2006/relationships" xmlns:p="http://schemas.openxmlformats.org/presentationml/2006/main">
   <p:cSld>
     <p:spTree>
@@ -36674,7 +39770,6 @@
               <a:rPr lang="en-US" dirty="0" smtClean="0"/>
               <a:t>Scenery</a:t>
             </a:r>
-            <a:endParaRPr lang="en-US" dirty="0" smtClean="0"/>
           </a:p>
           <a:p>
             <a:pPr marL="800100" lvl="1" indent="-342900">
@@ -36713,7 +39808,7 @@
 </p:sld>
 </file>
 
-<file path=ppt/slides/slide26.xml><?xml version="1.0" encoding="utf-8"?>
+<file path=ppt/slides/slide35.xml><?xml version="1.0" encoding="utf-8"?>
 <p:sld xmlns:a="http://schemas.openxmlformats.org/drawingml/2006/main" xmlns:r="http://schemas.openxmlformats.org/officeDocument/2006/relationships" xmlns:p="http://schemas.openxmlformats.org/presentationml/2006/main">
   <p:cSld>
     <p:bg>
@@ -36833,7 +39928,7 @@
 </p:sld>
 </file>
 
-<file path=ppt/slides/slide27.xml><?xml version="1.0" encoding="utf-8"?>
+<file path=ppt/slides/slide36.xml><?xml version="1.0" encoding="utf-8"?>
 <p:sld xmlns:a="http://schemas.openxmlformats.org/drawingml/2006/main" xmlns:r="http://schemas.openxmlformats.org/officeDocument/2006/relationships" xmlns:p="http://schemas.openxmlformats.org/presentationml/2006/main">
   <p:cSld>
     <p:spTree>
@@ -36976,7 +40071,6 @@
               <a:rPr lang="en-US" dirty="0" smtClean="0"/>
               <a:t> </a:t>
             </a:r>
-            <a:endParaRPr lang="en-US" dirty="0" smtClean="0"/>
           </a:p>
           <a:p>
             <a:pPr marL="342900" indent="-342900"/>
@@ -37037,7 +40131,6 @@
               <a:rPr lang="en-US" dirty="0" smtClean="0"/>
               <a:t> </a:t>
             </a:r>
-            <a:endParaRPr lang="en-US" dirty="0" smtClean="0"/>
           </a:p>
           <a:p>
             <a:pPr marL="800100" lvl="1" indent="-342900">
@@ -37048,7 +40141,6 @@
               <a:rPr lang="en-US" dirty="0" smtClean="0"/>
               <a:t>Phone- es.123rf.com </a:t>
             </a:r>
-            <a:endParaRPr lang="en-US" dirty="0" smtClean="0"/>
           </a:p>
           <a:p>
             <a:pPr marL="800100" lvl="1" indent="-342900">
@@ -37073,7 +40165,6 @@
               <a:rPr lang="en-US" dirty="0" smtClean="0"/>
               <a:t> </a:t>
             </a:r>
-            <a:endParaRPr lang="en-US" dirty="0" smtClean="0"/>
           </a:p>
           <a:p>
             <a:pPr marL="342900" indent="-342900"/>
@@ -37100,343 +40191,6 @@
     <p:extLst>
       <p:ext uri="{BB962C8B-B14F-4D97-AF65-F5344CB8AC3E}">
         <p14:creationId xmlns:p14="http://schemas.microsoft.com/office/powerpoint/2010/main" val="1861908233"/>
-      </p:ext>
-    </p:extLst>
-  </p:cSld>
-  <p:clrMapOvr>
-    <a:masterClrMapping/>
-  </p:clrMapOvr>
-  <p:timing>
-    <p:tnLst>
-      <p:par>
-        <p:cTn id="1" dur="indefinite" restart="never" nodeType="tmRoot"/>
-      </p:par>
-    </p:tnLst>
-  </p:timing>
-</p:sld>
-</file>
-
-<file path=ppt/slides/slide28.xml><?xml version="1.0" encoding="utf-8"?>
-<p:sld xmlns:a="http://schemas.openxmlformats.org/drawingml/2006/main" xmlns:r="http://schemas.openxmlformats.org/officeDocument/2006/relationships" xmlns:p="http://schemas.openxmlformats.org/presentationml/2006/main">
-  <p:cSld>
-    <p:spTree>
-      <p:nvGrpSpPr>
-        <p:cNvPr id="1" name="Shape 251"/>
-        <p:cNvGrpSpPr/>
-        <p:nvPr/>
-      </p:nvGrpSpPr>
-      <p:grpSpPr>
-        <a:xfrm>
-          <a:off x="0" y="0"/>
-          <a:ext cx="0" cy="0"/>
-          <a:chOff x="0" y="0"/>
-          <a:chExt cx="0" cy="0"/>
-        </a:xfrm>
-      </p:grpSpPr>
-      <p:sp>
-        <p:nvSpPr>
-          <p:cNvPr id="252" name="Shape 252"/>
-          <p:cNvSpPr txBox="1">
-            <a:spLocks noGrp="1"/>
-          </p:cNvSpPr>
-          <p:nvPr>
-            <p:ph type="title"/>
-          </p:nvPr>
-        </p:nvSpPr>
-        <p:spPr>
-          <a:xfrm>
-            <a:off x="628650" y="365125"/>
-            <a:ext cx="7886700" cy="1325562"/>
-          </a:xfrm>
-          <a:prstGeom prst="rect">
-            <a:avLst/>
-          </a:prstGeom>
-          <a:noFill/>
-          <a:ln>
-            <a:noFill/>
-          </a:ln>
-        </p:spPr>
-        <p:txBody>
-          <a:bodyPr lIns="91425" tIns="45700" rIns="91425" bIns="45700" anchor="ctr" anchorCtr="0">
-            <a:noAutofit/>
-          </a:bodyPr>
-          <a:lstStyle/>
-          <a:p>
-            <a:pPr marL="0" marR="0" lvl="0" indent="0" algn="l" rtl="0">
-              <a:lnSpc>
-                <a:spcPct val="90000"/>
-              </a:lnSpc>
-              <a:spcBef>
-                <a:spcPts val="0"/>
-              </a:spcBef>
-              <a:spcAft>
-                <a:spcPts val="0"/>
-              </a:spcAft>
-              <a:buClr>
-                <a:schemeClr val="dk1"/>
-              </a:buClr>
-              <a:buSzPct val="25000"/>
-              <a:buFont typeface="Calibri"/>
-              <a:buNone/>
-            </a:pPr>
-            <a:r>
-              <a:rPr lang="en-US" sz="4400" b="0" i="0" u="none" strike="noStrike" cap="none" dirty="0" smtClean="0">
-                <a:solidFill>
-                  <a:schemeClr val="dk1"/>
-                </a:solidFill>
-                <a:latin typeface="Calibri"/>
-                <a:ea typeface="Calibri"/>
-                <a:cs typeface="Calibri"/>
-                <a:sym typeface="Calibri"/>
-              </a:rPr>
-              <a:t>Network Reduction:</a:t>
-            </a:r>
-            <a:endParaRPr lang="en-US" sz="4400" b="0" i="0" u="none" strike="noStrike" cap="none" dirty="0">
-              <a:solidFill>
-                <a:schemeClr val="dk1"/>
-              </a:solidFill>
-              <a:latin typeface="Calibri"/>
-              <a:ea typeface="Calibri"/>
-              <a:cs typeface="Calibri"/>
-              <a:sym typeface="Calibri"/>
-            </a:endParaRPr>
-          </a:p>
-        </p:txBody>
-      </p:sp>
-      <p:pic>
-        <p:nvPicPr>
-          <p:cNvPr id="2" name="Picture 1"/>
-          <p:cNvPicPr>
-            <a:picLocks noChangeAspect="1"/>
-          </p:cNvPicPr>
-          <p:nvPr/>
-        </p:nvPicPr>
-        <p:blipFill>
-          <a:blip r:embed="rId3">
-            <a:extLst>
-              <a:ext uri="{28A0092B-C50C-407E-A947-70E740481C1C}">
-                <a14:useLocalDpi xmlns:a14="http://schemas.microsoft.com/office/drawing/2010/main" val="0"/>
-              </a:ext>
-            </a:extLst>
-          </a:blip>
-          <a:stretch>
-            <a:fillRect/>
-          </a:stretch>
-        </p:blipFill>
-        <p:spPr>
-          <a:xfrm>
-            <a:off x="241501" y="1690687"/>
-            <a:ext cx="4083761" cy="4888139"/>
-          </a:xfrm>
-          <a:prstGeom prst="rect">
-            <a:avLst/>
-          </a:prstGeom>
-        </p:spPr>
-      </p:pic>
-      <p:pic>
-        <p:nvPicPr>
-          <p:cNvPr id="3" name="Picture 2"/>
-          <p:cNvPicPr>
-            <a:picLocks noChangeAspect="1"/>
-          </p:cNvPicPr>
-          <p:nvPr/>
-        </p:nvPicPr>
-        <p:blipFill>
-          <a:blip r:embed="rId4">
-            <a:extLst>
-              <a:ext uri="{28A0092B-C50C-407E-A947-70E740481C1C}">
-                <a14:useLocalDpi xmlns:a14="http://schemas.microsoft.com/office/drawing/2010/main" val="0"/>
-              </a:ext>
-            </a:extLst>
-          </a:blip>
-          <a:stretch>
-            <a:fillRect/>
-          </a:stretch>
-        </p:blipFill>
-        <p:spPr>
-          <a:xfrm>
-            <a:off x="4835221" y="1690686"/>
-            <a:ext cx="4083761" cy="4888139"/>
-          </a:xfrm>
-          <a:prstGeom prst="rect">
-            <a:avLst/>
-          </a:prstGeom>
-        </p:spPr>
-      </p:pic>
-      <p:sp>
-        <p:nvSpPr>
-          <p:cNvPr id="10" name="Right Arrow 9"/>
-          <p:cNvSpPr/>
-          <p:nvPr/>
-        </p:nvSpPr>
-        <p:spPr>
-          <a:xfrm>
-            <a:off x="4281720" y="3758292"/>
-            <a:ext cx="682166" cy="571500"/>
-          </a:xfrm>
-          <a:prstGeom prst="rightArrow">
-            <a:avLst/>
-          </a:prstGeom>
-          <a:solidFill>
-            <a:schemeClr val="bg1">
-              <a:lumMod val="85000"/>
-            </a:schemeClr>
-          </a:solidFill>
-          <a:ln>
-            <a:solidFill>
-              <a:schemeClr val="tx1">
-                <a:lumMod val="65000"/>
-                <a:lumOff val="35000"/>
-              </a:schemeClr>
-            </a:solidFill>
-          </a:ln>
-        </p:spPr>
-        <p:style>
-          <a:lnRef idx="2">
-            <a:schemeClr val="accent1">
-              <a:shade val="50000"/>
-            </a:schemeClr>
-          </a:lnRef>
-          <a:fillRef idx="1">
-            <a:schemeClr val="accent1"/>
-          </a:fillRef>
-          <a:effectRef idx="0">
-            <a:schemeClr val="accent1"/>
-          </a:effectRef>
-          <a:fontRef idx="minor">
-            <a:schemeClr val="lt1"/>
-          </a:fontRef>
-        </p:style>
-        <p:txBody>
-          <a:bodyPr rtlCol="0" anchor="ctr"/>
-          <a:lstStyle/>
-          <a:p>
-            <a:pPr algn="ctr"/>
-            <a:endParaRPr lang="en-US"/>
-          </a:p>
-        </p:txBody>
-      </p:sp>
-    </p:spTree>
-    <p:extLst>
-      <p:ext uri="{BB962C8B-B14F-4D97-AF65-F5344CB8AC3E}">
-        <p14:creationId xmlns:p14="http://schemas.microsoft.com/office/powerpoint/2010/main" val="2847502392"/>
-      </p:ext>
-    </p:extLst>
-  </p:cSld>
-  <p:clrMapOvr>
-    <a:masterClrMapping/>
-  </p:clrMapOvr>
-  <p:timing>
-    <p:tnLst>
-      <p:par>
-        <p:cTn id="1" dur="indefinite" restart="never" nodeType="tmRoot"/>
-      </p:par>
-    </p:tnLst>
-  </p:timing>
-</p:sld>
-</file>
-
-<file path=ppt/slides/slide3.xml><?xml version="1.0" encoding="utf-8"?>
-<p:sld xmlns:a="http://schemas.openxmlformats.org/drawingml/2006/main" xmlns:r="http://schemas.openxmlformats.org/officeDocument/2006/relationships" xmlns:p="http://schemas.openxmlformats.org/presentationml/2006/main">
-  <p:cSld>
-    <p:spTree>
-      <p:nvGrpSpPr>
-        <p:cNvPr id="1" name="Shape 219"/>
-        <p:cNvGrpSpPr/>
-        <p:nvPr/>
-      </p:nvGrpSpPr>
-      <p:grpSpPr>
-        <a:xfrm>
-          <a:off x="0" y="0"/>
-          <a:ext cx="0" cy="0"/>
-          <a:chOff x="0" y="0"/>
-          <a:chExt cx="0" cy="0"/>
-        </a:xfrm>
-      </p:grpSpPr>
-      <p:sp>
-        <p:nvSpPr>
-          <p:cNvPr id="220" name="Shape 220"/>
-          <p:cNvSpPr txBox="1">
-            <a:spLocks noGrp="1"/>
-          </p:cNvSpPr>
-          <p:nvPr>
-            <p:ph type="title"/>
-          </p:nvPr>
-        </p:nvSpPr>
-        <p:spPr>
-          <a:xfrm>
-            <a:off x="628650" y="2411639"/>
-            <a:ext cx="7886700" cy="1325700"/>
-          </a:xfrm>
-          <a:prstGeom prst="rect">
-            <a:avLst/>
-          </a:prstGeom>
-          <a:solidFill>
-            <a:srgbClr val="571F27"/>
-          </a:solidFill>
-          <a:ln>
-            <a:noFill/>
-          </a:ln>
-        </p:spPr>
-        <p:txBody>
-          <a:bodyPr lIns="91425" tIns="45700" rIns="91425" bIns="45700" anchor="ctr" anchorCtr="0">
-            <a:noAutofit/>
-          </a:bodyPr>
-          <a:lstStyle/>
-          <a:p>
-            <a:pPr marL="0" marR="0" lvl="0" indent="0" algn="l" rtl="0">
-              <a:lnSpc>
-                <a:spcPct val="90000"/>
-              </a:lnSpc>
-              <a:spcBef>
-                <a:spcPts val="0"/>
-              </a:spcBef>
-              <a:spcAft>
-                <a:spcPts val="0"/>
-              </a:spcAft>
-              <a:buClr>
-                <a:schemeClr val="dk1"/>
-              </a:buClr>
-              <a:buSzPct val="25000"/>
-              <a:buFont typeface="Calibri"/>
-              <a:buNone/>
-            </a:pPr>
-            <a:r>
-              <a:rPr lang="en-US" dirty="0" smtClean="0">
-                <a:solidFill>
-                  <a:schemeClr val="bg1"/>
-                </a:solidFill>
-              </a:rPr>
-              <a:t>I. Introduction</a:t>
-            </a:r>
-            <a:r>
-              <a:rPr lang="en-US" sz="4400" b="0" i="0" u="none" strike="noStrike" cap="none" dirty="0" smtClean="0">
-                <a:solidFill>
-                  <a:schemeClr val="bg1"/>
-                </a:solidFill>
-                <a:latin typeface="Calibri"/>
-                <a:ea typeface="Calibri"/>
-                <a:cs typeface="Calibri"/>
-                <a:sym typeface="Calibri"/>
-              </a:rPr>
-              <a:t>:</a:t>
-            </a:r>
-            <a:endParaRPr lang="en-US" sz="4400" b="0" i="0" u="none" strike="noStrike" cap="none" dirty="0">
-              <a:solidFill>
-                <a:schemeClr val="bg1"/>
-              </a:solidFill>
-              <a:latin typeface="Calibri"/>
-              <a:ea typeface="Calibri"/>
-              <a:cs typeface="Calibri"/>
-              <a:sym typeface="Calibri"/>
-            </a:endParaRPr>
-          </a:p>
-        </p:txBody>
-      </p:sp>
-    </p:spTree>
-    <p:extLst>
-      <p:ext uri="{BB962C8B-B14F-4D97-AF65-F5344CB8AC3E}">
-        <p14:creationId xmlns:p14="http://schemas.microsoft.com/office/powerpoint/2010/main" val="3663529099"/>
       </p:ext>
     </p:extLst>
   </p:cSld>
